--- a/Poster/Deep-Protection-Poster-v0.1.pptx
+++ b/Poster/Deep-Protection-Poster-v0.1.pptx
@@ -4580,7 +4580,7 @@
                   <a:srgbClr val="881C1C"/>
                 </a:solidFill>
               </a:rPr>
-              <a:t>COMSCI-682 Class Project, Prof. Learned-Miller</a:t>
+              <a:t>Advised by: Prof. Learned-Miller</a:t>
             </a:r>
           </a:p>
         </p:txBody>
@@ -4737,47 +4737,6 @@
       </p:sp>
       <p:sp>
         <p:nvSpPr>
-          <p:cNvPr id="2056" name="Line 326"/>
-          <p:cNvSpPr>
-            <a:spLocks noChangeShapeType="1"/>
-          </p:cNvSpPr>
-          <p:nvPr/>
-        </p:nvSpPr>
-        <p:spPr bwMode="auto">
-          <a:xfrm>
-            <a:off x="703263" y="30259338"/>
-            <a:ext cx="20650200" cy="0"/>
-          </a:xfrm>
-          <a:prstGeom prst="line">
-            <a:avLst/>
-          </a:prstGeom>
-          <a:noFill/>
-          <a:ln w="12700">
-            <a:solidFill>
-              <a:srgbClr val="333399"/>
-            </a:solidFill>
-            <a:round/>
-            <a:headEnd type="none" w="sm" len="sm"/>
-            <a:tailEnd type="none" w="sm" len="sm"/>
-          </a:ln>
-          <a:extLst>
-            <a:ext uri="{909E8E84-426E-40DD-AFC4-6F175D3DCCD1}">
-              <a14:hiddenFill xmlns:a14="http://schemas.microsoft.com/office/drawing/2010/main">
-                <a:noFill/>
-              </a14:hiddenFill>
-            </a:ext>
-          </a:extLst>
-        </p:spPr>
-        <p:txBody>
-          <a:bodyPr wrap="none" anchor="ctr"/>
-          <a:lstStyle/>
-          <a:p>
-            <a:endParaRPr lang="en-US"/>
-          </a:p>
-        </p:txBody>
-      </p:sp>
-      <p:sp>
-        <p:nvSpPr>
           <p:cNvPr id="15370" name="Text Box 359"/>
           <p:cNvSpPr txBox="1">
             <a:spLocks noChangeArrowheads="1"/>
@@ -4787,7 +4746,7 @@
         <p:spPr bwMode="auto">
           <a:xfrm>
             <a:off x="1330040" y="3957721"/>
-            <a:ext cx="8958262" cy="7334550"/>
+            <a:ext cx="8958262" cy="6965218"/>
           </a:xfrm>
           <a:prstGeom prst="rect">
             <a:avLst/>
@@ -4966,7 +4925,7 @@
             </a:pPr>
             <a:r>
               <a:rPr lang="en-US" sz="2400" b="0" dirty="0"/>
-              <a:t>There are several types of attacks, and defenses against them are attack specific, hence we need a universal defense </a:t>
+              <a:t>There are several types of attacks, and defenses against them are attack specific, not very practical in real world! </a:t>
             </a:r>
           </a:p>
           <a:p>
@@ -4976,7 +4935,7 @@
             </a:pPr>
             <a:r>
               <a:rPr lang="en-US" sz="2400" b="0" dirty="0"/>
-              <a:t>Search performed efficiently in software, while Scoring, with inherent parallelism, is efficient in specialized hardware.</a:t>
+              <a:t>We reimagine adversarial defense problem as an image restoration problem - restore non-adversarial prior from the adversarial image. </a:t>
             </a:r>
           </a:p>
           <a:p>
@@ -4986,7 +4945,7 @@
             </a:pPr>
             <a:r>
               <a:rPr lang="en-US" sz="2400" b="0" dirty="0"/>
-              <a:t>New nanoscale hardware acceleration framework significantly accelerates the scoring aspect of the BN learning of GENs using a combination of emerging stochastic devices and CMOS technology.</a:t>
+              <a:t>We use Deep Image Prior (DIP) – an image restoration technique, and modify it to protect against adversarial images</a:t>
             </a:r>
           </a:p>
           <a:p>
@@ -4996,7 +4955,7 @@
             </a:pPr>
             <a:r>
               <a:rPr lang="en-US" sz="2400" b="0" dirty="0"/>
-              <a:t>Performance benefits of five orders of magnitude in performing inference operations is estimated with this architecture, over software-only approaches.</a:t>
+              <a:t>We successfully demonstrate protection of deep networks (Deep Protection) against 8 different adversarial attacks and gain several in use of DIP in this application space.</a:t>
             </a:r>
           </a:p>
           <a:p>
@@ -5004,895 +4963,18 @@
           </a:p>
         </p:txBody>
       </p:sp>
-      <mc:AlternateContent xmlns:mc="http://schemas.openxmlformats.org/markup-compatibility/2006" xmlns:a14="http://schemas.microsoft.com/office/drawing/2010/main">
-        <mc:Choice Requires="a14">
-          <p:sp>
-            <p:nvSpPr>
-              <p:cNvPr id="15371" name="Text Box 444"/>
-              <p:cNvSpPr txBox="1">
-                <a:spLocks noChangeArrowheads="1"/>
-              </p:cNvSpPr>
-              <p:nvPr/>
-            </p:nvSpPr>
-            <p:spPr bwMode="auto">
-              <a:xfrm>
-                <a:off x="1330040" y="11233150"/>
-                <a:ext cx="8958262" cy="12868822"/>
-              </a:xfrm>
-              <a:prstGeom prst="rect">
-                <a:avLst/>
-              </a:prstGeom>
-              <a:noFill/>
-              <a:ln>
-                <a:noFill/>
-              </a:ln>
-              <a:extLst>
-                <a:ext uri="{909E8E84-426E-40DD-AFC4-6F175D3DCCD1}">
-                  <a14:hiddenFill>
-                    <a:solidFill>
-                      <a:srgbClr val="FFFFFF"/>
-                    </a:solidFill>
-                  </a14:hiddenFill>
-                </a:ext>
-                <a:ext uri="{91240B29-F687-4F45-9708-019B960494DF}">
-                  <a14:hiddenLine w="12700">
-                    <a:solidFill>
-                      <a:srgbClr val="000000"/>
-                    </a:solidFill>
-                    <a:miter lim="800000"/>
-                    <a:headEnd type="none" w="sm" len="sm"/>
-                    <a:tailEnd type="none" w="sm" len="sm"/>
-                  </a14:hiddenLine>
-                </a:ext>
-              </a:extLst>
-            </p:spPr>
-            <p:txBody>
-              <a:bodyPr lIns="70336" tIns="35168" rIns="70336" bIns="35168">
-                <a:spAutoFit/>
-              </a:bodyPr>
-              <a:lstStyle>
-                <a:lvl1pPr defTabSz="703263" eaLnBrk="0" hangingPunct="0">
-                  <a:defRPr b="1">
-                    <a:solidFill>
-                      <a:schemeClr val="tx1"/>
-                    </a:solidFill>
-                    <a:latin typeface="Arial" charset="0"/>
-                    <a:ea typeface="ＭＳ Ｐゴシック" pitchFamily="34" charset="-128"/>
-                  </a:defRPr>
-                </a:lvl1pPr>
-                <a:lvl2pPr marL="742950" indent="-285750" defTabSz="703263" eaLnBrk="0" hangingPunct="0">
-                  <a:defRPr b="1">
-                    <a:solidFill>
-                      <a:schemeClr val="tx1"/>
-                    </a:solidFill>
-                    <a:latin typeface="Arial" charset="0"/>
-                    <a:ea typeface="ＭＳ Ｐゴシック" pitchFamily="34" charset="-128"/>
-                  </a:defRPr>
-                </a:lvl2pPr>
-                <a:lvl3pPr marL="1143000" indent="-228600" defTabSz="703263" eaLnBrk="0" hangingPunct="0">
-                  <a:defRPr b="1">
-                    <a:solidFill>
-                      <a:schemeClr val="tx1"/>
-                    </a:solidFill>
-                    <a:latin typeface="Arial" charset="0"/>
-                    <a:ea typeface="ＭＳ Ｐゴシック" pitchFamily="34" charset="-128"/>
-                  </a:defRPr>
-                </a:lvl3pPr>
-                <a:lvl4pPr marL="1600200" indent="-228600" defTabSz="703263" eaLnBrk="0" hangingPunct="0">
-                  <a:defRPr b="1">
-                    <a:solidFill>
-                      <a:schemeClr val="tx1"/>
-                    </a:solidFill>
-                    <a:latin typeface="Arial" charset="0"/>
-                    <a:ea typeface="ＭＳ Ｐゴシック" pitchFamily="34" charset="-128"/>
-                  </a:defRPr>
-                </a:lvl4pPr>
-                <a:lvl5pPr marL="2057400" indent="-228600" defTabSz="703263" eaLnBrk="0" hangingPunct="0">
-                  <a:defRPr b="1">
-                    <a:solidFill>
-                      <a:schemeClr val="tx1"/>
-                    </a:solidFill>
-                    <a:latin typeface="Arial" charset="0"/>
-                    <a:ea typeface="ＭＳ Ｐゴシック" pitchFamily="34" charset="-128"/>
-                  </a:defRPr>
-                </a:lvl5pPr>
-                <a:lvl6pPr marL="2514600" indent="-228600" algn="ctr" defTabSz="703263" eaLnBrk="0" fontAlgn="base" hangingPunct="0">
-                  <a:spcBef>
-                    <a:spcPct val="0"/>
-                  </a:spcBef>
-                  <a:spcAft>
-                    <a:spcPct val="0"/>
-                  </a:spcAft>
-                  <a:defRPr b="1">
-                    <a:solidFill>
-                      <a:schemeClr val="tx1"/>
-                    </a:solidFill>
-                    <a:latin typeface="Arial" charset="0"/>
-                    <a:ea typeface="ＭＳ Ｐゴシック" pitchFamily="34" charset="-128"/>
-                  </a:defRPr>
-                </a:lvl6pPr>
-                <a:lvl7pPr marL="2971800" indent="-228600" algn="ctr" defTabSz="703263" eaLnBrk="0" fontAlgn="base" hangingPunct="0">
-                  <a:spcBef>
-                    <a:spcPct val="0"/>
-                  </a:spcBef>
-                  <a:spcAft>
-                    <a:spcPct val="0"/>
-                  </a:spcAft>
-                  <a:defRPr b="1">
-                    <a:solidFill>
-                      <a:schemeClr val="tx1"/>
-                    </a:solidFill>
-                    <a:latin typeface="Arial" charset="0"/>
-                    <a:ea typeface="ＭＳ Ｐゴシック" pitchFamily="34" charset="-128"/>
-                  </a:defRPr>
-                </a:lvl7pPr>
-                <a:lvl8pPr marL="3429000" indent="-228600" algn="ctr" defTabSz="703263" eaLnBrk="0" fontAlgn="base" hangingPunct="0">
-                  <a:spcBef>
-                    <a:spcPct val="0"/>
-                  </a:spcBef>
-                  <a:spcAft>
-                    <a:spcPct val="0"/>
-                  </a:spcAft>
-                  <a:defRPr b="1">
-                    <a:solidFill>
-                      <a:schemeClr val="tx1"/>
-                    </a:solidFill>
-                    <a:latin typeface="Arial" charset="0"/>
-                    <a:ea typeface="ＭＳ Ｐゴシック" pitchFamily="34" charset="-128"/>
-                  </a:defRPr>
-                </a:lvl8pPr>
-                <a:lvl9pPr marL="3886200" indent="-228600" algn="ctr" defTabSz="703263" eaLnBrk="0" fontAlgn="base" hangingPunct="0">
-                  <a:spcBef>
-                    <a:spcPct val="0"/>
-                  </a:spcBef>
-                  <a:spcAft>
-                    <a:spcPct val="0"/>
-                  </a:spcAft>
-                  <a:defRPr b="1">
-                    <a:solidFill>
-                      <a:schemeClr val="tx1"/>
-                    </a:solidFill>
-                    <a:latin typeface="Arial" charset="0"/>
-                    <a:ea typeface="ＭＳ Ｐゴシック" pitchFamily="34" charset="-128"/>
-                  </a:defRPr>
-                </a:lvl9pPr>
-              </a:lstStyle>
-              <a:p>
-                <a:pPr eaLnBrk="1" hangingPunct="1"/>
-                <a:r>
-                  <a:rPr lang="en-US" altLang="en-US" sz="3600" dirty="0"/>
-                  <a:t>Structure Discovery in BNs</a:t>
-                </a:r>
-              </a:p>
-              <a:p>
-                <a:pPr eaLnBrk="1" hangingPunct="1"/>
-                <a:endParaRPr lang="en-US" altLang="en-US" sz="2400" b="0" dirty="0"/>
-              </a:p>
-              <a:p>
-                <a:pPr algn="just" eaLnBrk="1" hangingPunct="1">
-                  <a:buFont typeface="Arial" charset="0"/>
-                  <a:buChar char="•"/>
-                </a:pPr>
-                <a:r>
-                  <a:rPr lang="en-US" altLang="en-US" sz="2400" b="0" dirty="0"/>
-                  <a:t>  BNs are probabilistic models which encode domain knowledge in Graphs</a:t>
-                </a:r>
-              </a:p>
-              <a:p>
-                <a:pPr algn="just" eaLnBrk="1" hangingPunct="1">
-                  <a:buFont typeface="Arial" charset="0"/>
-                  <a:buChar char="•"/>
-                </a:pPr>
-                <a:r>
-                  <a:rPr lang="en-US" altLang="en-US" sz="2400" b="0" dirty="0"/>
-                  <a:t> Structure Discovery: Learning the BN graph given data; widely used in genetic applications</a:t>
-                </a:r>
-              </a:p>
-              <a:p>
-                <a:pPr algn="just" eaLnBrk="1" hangingPunct="1">
-                  <a:buFont typeface="Arial" charset="0"/>
-                  <a:buChar char="•"/>
-                </a:pPr>
-                <a:endParaRPr lang="en-US" altLang="en-US" sz="2400" b="0" dirty="0"/>
-              </a:p>
-              <a:p>
-                <a:pPr algn="just" eaLnBrk="1" hangingPunct="1">
-                  <a:buFont typeface="Arial" charset="0"/>
-                  <a:buChar char="•"/>
-                </a:pPr>
-                <a:endParaRPr lang="en-US" altLang="en-US" sz="2400" b="0" dirty="0"/>
-              </a:p>
-              <a:p>
-                <a:pPr algn="just" eaLnBrk="1" hangingPunct="1">
-                  <a:buFont typeface="Arial" charset="0"/>
-                  <a:buChar char="•"/>
-                </a:pPr>
-                <a:endParaRPr lang="en-US" altLang="en-US" sz="2400" b="0" dirty="0"/>
-              </a:p>
-              <a:p>
-                <a:pPr algn="just" eaLnBrk="1" hangingPunct="1">
-                  <a:buFont typeface="Arial" charset="0"/>
-                  <a:buChar char="•"/>
-                </a:pPr>
-                <a:endParaRPr lang="en-US" altLang="en-US" sz="2400" b="0" dirty="0"/>
-              </a:p>
-              <a:p>
-                <a:pPr algn="just" eaLnBrk="1" hangingPunct="1">
-                  <a:buFont typeface="Arial" charset="0"/>
-                  <a:buChar char="•"/>
-                </a:pPr>
-                <a:endParaRPr lang="en-US" altLang="en-US" sz="2400" b="0" dirty="0"/>
-              </a:p>
-              <a:p>
-                <a:pPr algn="just" eaLnBrk="1" hangingPunct="1">
-                  <a:buFont typeface="Arial" charset="0"/>
-                  <a:buChar char="•"/>
-                </a:pPr>
-                <a:endParaRPr lang="en-US" altLang="en-US" sz="2400" b="0" dirty="0"/>
-              </a:p>
-              <a:p>
-                <a:pPr algn="just" eaLnBrk="1" hangingPunct="1">
-                  <a:buFont typeface="Arial" charset="0"/>
-                  <a:buChar char="•"/>
-                </a:pPr>
-                <a:endParaRPr lang="en-US" altLang="en-US" sz="2400" b="0" dirty="0"/>
-              </a:p>
-              <a:p>
-                <a:pPr algn="just" eaLnBrk="1" hangingPunct="1">
-                  <a:buFont typeface="Arial" charset="0"/>
-                  <a:buChar char="•"/>
-                </a:pPr>
-                <a:endParaRPr lang="en-US" altLang="en-US" sz="2400" b="0" dirty="0"/>
-              </a:p>
-              <a:p>
-                <a:pPr algn="just" eaLnBrk="1" hangingPunct="1">
-                  <a:buFont typeface="Arial" charset="0"/>
-                  <a:buChar char="•"/>
-                </a:pPr>
-                <a:endParaRPr lang="en-US" altLang="en-US" sz="2400" b="0" dirty="0"/>
-              </a:p>
-              <a:p>
-                <a:pPr algn="just" eaLnBrk="1" hangingPunct="1">
-                  <a:buFont typeface="Arial" charset="0"/>
-                  <a:buChar char="•"/>
-                </a:pPr>
-                <a:endParaRPr lang="en-US" altLang="en-US" sz="2400" b="0" dirty="0"/>
-              </a:p>
-              <a:p>
-                <a:pPr algn="just" eaLnBrk="1" hangingPunct="1">
-                  <a:buFont typeface="Arial" charset="0"/>
-                  <a:buChar char="•"/>
-                </a:pPr>
-                <a:endParaRPr lang="en-US" altLang="en-US" sz="2400" b="0" dirty="0"/>
-              </a:p>
-              <a:p>
-                <a:pPr algn="just" eaLnBrk="1" hangingPunct="1">
-                  <a:buFont typeface="Arial" charset="0"/>
-                  <a:buChar char="•"/>
-                </a:pPr>
-                <a:endParaRPr lang="en-US" altLang="en-US" sz="2400" b="0" dirty="0"/>
-              </a:p>
-              <a:p>
-                <a:pPr algn="just" eaLnBrk="1" hangingPunct="1"/>
-                <a:endParaRPr lang="en-US" altLang="en-US" sz="2400" b="0" dirty="0"/>
-              </a:p>
-              <a:p>
-                <a:pPr algn="just" eaLnBrk="1" hangingPunct="1"/>
-                <a14:m>
-                  <m:oMathPara xmlns:m="http://schemas.openxmlformats.org/officeDocument/2006/math">
-                    <m:oMathParaPr>
-                      <m:jc m:val="centerGroup"/>
-                    </m:oMathParaPr>
-                    <m:oMath xmlns:m="http://schemas.openxmlformats.org/officeDocument/2006/math">
-                      <m:r>
-                        <a:rPr lang="en-US" sz="2400" i="1">
-                          <a:latin typeface="Cambria Math" panose="02040503050406030204" pitchFamily="18" charset="0"/>
-                        </a:rPr>
-                        <m:t>𝑷</m:t>
-                      </m:r>
-                      <m:d>
-                        <m:dPr>
-                          <m:endChr m:val="|"/>
-                          <m:ctrlPr>
-                            <a:rPr lang="en-US" sz="3200" i="1">
-                              <a:latin typeface="Cambria Math" panose="02040503050406030204" pitchFamily="18" charset="0"/>
-                            </a:rPr>
-                          </m:ctrlPr>
-                        </m:dPr>
-                        <m:e>
-                          <m:r>
-                            <a:rPr lang="en-US" sz="2400" i="1">
-                              <a:latin typeface="Cambria Math" panose="02040503050406030204" pitchFamily="18" charset="0"/>
-                            </a:rPr>
-                            <m:t>𝑺𝒕𝒓𝒖𝒄𝒕𝒖𝒓𝒆</m:t>
-                          </m:r>
-                        </m:e>
-                      </m:d>
-                      <m:r>
-                        <a:rPr lang="en-US" sz="2400" i="1">
-                          <a:latin typeface="Cambria Math" panose="02040503050406030204" pitchFamily="18" charset="0"/>
-                        </a:rPr>
-                        <m:t>𝑫𝒂𝒕𝒂</m:t>
-                      </m:r>
-                      <m:r>
-                        <a:rPr lang="en-US" sz="2400" i="1">
-                          <a:latin typeface="Cambria Math" panose="02040503050406030204" pitchFamily="18" charset="0"/>
-                        </a:rPr>
-                        <m:t>)∝</m:t>
-                      </m:r>
-                      <m:r>
-                        <a:rPr lang="en-US" sz="2400" i="1">
-                          <a:latin typeface="Cambria Math" panose="02040503050406030204" pitchFamily="18" charset="0"/>
-                        </a:rPr>
-                        <m:t>𝑷</m:t>
-                      </m:r>
-                      <m:d>
-                        <m:dPr>
-                          <m:ctrlPr>
-                            <a:rPr lang="en-US" sz="3200" i="1">
-                              <a:latin typeface="Cambria Math" panose="02040503050406030204" pitchFamily="18" charset="0"/>
-                            </a:rPr>
-                          </m:ctrlPr>
-                        </m:dPr>
-                        <m:e>
-                          <m:r>
-                            <a:rPr lang="en-US" sz="2400" i="1">
-                              <a:latin typeface="Cambria Math" panose="02040503050406030204" pitchFamily="18" charset="0"/>
-                            </a:rPr>
-                            <m:t>𝑫𝒂𝒕𝒂</m:t>
-                          </m:r>
-                        </m:e>
-                        <m:e>
-                          <m:r>
-                            <a:rPr lang="en-US" sz="2400" i="1">
-                              <a:latin typeface="Cambria Math" panose="02040503050406030204" pitchFamily="18" charset="0"/>
-                            </a:rPr>
-                            <m:t>𝑺𝒕𝒓𝒖𝒄𝒕𝒖𝒓𝒆</m:t>
-                          </m:r>
-                        </m:e>
-                      </m:d>
-                      <m:r>
-                        <a:rPr lang="en-US" sz="2400" i="1">
-                          <a:latin typeface="Cambria Math" panose="02040503050406030204" pitchFamily="18" charset="0"/>
-                        </a:rPr>
-                        <m:t>.</m:t>
-                      </m:r>
-                      <m:r>
-                        <a:rPr lang="en-US" sz="2400" i="1">
-                          <a:latin typeface="Cambria Math" panose="02040503050406030204" pitchFamily="18" charset="0"/>
-                        </a:rPr>
-                        <m:t>𝑷</m:t>
-                      </m:r>
-                      <m:d>
-                        <m:dPr>
-                          <m:ctrlPr>
-                            <a:rPr lang="en-US" sz="3200" i="1">
-                              <a:latin typeface="Cambria Math" panose="02040503050406030204" pitchFamily="18" charset="0"/>
-                            </a:rPr>
-                          </m:ctrlPr>
-                        </m:dPr>
-                        <m:e>
-                          <m:r>
-                            <a:rPr lang="en-US" sz="2400" i="1">
-                              <a:latin typeface="Cambria Math" panose="02040503050406030204" pitchFamily="18" charset="0"/>
-                            </a:rPr>
-                            <m:t>𝑺𝒕𝒓𝒖𝒄𝒕𝒖𝒓𝒆</m:t>
-                          </m:r>
-                        </m:e>
-                      </m:d>
-                      <m:r>
-                        <a:rPr lang="en-US" sz="2400" i="1">
-                          <a:latin typeface="Cambria Math" panose="02040503050406030204" pitchFamily="18" charset="0"/>
-                        </a:rPr>
-                        <m:t>   </m:t>
-                      </m:r>
-                    </m:oMath>
-                  </m:oMathPara>
-                </a14:m>
-                <a:endParaRPr lang="en-US" altLang="en-US" sz="2400" b="0" dirty="0"/>
-              </a:p>
-              <a:p>
-                <a:pPr algn="just" eaLnBrk="1" hangingPunct="1">
-                  <a:buFont typeface="Arial" charset="0"/>
-                  <a:buChar char="•"/>
-                </a:pPr>
-                <a:endParaRPr lang="en-US" altLang="en-US" sz="2400" b="0" dirty="0"/>
-              </a:p>
-              <a:p>
-                <a:pPr algn="just" eaLnBrk="1" hangingPunct="1">
-                  <a:buFont typeface="Arial" charset="0"/>
-                  <a:buChar char="•"/>
-                </a:pPr>
-                <a:endParaRPr lang="en-US" altLang="en-US" sz="2400" b="0" dirty="0"/>
-              </a:p>
-              <a:p>
-                <a:pPr algn="just" eaLnBrk="1" hangingPunct="1">
-                  <a:buFont typeface="Arial" charset="0"/>
-                  <a:buChar char="•"/>
-                </a:pPr>
-                <a:endParaRPr lang="en-US" altLang="en-US" sz="2400" b="0" dirty="0"/>
-              </a:p>
-              <a:p>
-                <a:pPr algn="just" eaLnBrk="1" hangingPunct="1">
-                  <a:buFont typeface="Arial" charset="0"/>
-                  <a:buChar char="•"/>
-                </a:pPr>
-                <a:endParaRPr lang="en-US" altLang="en-US" sz="2400" b="0" dirty="0"/>
-              </a:p>
-              <a:p>
-                <a:pPr algn="just" eaLnBrk="1" hangingPunct="1">
-                  <a:buFont typeface="Arial" charset="0"/>
-                  <a:buChar char="•"/>
-                </a:pPr>
-                <a:endParaRPr lang="en-US" altLang="en-US" sz="2400" b="0" dirty="0"/>
-              </a:p>
-              <a:p>
-                <a:pPr algn="just" eaLnBrk="1" hangingPunct="1">
-                  <a:buFont typeface="Arial" charset="0"/>
-                  <a:buChar char="•"/>
-                </a:pPr>
-                <a:endParaRPr lang="en-US" altLang="en-US" sz="2400" b="0" dirty="0"/>
-              </a:p>
-              <a:p>
-                <a:pPr algn="just" eaLnBrk="1" hangingPunct="1">
-                  <a:buFont typeface="Arial" charset="0"/>
-                  <a:buChar char="•"/>
-                </a:pPr>
-                <a:endParaRPr lang="en-US" altLang="en-US" sz="2400" b="0" dirty="0"/>
-              </a:p>
-              <a:p>
-                <a:pPr algn="just" eaLnBrk="1" hangingPunct="1">
-                  <a:buFont typeface="Arial" charset="0"/>
-                  <a:buChar char="•"/>
-                </a:pPr>
-                <a:endParaRPr lang="en-US" altLang="en-US" sz="2400" b="0" dirty="0"/>
-              </a:p>
-              <a:p>
-                <a:pPr algn="just" eaLnBrk="1" hangingPunct="1">
-                  <a:buFont typeface="Arial" charset="0"/>
-                  <a:buChar char="•"/>
-                </a:pPr>
-                <a:endParaRPr lang="en-US" altLang="en-US" sz="2400" b="0" dirty="0"/>
-              </a:p>
-              <a:p>
-                <a:pPr algn="just" eaLnBrk="1" hangingPunct="1">
-                  <a:buFont typeface="Arial" charset="0"/>
-                  <a:buChar char="•"/>
-                </a:pPr>
-                <a:endParaRPr lang="en-US" altLang="en-US" sz="2400" b="0" dirty="0"/>
-              </a:p>
-              <a:p>
-                <a:pPr algn="just" eaLnBrk="1" hangingPunct="1">
-                  <a:buFont typeface="Arial" charset="0"/>
-                  <a:buChar char="•"/>
-                </a:pPr>
-                <a:endParaRPr lang="en-US" altLang="en-US" sz="2400" b="0" dirty="0"/>
-              </a:p>
-              <a:p>
-                <a:pPr algn="just" eaLnBrk="1" hangingPunct="1"/>
-                <a:r>
-                  <a:rPr lang="en-US" altLang="en-US" sz="2400" b="0" dirty="0"/>
-                  <a:t>  </a:t>
-                </a:r>
-              </a:p>
-              <a:p>
-                <a:pPr algn="just" eaLnBrk="1" hangingPunct="1"/>
-                <a:endParaRPr lang="en-US" altLang="en-US" sz="2400" b="0" dirty="0"/>
-              </a:p>
-              <a:p>
-                <a:pPr algn="just" eaLnBrk="1" hangingPunct="1"/>
-                <a:endParaRPr lang="en-US" altLang="en-US" sz="2400" b="0" dirty="0"/>
-              </a:p>
-            </p:txBody>
-          </p:sp>
-        </mc:Choice>
-        <mc:Fallback xmlns="">
-          <p:sp>
-            <p:nvSpPr>
-              <p:cNvPr id="15371" name="Text Box 444"/>
-              <p:cNvSpPr txBox="1">
-                <a:spLocks noRot="1" noChangeAspect="1" noMove="1" noResize="1" noEditPoints="1" noAdjustHandles="1" noChangeArrowheads="1" noChangeShapeType="1" noTextEdit="1"/>
-              </p:cNvSpPr>
-              <p:nvPr/>
-            </p:nvSpPr>
-            <p:spPr bwMode="auto">
-              <a:xfrm>
-                <a:off x="1330040" y="11233150"/>
-                <a:ext cx="8958262" cy="12868822"/>
-              </a:xfrm>
-              <a:prstGeom prst="rect">
-                <a:avLst/>
-              </a:prstGeom>
-              <a:blipFill>
-                <a:blip r:embed="rId3"/>
-                <a:stretch>
-                  <a:fillRect l="-1293" t="-853" r="-1224"/>
-                </a:stretch>
-              </a:blipFill>
-              <a:ln>
-                <a:noFill/>
-              </a:ln>
-              <a:extLst>
-                <a:ext uri="{909E8E84-426E-40DD-AFC4-6F175D3DCCD1}">
-                  <a14:hiddenFill xmlns:a14="http://schemas.microsoft.com/office/drawing/2010/main">
-                    <a:solidFill>
-                      <a:srgbClr val="FFFFFF"/>
-                    </a:solidFill>
-                  </a14:hiddenFill>
-                </a:ext>
-                <a:ext uri="{91240B29-F687-4F45-9708-019B960494DF}">
-                  <a14:hiddenLine xmlns:a14="http://schemas.microsoft.com/office/drawing/2010/main" w="12700">
-                    <a:solidFill>
-                      <a:srgbClr val="000000"/>
-                    </a:solidFill>
-                    <a:miter lim="800000"/>
-                    <a:headEnd type="none" w="sm" len="sm"/>
-                    <a:tailEnd type="none" w="sm" len="sm"/>
-                  </a14:hiddenLine>
-                </a:ext>
-              </a:extLst>
-            </p:spPr>
-            <p:txBody>
-              <a:bodyPr/>
-              <a:lstStyle/>
-              <a:p>
-                <a:r>
-                  <a:rPr lang="en-US">
-                    <a:noFill/>
-                  </a:rPr>
-                  <a:t> </a:t>
-                </a:r>
-              </a:p>
-            </p:txBody>
-          </p:sp>
-        </mc:Fallback>
-      </mc:AlternateContent>
-      <p:grpSp>
-        <p:nvGrpSpPr>
-          <p:cNvPr id="2059" name="Group 526"/>
-          <p:cNvGrpSpPr>
-            <a:grpSpLocks/>
-          </p:cNvGrpSpPr>
-          <p:nvPr/>
-        </p:nvGrpSpPr>
-        <p:grpSpPr bwMode="auto">
-          <a:xfrm>
-            <a:off x="736600" y="30091063"/>
-            <a:ext cx="20540663" cy="2409825"/>
-            <a:chOff x="464" y="18955"/>
-            <a:chExt cx="12939" cy="1518"/>
-          </a:xfrm>
-        </p:grpSpPr>
-        <p:pic>
-          <p:nvPicPr>
-            <p:cNvPr id="2076" name="Picture 516" descr="UMass%20seal"/>
-            <p:cNvPicPr>
-              <a:picLocks noChangeAspect="1" noChangeArrowheads="1"/>
-            </p:cNvPicPr>
-            <p:nvPr/>
-          </p:nvPicPr>
-          <p:blipFill>
-            <a:blip r:embed="rId4">
-              <a:extLst>
-                <a:ext uri="{28A0092B-C50C-407E-A947-70E740481C1C}">
-                  <a14:useLocalDpi xmlns:a14="http://schemas.microsoft.com/office/drawing/2010/main" val="0"/>
-                </a:ext>
-              </a:extLst>
-            </a:blip>
-            <a:srcRect/>
-            <a:stretch>
-              <a:fillRect/>
-            </a:stretch>
-          </p:blipFill>
-          <p:spPr bwMode="auto">
-            <a:xfrm>
-              <a:off x="839" y="19140"/>
-              <a:ext cx="992" cy="995"/>
-            </a:xfrm>
-            <a:prstGeom prst="rect">
-              <a:avLst/>
-            </a:prstGeom>
-            <a:noFill/>
-            <a:ln>
-              <a:noFill/>
-            </a:ln>
-            <a:extLst>
-              <a:ext uri="{909E8E84-426E-40DD-AFC4-6F175D3DCCD1}">
-                <a14:hiddenFill xmlns:a14="http://schemas.microsoft.com/office/drawing/2010/main">
-                  <a:solidFill>
-                    <a:srgbClr val="FFFFFF"/>
-                  </a:solidFill>
-                </a14:hiddenFill>
-              </a:ext>
-              <a:ext uri="{91240B29-F687-4F45-9708-019B960494DF}">
-                <a14:hiddenLine xmlns:a14="http://schemas.microsoft.com/office/drawing/2010/main" w="9525">
-                  <a:solidFill>
-                    <a:srgbClr val="000000"/>
-                  </a:solidFill>
-                  <a:miter lim="800000"/>
-                  <a:headEnd/>
-                  <a:tailEnd/>
-                </a14:hiddenLine>
-              </a:ext>
-            </a:extLst>
-          </p:spPr>
-        </p:pic>
-        <p:sp>
-          <p:nvSpPr>
-            <p:cNvPr id="2077" name="Text Box 524"/>
-            <p:cNvSpPr txBox="1">
-              <a:spLocks noChangeArrowheads="1"/>
-            </p:cNvSpPr>
-            <p:nvPr/>
-          </p:nvSpPr>
-          <p:spPr bwMode="auto">
-            <a:xfrm>
-              <a:off x="464" y="18955"/>
-              <a:ext cx="12939" cy="1518"/>
-            </a:xfrm>
-            <a:prstGeom prst="rect">
-              <a:avLst/>
-            </a:prstGeom>
-            <a:noFill/>
-            <a:ln>
-              <a:noFill/>
-            </a:ln>
-            <a:extLst>
-              <a:ext uri="{909E8E84-426E-40DD-AFC4-6F175D3DCCD1}">
-                <a14:hiddenFill xmlns:a14="http://schemas.microsoft.com/office/drawing/2010/main">
-                  <a:solidFill>
-                    <a:srgbClr val="FFFFFF"/>
-                  </a:solidFill>
-                </a14:hiddenFill>
-              </a:ext>
-              <a:ext uri="{91240B29-F687-4F45-9708-019B960494DF}">
-                <a14:hiddenLine xmlns:a14="http://schemas.microsoft.com/office/drawing/2010/main" w="9525">
-                  <a:solidFill>
-                    <a:srgbClr val="000000"/>
-                  </a:solidFill>
-                  <a:miter lim="800000"/>
-                  <a:headEnd/>
-                  <a:tailEnd/>
-                </a14:hiddenLine>
-              </a:ext>
-            </a:extLst>
-          </p:spPr>
-          <p:txBody>
-            <a:bodyPr anchor="ctr"/>
-            <a:lstStyle>
-              <a:lvl1pPr eaLnBrk="0" hangingPunct="0">
-                <a:defRPr b="1">
-                  <a:solidFill>
-                    <a:schemeClr val="tx1"/>
-                  </a:solidFill>
-                  <a:latin typeface="Arial" charset="0"/>
-                  <a:ea typeface="ＭＳ Ｐゴシック" pitchFamily="34" charset="-128"/>
-                </a:defRPr>
-              </a:lvl1pPr>
-              <a:lvl2pPr marL="742950" indent="-285750" eaLnBrk="0" hangingPunct="0">
-                <a:defRPr b="1">
-                  <a:solidFill>
-                    <a:schemeClr val="tx1"/>
-                  </a:solidFill>
-                  <a:latin typeface="Arial" charset="0"/>
-                  <a:ea typeface="ＭＳ Ｐゴシック" pitchFamily="34" charset="-128"/>
-                </a:defRPr>
-              </a:lvl2pPr>
-              <a:lvl3pPr marL="1143000" indent="-228600" eaLnBrk="0" hangingPunct="0">
-                <a:defRPr b="1">
-                  <a:solidFill>
-                    <a:schemeClr val="tx1"/>
-                  </a:solidFill>
-                  <a:latin typeface="Arial" charset="0"/>
-                  <a:ea typeface="ＭＳ Ｐゴシック" pitchFamily="34" charset="-128"/>
-                </a:defRPr>
-              </a:lvl3pPr>
-              <a:lvl4pPr marL="1600200" indent="-228600" eaLnBrk="0" hangingPunct="0">
-                <a:defRPr b="1">
-                  <a:solidFill>
-                    <a:schemeClr val="tx1"/>
-                  </a:solidFill>
-                  <a:latin typeface="Arial" charset="0"/>
-                  <a:ea typeface="ＭＳ Ｐゴシック" pitchFamily="34" charset="-128"/>
-                </a:defRPr>
-              </a:lvl4pPr>
-              <a:lvl5pPr marL="2057400" indent="-228600" eaLnBrk="0" hangingPunct="0">
-                <a:defRPr b="1">
-                  <a:solidFill>
-                    <a:schemeClr val="tx1"/>
-                  </a:solidFill>
-                  <a:latin typeface="Arial" charset="0"/>
-                  <a:ea typeface="ＭＳ Ｐゴシック" pitchFamily="34" charset="-128"/>
-                </a:defRPr>
-              </a:lvl5pPr>
-              <a:lvl6pPr marL="2514600" indent="-228600" algn="ctr" eaLnBrk="0" fontAlgn="base" hangingPunct="0">
-                <a:spcBef>
-                  <a:spcPct val="0"/>
-                </a:spcBef>
-                <a:spcAft>
-                  <a:spcPct val="0"/>
-                </a:spcAft>
-                <a:defRPr b="1">
-                  <a:solidFill>
-                    <a:schemeClr val="tx1"/>
-                  </a:solidFill>
-                  <a:latin typeface="Arial" charset="0"/>
-                  <a:ea typeface="ＭＳ Ｐゴシック" pitchFamily="34" charset="-128"/>
-                </a:defRPr>
-              </a:lvl6pPr>
-              <a:lvl7pPr marL="2971800" indent="-228600" algn="ctr" eaLnBrk="0" fontAlgn="base" hangingPunct="0">
-                <a:spcBef>
-                  <a:spcPct val="0"/>
-                </a:spcBef>
-                <a:spcAft>
-                  <a:spcPct val="0"/>
-                </a:spcAft>
-                <a:defRPr b="1">
-                  <a:solidFill>
-                    <a:schemeClr val="tx1"/>
-                  </a:solidFill>
-                  <a:latin typeface="Arial" charset="0"/>
-                  <a:ea typeface="ＭＳ Ｐゴシック" pitchFamily="34" charset="-128"/>
-                </a:defRPr>
-              </a:lvl7pPr>
-              <a:lvl8pPr marL="3429000" indent="-228600" algn="ctr" eaLnBrk="0" fontAlgn="base" hangingPunct="0">
-                <a:spcBef>
-                  <a:spcPct val="0"/>
-                </a:spcBef>
-                <a:spcAft>
-                  <a:spcPct val="0"/>
-                </a:spcAft>
-                <a:defRPr b="1">
-                  <a:solidFill>
-                    <a:schemeClr val="tx1"/>
-                  </a:solidFill>
-                  <a:latin typeface="Arial" charset="0"/>
-                  <a:ea typeface="ＭＳ Ｐゴシック" pitchFamily="34" charset="-128"/>
-                </a:defRPr>
-              </a:lvl8pPr>
-              <a:lvl9pPr marL="3886200" indent="-228600" algn="ctr" eaLnBrk="0" fontAlgn="base" hangingPunct="0">
-                <a:spcBef>
-                  <a:spcPct val="0"/>
-                </a:spcBef>
-                <a:spcAft>
-                  <a:spcPct val="0"/>
-                </a:spcAft>
-                <a:defRPr b="1">
-                  <a:solidFill>
-                    <a:schemeClr val="tx1"/>
-                  </a:solidFill>
-                  <a:latin typeface="Arial" charset="0"/>
-                  <a:ea typeface="ＭＳ Ｐゴシック" pitchFamily="34" charset="-128"/>
-                </a:defRPr>
-              </a:lvl9pPr>
-            </a:lstStyle>
-            <a:p>
-              <a:pPr eaLnBrk="1" hangingPunct="1">
-                <a:lnSpc>
-                  <a:spcPct val="60000"/>
-                </a:lnSpc>
-              </a:pPr>
-              <a:r>
-                <a:rPr lang="en-US" altLang="en-US" sz="2400" b="0" dirty="0">
-                  <a:latin typeface="Trebuchet MS" pitchFamily="34" charset="0"/>
-                  <a:cs typeface="Arial" charset="0"/>
-                </a:rPr>
-                <a:t>Department of Electrical and Computer Engineering</a:t>
-              </a:r>
-            </a:p>
-            <a:p>
-              <a:pPr eaLnBrk="1" hangingPunct="1">
-                <a:lnSpc>
-                  <a:spcPct val="60000"/>
-                </a:lnSpc>
-              </a:pPr>
-              <a:endParaRPr lang="en-US" altLang="en-US" sz="2000" b="0" dirty="0">
-                <a:latin typeface="Trebuchet MS" pitchFamily="34" charset="0"/>
-                <a:cs typeface="Arial" charset="0"/>
-              </a:endParaRPr>
-            </a:p>
-            <a:p>
-              <a:pPr eaLnBrk="1" hangingPunct="1">
-                <a:lnSpc>
-                  <a:spcPct val="60000"/>
-                </a:lnSpc>
-              </a:pPr>
-              <a:endParaRPr lang="en-US" altLang="en-US" sz="2000" b="0" dirty="0">
-                <a:solidFill>
-                  <a:srgbClr val="0066CC"/>
-                </a:solidFill>
-                <a:latin typeface="Comic Sans MS" pitchFamily="66" charset="0"/>
-                <a:cs typeface="Arial" charset="0"/>
-              </a:endParaRPr>
-            </a:p>
-            <a:p>
-              <a:pPr eaLnBrk="1" hangingPunct="1">
-                <a:lnSpc>
-                  <a:spcPct val="60000"/>
-                </a:lnSpc>
-              </a:pPr>
-              <a:r>
-                <a:rPr lang="en-US" altLang="en-US" sz="3200" b="0" dirty="0">
-                  <a:solidFill>
-                    <a:srgbClr val="39935B"/>
-                  </a:solidFill>
-                  <a:latin typeface="Copperplate Gothic Bold" pitchFamily="34" charset="0"/>
-                  <a:cs typeface="Arial" charset="0"/>
-                </a:rPr>
-                <a:t>IEEE </a:t>
-              </a:r>
-              <a:r>
-                <a:rPr lang="en-US" altLang="en-US" sz="3200" b="0" dirty="0" err="1">
-                  <a:solidFill>
-                    <a:srgbClr val="39935B"/>
-                  </a:solidFill>
-                  <a:latin typeface="Copperplate Gothic Bold" pitchFamily="34" charset="0"/>
-                  <a:cs typeface="Arial" charset="0"/>
-                </a:rPr>
-                <a:t>Iinternational</a:t>
-              </a:r>
-              <a:r>
-                <a:rPr lang="en-US" altLang="en-US" sz="3200" b="0" dirty="0">
-                  <a:solidFill>
-                    <a:srgbClr val="39935B"/>
-                  </a:solidFill>
-                  <a:latin typeface="Copperplate Gothic Bold" pitchFamily="34" charset="0"/>
-                  <a:cs typeface="Arial" charset="0"/>
-                </a:rPr>
-                <a:t> </a:t>
-              </a:r>
-            </a:p>
-            <a:p>
-              <a:pPr eaLnBrk="1" hangingPunct="1">
-                <a:lnSpc>
-                  <a:spcPct val="60000"/>
-                </a:lnSpc>
-              </a:pPr>
-              <a:endParaRPr lang="en-US" altLang="en-US" b="0" dirty="0">
-                <a:latin typeface="Bradley Hand ITC" pitchFamily="66" charset="0"/>
-                <a:cs typeface="Arial" charset="0"/>
-              </a:endParaRPr>
-            </a:p>
-            <a:p>
-              <a:pPr eaLnBrk="1" hangingPunct="1">
-                <a:lnSpc>
-                  <a:spcPct val="60000"/>
-                </a:lnSpc>
-              </a:pPr>
-              <a:endParaRPr lang="en-US" altLang="en-US" b="0" dirty="0">
-                <a:latin typeface="Bradley Hand ITC" pitchFamily="66" charset="0"/>
-                <a:cs typeface="Arial" charset="0"/>
-              </a:endParaRPr>
-            </a:p>
-            <a:p>
-              <a:pPr eaLnBrk="1" hangingPunct="1">
-                <a:lnSpc>
-                  <a:spcPct val="40000"/>
-                </a:lnSpc>
-              </a:pPr>
-              <a:r>
-                <a:rPr lang="en-US" altLang="en-US" sz="2200" b="0" dirty="0">
-                  <a:latin typeface="Trebuchet MS" pitchFamily="34" charset="0"/>
-                  <a:cs typeface="Arial" charset="0"/>
-                </a:rPr>
-                <a:t>College of Engineering - University of Massachusetts Amherst</a:t>
-              </a:r>
-            </a:p>
-          </p:txBody>
-        </p:sp>
-      </p:grpSp>
-      <p:sp>
-        <p:nvSpPr>
-          <p:cNvPr id="2065" name="Rectangle 590"/>
-          <p:cNvSpPr>
+      <p:sp>
+        <p:nvSpPr>
+          <p:cNvPr id="15371" name="Text Box 444"/>
+          <p:cNvSpPr txBox="1">
             <a:spLocks noChangeArrowheads="1"/>
           </p:cNvSpPr>
           <p:nvPr/>
         </p:nvSpPr>
         <p:spPr bwMode="auto">
           <a:xfrm>
-            <a:off x="11514138" y="28690888"/>
-            <a:ext cx="8958262" cy="769937"/>
+            <a:off x="1330040" y="11233150"/>
+            <a:ext cx="8958262" cy="5795667"/>
           </a:xfrm>
           <a:prstGeom prst="rect">
             <a:avLst/>
@@ -5915,14 +4997,14 @@
                   <a:srgbClr val="000000"/>
                 </a:solidFill>
                 <a:miter lim="800000"/>
-                <a:headEnd/>
-                <a:tailEnd/>
+                <a:headEnd type="none" w="sm" len="sm"/>
+                <a:tailEnd type="none" w="sm" len="sm"/>
               </a14:hiddenLine>
             </a:ext>
           </a:extLst>
         </p:spPr>
         <p:txBody>
-          <a:bodyPr>
+          <a:bodyPr lIns="70336" tIns="35168" rIns="70336" bIns="35168">
             <a:spAutoFit/>
           </a:bodyPr>
           <a:lstStyle>
@@ -6033,34 +5115,68 @@
             </a:lvl9pPr>
           </a:lstStyle>
           <a:p>
+            <a:pPr eaLnBrk="1" hangingPunct="1"/>
+            <a:r>
+              <a:rPr lang="en-US" altLang="en-US" sz="3600" dirty="0"/>
+              <a:t>Background</a:t>
+            </a:r>
+          </a:p>
+          <a:p>
+            <a:pPr eaLnBrk="1" hangingPunct="1"/>
+            <a:endParaRPr lang="en-US" altLang="en-US" sz="2400" b="0" dirty="0"/>
+          </a:p>
+          <a:p>
             <a:pPr algn="just" eaLnBrk="1" hangingPunct="1">
-              <a:spcBef>
-                <a:spcPct val="50000"/>
-              </a:spcBef>
+              <a:buFont typeface="Arial" charset="0"/>
+              <a:buChar char="•"/>
             </a:pPr>
             <a:r>
-              <a:rPr lang="en-US" altLang="en-US" sz="2200"/>
-              <a:t>Acknowledgements:</a:t>
-            </a:r>
-            <a:r>
-              <a:rPr lang="en-US" altLang="en-US" sz="2200" b="0"/>
-              <a:t> This project has been funded by the National Science Foundation under grant # etc.   ...</a:t>
-            </a:r>
-          </a:p>
-        </p:txBody>
-      </p:sp>
-      <p:sp>
-        <p:nvSpPr>
-          <p:cNvPr id="31" name="Text Box 444"/>
-          <p:cNvSpPr txBox="1">
+              <a:rPr lang="en-US" altLang="en-US" sz="2400" b="0" dirty="0"/>
+              <a:t>  DIP: Uses structure of a generative deep convnet to regenerate target image from noise. Applications include denoising, in-filling etc.</a:t>
+            </a:r>
+          </a:p>
+          <a:p>
+            <a:pPr algn="just" eaLnBrk="1" hangingPunct="1">
+              <a:buFont typeface="Arial" charset="0"/>
+              <a:buChar char="•"/>
+            </a:pPr>
+            <a:r>
+              <a:rPr lang="en-US" altLang="en-US" sz="2400" b="0" dirty="0"/>
+              <a:t>  Adversarial Attacks: Various techniques that slightly perturb image in pixel space to cause departure in feature/class space of a target deep network model. Have several types/subtypes, but basic premise stays the same.</a:t>
+            </a:r>
+          </a:p>
+          <a:p>
+            <a:pPr algn="just" eaLnBrk="1" hangingPunct="1">
+              <a:buFont typeface="Arial" charset="0"/>
+              <a:buChar char="•"/>
+            </a:pPr>
+            <a:r>
+              <a:rPr lang="en-US" altLang="en-US" sz="2400" b="0" dirty="0"/>
+              <a:t> Defense Strategies: Existing strategies usually target only one type of attack, examples: training models with adversarial examples, filtering input images, rotations and other linear operations. </a:t>
+            </a:r>
+          </a:p>
+          <a:p>
+            <a:pPr algn="just" eaLnBrk="1" hangingPunct="1"/>
+            <a:endParaRPr lang="en-US" altLang="en-US" sz="2400" b="0" dirty="0"/>
+          </a:p>
+          <a:p>
+            <a:pPr algn="just" eaLnBrk="1" hangingPunct="1"/>
+            <a:endParaRPr lang="en-US" altLang="en-US" sz="2400" b="0" dirty="0"/>
+          </a:p>
+        </p:txBody>
+      </p:sp>
+      <p:sp>
+        <p:nvSpPr>
+          <p:cNvPr id="2065" name="Rectangle 590"/>
+          <p:cNvSpPr>
             <a:spLocks noChangeArrowheads="1"/>
           </p:cNvSpPr>
           <p:nvPr/>
         </p:nvSpPr>
         <p:spPr bwMode="auto">
           <a:xfrm>
-            <a:off x="11255399" y="19097393"/>
-            <a:ext cx="9217001" cy="1917682"/>
+            <a:off x="11582400" y="31338676"/>
+            <a:ext cx="8958262" cy="769441"/>
           </a:xfrm>
           <a:prstGeom prst="rect">
             <a:avLst/>
@@ -6083,14 +5199,14 @@
                   <a:srgbClr val="000000"/>
                 </a:solidFill>
                 <a:miter lim="800000"/>
-                <a:headEnd type="none" w="sm" len="sm"/>
-                <a:tailEnd type="none" w="sm" len="sm"/>
+                <a:headEnd/>
+                <a:tailEnd/>
               </a14:hiddenLine>
             </a:ext>
           </a:extLst>
         </p:spPr>
         <p:txBody>
-          <a:bodyPr wrap="square" lIns="70336" tIns="35168" rIns="70336" bIns="35168">
+          <a:bodyPr>
             <a:spAutoFit/>
           </a:bodyPr>
           <a:lstStyle>
@@ -6201,31 +5317,25 @@
             </a:lvl9pPr>
           </a:lstStyle>
           <a:p>
-            <a:pPr eaLnBrk="1" hangingPunct="1"/>
-            <a:r>
-              <a:rPr lang="en-US" altLang="en-US" sz="3600" dirty="0"/>
-              <a:t>Evaluation and Results </a:t>
-            </a:r>
-          </a:p>
-          <a:p>
-            <a:pPr eaLnBrk="1" hangingPunct="1"/>
-            <a:endParaRPr lang="en-US" altLang="en-US" sz="2800" b="0" dirty="0"/>
-          </a:p>
-          <a:p>
             <a:pPr algn="just" eaLnBrk="1" hangingPunct="1">
-              <a:buFont typeface="Arial" charset="0"/>
-              <a:buChar char="•"/>
+              <a:spcBef>
+                <a:spcPct val="50000"/>
+              </a:spcBef>
             </a:pPr>
             <a:r>
-              <a:rPr lang="en-US" altLang="en-US" sz="2800" b="0" dirty="0"/>
-              <a:t> ~84k speedup in performance vs. software implementation</a:t>
-            </a:r>
-          </a:p>
-        </p:txBody>
-      </p:sp>
-      <p:sp>
-        <p:nvSpPr>
-          <p:cNvPr id="2072" name="TextBox 2"/>
+              <a:rPr lang="en-US" altLang="en-US" sz="2200" dirty="0"/>
+              <a:t>Acknowledgements:</a:t>
+            </a:r>
+            <a:r>
+              <a:rPr lang="en-US" altLang="en-US" sz="2200" b="0" dirty="0"/>
+              <a:t> We thank Prof. Learned-Miller and Aruni Roy Choudhary for their guidance. </a:t>
+            </a:r>
+          </a:p>
+        </p:txBody>
+      </p:sp>
+      <p:sp>
+        <p:nvSpPr>
+          <p:cNvPr id="31" name="Text Box 444"/>
           <p:cNvSpPr txBox="1">
             <a:spLocks noChangeArrowheads="1"/>
           </p:cNvSpPr>
@@ -6233,8 +5343,8 @@
         </p:nvSpPr>
         <p:spPr bwMode="auto">
           <a:xfrm>
-            <a:off x="16611600" y="30861000"/>
-            <a:ext cx="3735388" cy="646113"/>
+            <a:off x="11272605" y="20635902"/>
+            <a:ext cx="9217001" cy="5918778"/>
           </a:xfrm>
           <a:prstGeom prst="rect">
             <a:avLst/>
@@ -6252,23 +5362,23 @@
               </a14:hiddenFill>
             </a:ext>
             <a:ext uri="{91240B29-F687-4F45-9708-019B960494DF}">
-              <a14:hiddenLine xmlns:a14="http://schemas.microsoft.com/office/drawing/2010/main" w="9525">
+              <a14:hiddenLine xmlns:a14="http://schemas.microsoft.com/office/drawing/2010/main" w="12700">
                 <a:solidFill>
                   <a:srgbClr val="000000"/>
                 </a:solidFill>
                 <a:miter lim="800000"/>
-                <a:headEnd/>
-                <a:tailEnd/>
+                <a:headEnd type="none" w="sm" len="sm"/>
+                <a:tailEnd type="none" w="sm" len="sm"/>
               </a14:hiddenLine>
             </a:ext>
           </a:extLst>
         </p:spPr>
         <p:txBody>
-          <a:bodyPr>
+          <a:bodyPr wrap="square" lIns="70336" tIns="35168" rIns="70336" bIns="35168">
             <a:spAutoFit/>
           </a:bodyPr>
           <a:lstStyle>
-            <a:lvl1pPr eaLnBrk="0" hangingPunct="0">
+            <a:lvl1pPr defTabSz="703263" eaLnBrk="0" hangingPunct="0">
               <a:defRPr b="1">
                 <a:solidFill>
                   <a:schemeClr val="tx1"/>
@@ -6277,7 +5387,7 @@
                 <a:ea typeface="ＭＳ Ｐゴシック" pitchFamily="34" charset="-128"/>
               </a:defRPr>
             </a:lvl1pPr>
-            <a:lvl2pPr marL="742950" indent="-285750" eaLnBrk="0" hangingPunct="0">
+            <a:lvl2pPr marL="742950" indent="-285750" defTabSz="703263" eaLnBrk="0" hangingPunct="0">
               <a:defRPr b="1">
                 <a:solidFill>
                   <a:schemeClr val="tx1"/>
@@ -6286,7 +5396,7 @@
                 <a:ea typeface="ＭＳ Ｐゴシック" pitchFamily="34" charset="-128"/>
               </a:defRPr>
             </a:lvl2pPr>
-            <a:lvl3pPr marL="1143000" indent="-228600" eaLnBrk="0" hangingPunct="0">
+            <a:lvl3pPr marL="1143000" indent="-228600" defTabSz="703263" eaLnBrk="0" hangingPunct="0">
               <a:defRPr b="1">
                 <a:solidFill>
                   <a:schemeClr val="tx1"/>
@@ -6295,7 +5405,7 @@
                 <a:ea typeface="ＭＳ Ｐゴシック" pitchFamily="34" charset="-128"/>
               </a:defRPr>
             </a:lvl3pPr>
-            <a:lvl4pPr marL="1600200" indent="-228600" eaLnBrk="0" hangingPunct="0">
+            <a:lvl4pPr marL="1600200" indent="-228600" defTabSz="703263" eaLnBrk="0" hangingPunct="0">
               <a:defRPr b="1">
                 <a:solidFill>
                   <a:schemeClr val="tx1"/>
@@ -6304,7 +5414,7 @@
                 <a:ea typeface="ＭＳ Ｐゴシック" pitchFamily="34" charset="-128"/>
               </a:defRPr>
             </a:lvl4pPr>
-            <a:lvl5pPr marL="2057400" indent="-228600" eaLnBrk="0" hangingPunct="0">
+            <a:lvl5pPr marL="2057400" indent="-228600" defTabSz="703263" eaLnBrk="0" hangingPunct="0">
               <a:defRPr b="1">
                 <a:solidFill>
                   <a:schemeClr val="tx1"/>
@@ -6313,7 +5423,7 @@
                 <a:ea typeface="ＭＳ Ｐゴシック" pitchFamily="34" charset="-128"/>
               </a:defRPr>
             </a:lvl5pPr>
-            <a:lvl6pPr marL="2514600" indent="-228600" algn="ctr" eaLnBrk="0" fontAlgn="base" hangingPunct="0">
+            <a:lvl6pPr marL="2514600" indent="-228600" algn="ctr" defTabSz="703263" eaLnBrk="0" fontAlgn="base" hangingPunct="0">
               <a:spcBef>
                 <a:spcPct val="0"/>
               </a:spcBef>
@@ -6328,7 +5438,7 @@
                 <a:ea typeface="ＭＳ Ｐゴシック" pitchFamily="34" charset="-128"/>
               </a:defRPr>
             </a:lvl6pPr>
-            <a:lvl7pPr marL="2971800" indent="-228600" algn="ctr" eaLnBrk="0" fontAlgn="base" hangingPunct="0">
+            <a:lvl7pPr marL="2971800" indent="-228600" algn="ctr" defTabSz="703263" eaLnBrk="0" fontAlgn="base" hangingPunct="0">
               <a:spcBef>
                 <a:spcPct val="0"/>
               </a:spcBef>
@@ -6343,7 +5453,7 @@
                 <a:ea typeface="ＭＳ Ｐゴシック" pitchFamily="34" charset="-128"/>
               </a:defRPr>
             </a:lvl7pPr>
-            <a:lvl8pPr marL="3429000" indent="-228600" algn="ctr" eaLnBrk="0" fontAlgn="base" hangingPunct="0">
+            <a:lvl8pPr marL="3429000" indent="-228600" algn="ctr" defTabSz="703263" eaLnBrk="0" fontAlgn="base" hangingPunct="0">
               <a:spcBef>
                 <a:spcPct val="0"/>
               </a:spcBef>
@@ -6358,7 +5468,7 @@
                 <a:ea typeface="ＭＳ Ｐゴシック" pitchFamily="34" charset="-128"/>
               </a:defRPr>
             </a:lvl8pPr>
-            <a:lvl9pPr marL="3886200" indent="-228600" algn="ctr" eaLnBrk="0" fontAlgn="base" hangingPunct="0">
+            <a:lvl9pPr marL="3886200" indent="-228600" algn="ctr" defTabSz="703263" eaLnBrk="0" fontAlgn="base" hangingPunct="0">
               <a:spcBef>
                 <a:spcPct val="0"/>
               </a:spcBef>
@@ -6377,8 +5487,66 @@
           <a:p>
             <a:pPr eaLnBrk="1" hangingPunct="1"/>
             <a:r>
-              <a:rPr lang="en-US" altLang="en-US" dirty="0"/>
-              <a:t>Additional logos of your lab, sponsor, etc. </a:t>
+              <a:rPr lang="en-US" altLang="en-US" sz="3600" dirty="0"/>
+              <a:t>Key Insights </a:t>
+            </a:r>
+          </a:p>
+          <a:p>
+            <a:pPr eaLnBrk="1" hangingPunct="1"/>
+            <a:endParaRPr lang="en-US" altLang="en-US" sz="2800" b="0" dirty="0"/>
+          </a:p>
+          <a:p>
+            <a:pPr algn="just" eaLnBrk="1" hangingPunct="1">
+              <a:buFont typeface="Arial" charset="0"/>
+              <a:buChar char="•"/>
+            </a:pPr>
+            <a:r>
+              <a:rPr lang="en-US" altLang="en-US" sz="2800" b="0" dirty="0"/>
+              <a:t> </a:t>
+            </a:r>
+            <a:r>
+              <a:rPr lang="en-US" altLang="en-US" sz="2400" b="0" dirty="0"/>
+              <a:t>Universality: In both modes, Deep Protection is quite effective on all attacks, though need to work on dynamic stopping strategies to make best use</a:t>
+            </a:r>
+          </a:p>
+          <a:p>
+            <a:pPr algn="just" eaLnBrk="1" hangingPunct="1">
+              <a:buFont typeface="Arial" charset="0"/>
+              <a:buChar char="•"/>
+            </a:pPr>
+            <a:r>
+              <a:rPr lang="en-US" altLang="en-US" sz="2400" b="0" dirty="0"/>
+              <a:t> Attack type invariance: No matter how the image is perturbed, the process of obtaining non-adversarial prior is the same – could mean that this process could be robust to any number of future attacks</a:t>
+            </a:r>
+          </a:p>
+          <a:p>
+            <a:pPr algn="just" eaLnBrk="1" hangingPunct="1">
+              <a:buFont typeface="Arial" charset="0"/>
+              <a:buChar char="•"/>
+            </a:pPr>
+            <a:r>
+              <a:rPr lang="en-US" altLang="en-US" sz="2400" b="0" dirty="0"/>
+              <a:t> Market ready: No training required, can be deployed in-field right away</a:t>
+            </a:r>
+          </a:p>
+          <a:p>
+            <a:pPr algn="just" eaLnBrk="1" hangingPunct="1">
+              <a:buFont typeface="Arial" charset="0"/>
+              <a:buChar char="•"/>
+            </a:pPr>
+            <a:r>
+              <a:rPr lang="en-US" altLang="en-US" sz="2400" b="0" dirty="0"/>
+              <a:t> No Free Lunch: Deep Protection is time consuming, though dynamic stop time could help speed it up</a:t>
+            </a:r>
+          </a:p>
+          <a:p>
+            <a:pPr algn="just" eaLnBrk="1" hangingPunct="1">
+              <a:buFont typeface="Arial" charset="0"/>
+              <a:buChar char="•"/>
+            </a:pPr>
+            <a:r>
+              <a:rPr lang="en-US" altLang="en-US" sz="2400" b="0" dirty="0"/>
+              <a:t> Other applications: Use of network architecture for processing may have further applications (even non-vision)</a:t>
             </a:r>
           </a:p>
         </p:txBody>
@@ -6393,8 +5561,8 @@
         </p:nvSpPr>
         <p:spPr bwMode="auto">
           <a:xfrm>
-            <a:off x="11368088" y="25908000"/>
-            <a:ext cx="8958262" cy="1917700"/>
+            <a:off x="11514138" y="27278498"/>
+            <a:ext cx="8958262" cy="3333454"/>
           </a:xfrm>
           <a:prstGeom prst="rect">
             <a:avLst/>
@@ -6538,7 +5706,7 @@
             <a:pPr eaLnBrk="1" hangingPunct="1"/>
             <a:r>
               <a:rPr lang="en-US" altLang="en-US" sz="3600" dirty="0"/>
-              <a:t>On-going Work </a:t>
+              <a:t>Going Ahead</a:t>
             </a:r>
           </a:p>
           <a:p>
@@ -6552,49 +5720,45 @@
             </a:pPr>
             <a:r>
               <a:rPr lang="en-US" altLang="en-US" sz="2800" b="0" dirty="0"/>
-              <a:t>Be careful not to divulge unpublished results or ideas  without advisor consent</a:t>
-            </a:r>
-          </a:p>
-        </p:txBody>
-      </p:sp>
-      <p:pic>
-        <p:nvPicPr>
-          <p:cNvPr id="32" name="Picture 2">
-            <a:extLst>
-              <a:ext uri="{FF2B5EF4-FFF2-40B4-BE49-F238E27FC236}">
-                <a16:creationId xmlns:a16="http://schemas.microsoft.com/office/drawing/2014/main" id="{23968FBB-B99D-47E3-BB3D-935D41A02D34}"/>
-              </a:ext>
-            </a:extLst>
-          </p:cNvPr>
-          <p:cNvPicPr>
-            <a:picLocks noChangeAspect="1" noChangeArrowheads="1"/>
-          </p:cNvPicPr>
-          <p:nvPr/>
-        </p:nvPicPr>
-        <p:blipFill>
-          <a:blip r:embed="rId5" cstate="print"/>
-          <a:srcRect/>
-          <a:stretch>
-            <a:fillRect/>
-          </a:stretch>
-        </p:blipFill>
-        <p:spPr bwMode="auto">
-          <a:xfrm>
-            <a:off x="1312394" y="13672339"/>
-            <a:ext cx="8881430" cy="4061273"/>
-          </a:xfrm>
-          <a:prstGeom prst="rect">
-            <a:avLst/>
-          </a:prstGeom>
-          <a:noFill/>
-          <a:ln w="9525">
-            <a:noFill/>
-            <a:miter lim="800000"/>
-            <a:headEnd/>
-            <a:tailEnd/>
-          </a:ln>
-        </p:spPr>
-      </p:pic>
+              <a:t> </a:t>
+            </a:r>
+            <a:r>
+              <a:rPr lang="en-US" altLang="en-US" sz="2400" b="0" dirty="0"/>
+              <a:t>Work on strategies for dynamic stopping of Deep Protection process </a:t>
+            </a:r>
+          </a:p>
+          <a:p>
+            <a:pPr algn="just" eaLnBrk="1" hangingPunct="1">
+              <a:buFont typeface="Arial" charset="0"/>
+              <a:buChar char="•"/>
+            </a:pPr>
+            <a:r>
+              <a:rPr lang="en-US" altLang="en-US" sz="2400" b="0" dirty="0"/>
+              <a:t> Design a binary classifier to detect if  Deep Protection process is required for an input</a:t>
+            </a:r>
+          </a:p>
+          <a:p>
+            <a:pPr algn="just" eaLnBrk="1" hangingPunct="1">
+              <a:buFont typeface="Arial" charset="0"/>
+              <a:buChar char="•"/>
+            </a:pPr>
+            <a:r>
+              <a:rPr lang="en-US" altLang="en-US" sz="2400" b="0" dirty="0"/>
+              <a:t> Explore other datasets: will this work on medical images?</a:t>
+            </a:r>
+          </a:p>
+          <a:p>
+            <a:pPr algn="just" eaLnBrk="1" hangingPunct="1">
+              <a:buFont typeface="Arial" charset="0"/>
+              <a:buChar char="•"/>
+            </a:pPr>
+            <a:r>
+              <a:rPr lang="en-US" altLang="en-US" sz="2400" b="0" dirty="0"/>
+              <a:t> Explore other applications of this approach </a:t>
+            </a:r>
+          </a:p>
+        </p:txBody>
+      </p:sp>
       <p:sp>
         <p:nvSpPr>
           <p:cNvPr id="2" name="Rectangle 1">
@@ -6664,36 +5828,6 @@
           </a:p>
         </p:txBody>
       </p:sp>
-      <p:pic>
-        <p:nvPicPr>
-          <p:cNvPr id="5" name="Picture 4">
-            <a:extLst>
-              <a:ext uri="{FF2B5EF4-FFF2-40B4-BE49-F238E27FC236}">
-                <a16:creationId xmlns:a16="http://schemas.microsoft.com/office/drawing/2014/main" id="{EAD2646C-99D9-4DDC-8E71-29383EE56FF1}"/>
-              </a:ext>
-            </a:extLst>
-          </p:cNvPr>
-          <p:cNvPicPr>
-            <a:picLocks noChangeAspect="1"/>
-          </p:cNvPicPr>
-          <p:nvPr/>
-        </p:nvPicPr>
-        <p:blipFill>
-          <a:blip r:embed="rId6"/>
-          <a:stretch>
-            <a:fillRect/>
-          </a:stretch>
-        </p:blipFill>
-        <p:spPr>
-          <a:xfrm>
-            <a:off x="1510659" y="19063084"/>
-            <a:ext cx="8121483" cy="2827862"/>
-          </a:xfrm>
-          <a:prstGeom prst="rect">
-            <a:avLst/>
-          </a:prstGeom>
-        </p:spPr>
-      </p:pic>
       <p:sp>
         <p:nvSpPr>
           <p:cNvPr id="37" name="Text Box 444">
@@ -6710,8 +5844,8 @@
         </p:nvSpPr>
         <p:spPr bwMode="auto">
           <a:xfrm>
-            <a:off x="1541463" y="22967923"/>
-            <a:ext cx="8958262" cy="6903663"/>
+            <a:off x="1219868" y="17028817"/>
+            <a:ext cx="8958262" cy="9858318"/>
           </a:xfrm>
           <a:prstGeom prst="rect">
             <a:avLst/>
@@ -6855,12 +5989,8 @@
             <a:pPr eaLnBrk="1" hangingPunct="1"/>
             <a:r>
               <a:rPr lang="en-US" altLang="en-US" sz="3600" dirty="0"/>
-              <a:t>Emerging Stochastic Hardware</a:t>
-            </a:r>
-          </a:p>
-          <a:p>
-            <a:pPr eaLnBrk="1" hangingPunct="1"/>
-            <a:endParaRPr lang="en-US" altLang="en-US" sz="2400" b="0" dirty="0"/>
+              <a:t>Approach</a:t>
+            </a:r>
           </a:p>
           <a:p>
             <a:pPr algn="just" eaLnBrk="1" hangingPunct="1">
@@ -6869,13 +5999,89 @@
             </a:pPr>
             <a:r>
               <a:rPr lang="en-US" altLang="en-US" sz="2400" b="0" dirty="0"/>
-              <a:t>  </a:t>
-            </a:r>
-            <a:r>
-              <a:rPr lang="en-US" sz="2400" b="0" dirty="0"/>
-              <a:t>Perpendicular Magnetic Anisotropy Spin Transfer Torque Magnetic Tunnel Junctions (PMA-STT MTJs)</a:t>
-            </a:r>
-            <a:endParaRPr lang="en-US" altLang="en-US" sz="2400" b="0" dirty="0"/>
+              <a:t> Key Idea: modify DIP and use it to obtain non-adversarial prior of an adversarial image. Treat adversarial image as a corrupted version of the original and run restoration on it. </a:t>
+            </a:r>
+            <a:r>
+              <a:rPr lang="en-US" altLang="en-US" sz="2400" b="0" dirty="0">
+                <a:latin typeface="Times New Roman" panose="02020603050405020304" pitchFamily="18" charset="0"/>
+                <a:cs typeface="Times New Roman" panose="02020603050405020304" pitchFamily="18" charset="0"/>
+              </a:rPr>
+              <a:t> </a:t>
+            </a:r>
+            <a:r>
+              <a:rPr lang="en-US" altLang="en-US" sz="2400" b="0" dirty="0"/>
+              <a:t> </a:t>
+            </a:r>
+          </a:p>
+          <a:p>
+            <a:pPr algn="just" eaLnBrk="1" hangingPunct="1">
+              <a:buFont typeface="Arial" charset="0"/>
+              <a:buChar char="•"/>
+            </a:pPr>
+            <a:r>
+              <a:rPr lang="en-US" altLang="en-US" sz="2400" b="0" dirty="0"/>
+              <a:t> Architecture (block diagram, talk to it, no text)</a:t>
+            </a:r>
+          </a:p>
+          <a:p>
+            <a:pPr algn="just" eaLnBrk="1" hangingPunct="1">
+              <a:buFont typeface="Arial" charset="0"/>
+              <a:buChar char="•"/>
+            </a:pPr>
+            <a:r>
+              <a:rPr lang="en-US" altLang="en-US" sz="2400" b="0" dirty="0"/>
+              <a:t> Deep Protection Process: </a:t>
+            </a:r>
+          </a:p>
+          <a:p>
+            <a:pPr marL="800100" lvl="1" indent="-342900" algn="just" eaLnBrk="1" hangingPunct="1">
+              <a:buFont typeface="Wingdings" panose="05000000000000000000" pitchFamily="2" charset="2"/>
+              <a:buChar char="Ø"/>
+            </a:pPr>
+            <a:r>
+              <a:rPr lang="en-US" altLang="en-US" sz="2400" b="0" dirty="0"/>
+              <a:t>Initialization: random weights, random inputs </a:t>
+            </a:r>
+          </a:p>
+          <a:p>
+            <a:pPr marL="800100" lvl="1" indent="-342900" algn="just" eaLnBrk="1" hangingPunct="1">
+              <a:buFont typeface="Wingdings" panose="05000000000000000000" pitchFamily="2" charset="2"/>
+              <a:buChar char="Ø"/>
+            </a:pPr>
+            <a:r>
+              <a:rPr lang="en-US" altLang="en-US" sz="2400" b="0" dirty="0"/>
+              <a:t>Loss: L2 MSE with target image</a:t>
+            </a:r>
+          </a:p>
+          <a:p>
+            <a:pPr marL="800100" lvl="1" indent="-342900" algn="just" eaLnBrk="1" hangingPunct="1">
+              <a:buFont typeface="Wingdings" panose="05000000000000000000" pitchFamily="2" charset="2"/>
+              <a:buChar char="Ø"/>
+            </a:pPr>
+            <a:r>
+              <a:rPr lang="en-US" altLang="en-US" sz="2400" b="0" dirty="0"/>
+              <a:t>Hyperparamter tuning: chosen config – ADAM optimizer, swish activation. </a:t>
+            </a:r>
+          </a:p>
+          <a:p>
+            <a:pPr marL="800100" lvl="1" indent="-342900" algn="just" eaLnBrk="1" hangingPunct="1">
+              <a:buFont typeface="Wingdings" panose="05000000000000000000" pitchFamily="2" charset="2"/>
+              <a:buChar char="Ø"/>
+            </a:pPr>
+            <a:r>
+              <a:rPr lang="en-US" altLang="en-US" sz="2400" b="0" dirty="0"/>
+              <a:t>Termination: Dynamic (Image specific, Hard), Static (Fixed iteration, easy)</a:t>
+            </a:r>
+          </a:p>
+          <a:p>
+            <a:pPr marL="800100" lvl="1" indent="-342900" algn="just" eaLnBrk="1" hangingPunct="1">
+              <a:buFont typeface="Wingdings" panose="05000000000000000000" pitchFamily="2" charset="2"/>
+              <a:buChar char="Ø"/>
+            </a:pPr>
+            <a:r>
+              <a:rPr lang="en-US" altLang="en-US" sz="2400" b="0" dirty="0"/>
+              <a:t>Classification: Off-the-shelf classifier (ResNet18) </a:t>
+            </a:r>
           </a:p>
           <a:p>
             <a:pPr algn="just" eaLnBrk="1" hangingPunct="1">
@@ -6948,13 +6154,6 @@
             <a:endParaRPr lang="en-US" altLang="en-US" sz="2400" b="0" dirty="0"/>
           </a:p>
           <a:p>
-            <a:pPr algn="just" eaLnBrk="1" hangingPunct="1">
-              <a:buFont typeface="Arial" charset="0"/>
-              <a:buChar char="•"/>
-            </a:pPr>
-            <a:endParaRPr lang="en-US" altLang="en-US" sz="2400" b="0" dirty="0"/>
-          </a:p>
-          <a:p>
             <a:pPr algn="just" eaLnBrk="1" hangingPunct="1"/>
             <a:r>
               <a:rPr lang="en-US" altLang="en-US" sz="2400" b="0" dirty="0"/>
@@ -6968,263 +6167,6 @@
           <a:p>
             <a:pPr algn="just" eaLnBrk="1" hangingPunct="1"/>
             <a:endParaRPr lang="en-US" altLang="en-US" sz="2400" b="0" dirty="0"/>
-          </a:p>
-        </p:txBody>
-      </p:sp>
-      <p:pic>
-        <p:nvPicPr>
-          <p:cNvPr id="6" name="Picture 5">
-            <a:extLst>
-              <a:ext uri="{FF2B5EF4-FFF2-40B4-BE49-F238E27FC236}">
-                <a16:creationId xmlns:a16="http://schemas.microsoft.com/office/drawing/2014/main" id="{B0C80FA1-D386-4AE4-AF06-F557AEEFC754}"/>
-              </a:ext>
-            </a:extLst>
-          </p:cNvPr>
-          <p:cNvPicPr>
-            <a:picLocks noChangeAspect="1"/>
-          </p:cNvPicPr>
-          <p:nvPr/>
-        </p:nvPicPr>
-        <p:blipFill>
-          <a:blip r:embed="rId7"/>
-          <a:stretch>
-            <a:fillRect/>
-          </a:stretch>
-        </p:blipFill>
-        <p:spPr>
-          <a:xfrm>
-            <a:off x="1331913" y="24732210"/>
-            <a:ext cx="3492307" cy="4564427"/>
-          </a:xfrm>
-          <a:prstGeom prst="rect">
-            <a:avLst/>
-          </a:prstGeom>
-        </p:spPr>
-      </p:pic>
-      <p:grpSp>
-        <p:nvGrpSpPr>
-          <p:cNvPr id="13" name="Group 12">
-            <a:extLst>
-              <a:ext uri="{FF2B5EF4-FFF2-40B4-BE49-F238E27FC236}">
-                <a16:creationId xmlns:a16="http://schemas.microsoft.com/office/drawing/2014/main" id="{F93B149A-99D2-4411-8210-CDF787809C8D}"/>
-              </a:ext>
-            </a:extLst>
-          </p:cNvPr>
-          <p:cNvGrpSpPr/>
-          <p:nvPr/>
-        </p:nvGrpSpPr>
-        <p:grpSpPr>
-          <a:xfrm>
-            <a:off x="5824346" y="24907027"/>
-            <a:ext cx="4387124" cy="4762930"/>
-            <a:chOff x="5824346" y="24907027"/>
-            <a:chExt cx="4387124" cy="4762930"/>
-          </a:xfrm>
-        </p:grpSpPr>
-        <p:pic>
-          <p:nvPicPr>
-            <p:cNvPr id="7" name="Picture 6">
-              <a:extLst>
-                <a:ext uri="{FF2B5EF4-FFF2-40B4-BE49-F238E27FC236}">
-                  <a16:creationId xmlns:a16="http://schemas.microsoft.com/office/drawing/2014/main" id="{D4407CCC-30E5-4B64-9040-ADF2E4D50B83}"/>
-                </a:ext>
-              </a:extLst>
-            </p:cNvPr>
-            <p:cNvPicPr>
-              <a:picLocks noChangeAspect="1"/>
-            </p:cNvPicPr>
-            <p:nvPr/>
-          </p:nvPicPr>
-          <p:blipFill>
-            <a:blip r:embed="rId8"/>
-            <a:stretch>
-              <a:fillRect/>
-            </a:stretch>
-          </p:blipFill>
-          <p:spPr>
-            <a:xfrm>
-              <a:off x="5824346" y="24907027"/>
-              <a:ext cx="4387124" cy="4762930"/>
-            </a:xfrm>
-            <a:prstGeom prst="rect">
-              <a:avLst/>
-            </a:prstGeom>
-          </p:spPr>
-        </p:pic>
-        <p:sp>
-          <p:nvSpPr>
-            <p:cNvPr id="8" name="Rectangle 7">
-              <a:extLst>
-                <a:ext uri="{FF2B5EF4-FFF2-40B4-BE49-F238E27FC236}">
-                  <a16:creationId xmlns:a16="http://schemas.microsoft.com/office/drawing/2014/main" id="{E725D3C5-3188-40CA-AC24-C59DA1EFDB7A}"/>
-                </a:ext>
-              </a:extLst>
-            </p:cNvPr>
-            <p:cNvSpPr/>
-            <p:nvPr/>
-          </p:nvSpPr>
-          <p:spPr bwMode="auto">
-            <a:xfrm>
-              <a:off x="5824346" y="24945162"/>
-              <a:ext cx="533400" cy="467573"/>
-            </a:xfrm>
-            <a:prstGeom prst="rect">
-              <a:avLst/>
-            </a:prstGeom>
-            <a:solidFill>
-              <a:schemeClr val="bg1"/>
-            </a:solidFill>
-            <a:ln w="12700" cap="flat" cmpd="sng" algn="ctr">
-              <a:solidFill>
-                <a:schemeClr val="bg1"/>
-              </a:solidFill>
-              <a:prstDash val="solid"/>
-              <a:round/>
-              <a:headEnd type="none" w="med" len="med"/>
-              <a:tailEnd type="none" w="med" len="med"/>
-            </a:ln>
-            <a:effectLst/>
-          </p:spPr>
-          <p:txBody>
-            <a:bodyPr vert="horz" wrap="none" lIns="91440" tIns="45720" rIns="91440" bIns="45720" numCol="1" rtlCol="0" anchor="ctr" anchorCtr="0" compatLnSpc="1">
-              <a:prstTxWarp prst="textNoShape">
-                <a:avLst/>
-              </a:prstTxWarp>
-            </a:bodyPr>
-            <a:lstStyle/>
-            <a:p>
-              <a:pPr marL="0" marR="0" indent="0" algn="ctr" defTabSz="703263" rtl="0" eaLnBrk="1" fontAlgn="base" latinLnBrk="0" hangingPunct="1">
-                <a:lnSpc>
-                  <a:spcPct val="100000"/>
-                </a:lnSpc>
-                <a:spcBef>
-                  <a:spcPct val="0"/>
-                </a:spcBef>
-                <a:spcAft>
-                  <a:spcPct val="0"/>
-                </a:spcAft>
-                <a:buClrTx/>
-                <a:buSzTx/>
-                <a:buFontTx/>
-                <a:buNone/>
-                <a:tabLst/>
-              </a:pPr>
-              <a:endParaRPr kumimoji="0" lang="en-US" sz="1800" b="1" i="0" u="none" strike="noStrike" cap="none" normalizeH="0" baseline="0">
-                <a:ln>
-                  <a:noFill/>
-                </a:ln>
-                <a:solidFill>
-                  <a:schemeClr val="tx1"/>
-                </a:solidFill>
-                <a:effectLst/>
-                <a:latin typeface="Arial" pitchFamily="-111" charset="0"/>
-              </a:endParaRPr>
-            </a:p>
-          </p:txBody>
-        </p:sp>
-      </p:grpSp>
-      <p:sp>
-        <p:nvSpPr>
-          <p:cNvPr id="9" name="TextBox 8">
-            <a:extLst>
-              <a:ext uri="{FF2B5EF4-FFF2-40B4-BE49-F238E27FC236}">
-                <a16:creationId xmlns:a16="http://schemas.microsoft.com/office/drawing/2014/main" id="{D3DF9999-F099-48A1-A022-03AA67DD46A1}"/>
-              </a:ext>
-            </a:extLst>
-          </p:cNvPr>
-          <p:cNvSpPr txBox="1"/>
-          <p:nvPr/>
-        </p:nvSpPr>
-        <p:spPr>
-          <a:xfrm>
-            <a:off x="3505209" y="17791606"/>
-            <a:ext cx="4495800" cy="461665"/>
-          </a:xfrm>
-          <a:prstGeom prst="rect">
-            <a:avLst/>
-          </a:prstGeom>
-          <a:noFill/>
-        </p:spPr>
-        <p:txBody>
-          <a:bodyPr wrap="square" rtlCol="0">
-            <a:spAutoFit/>
-          </a:bodyPr>
-          <a:lstStyle/>
-          <a:p>
-            <a:r>
-              <a:rPr lang="en-US" sz="2400" i="1" dirty="0"/>
-              <a:t>Example Bayesian Network</a:t>
-            </a:r>
-          </a:p>
-        </p:txBody>
-      </p:sp>
-      <p:sp>
-        <p:nvSpPr>
-          <p:cNvPr id="42" name="TextBox 41">
-            <a:extLst>
-              <a:ext uri="{FF2B5EF4-FFF2-40B4-BE49-F238E27FC236}">
-                <a16:creationId xmlns:a16="http://schemas.microsoft.com/office/drawing/2014/main" id="{E84CA6EA-5423-4B5B-8F87-3CF86A7AF05B}"/>
-              </a:ext>
-            </a:extLst>
-          </p:cNvPr>
-          <p:cNvSpPr txBox="1"/>
-          <p:nvPr/>
-        </p:nvSpPr>
-        <p:spPr>
-          <a:xfrm>
-            <a:off x="3124264" y="21975232"/>
-            <a:ext cx="5369814" cy="461665"/>
-          </a:xfrm>
-          <a:prstGeom prst="rect">
-            <a:avLst/>
-          </a:prstGeom>
-          <a:noFill/>
-        </p:spPr>
-        <p:txBody>
-          <a:bodyPr wrap="square" rtlCol="0">
-            <a:spAutoFit/>
-          </a:bodyPr>
-          <a:lstStyle/>
-          <a:p>
-            <a:r>
-              <a:rPr lang="en-US" sz="2400" i="1" dirty="0"/>
-              <a:t>Design Flow for Structure Learning</a:t>
-            </a:r>
-          </a:p>
-        </p:txBody>
-      </p:sp>
-      <p:sp>
-        <p:nvSpPr>
-          <p:cNvPr id="43" name="TextBox 42">
-            <a:extLst>
-              <a:ext uri="{FF2B5EF4-FFF2-40B4-BE49-F238E27FC236}">
-                <a16:creationId xmlns:a16="http://schemas.microsoft.com/office/drawing/2014/main" id="{51ED2CD2-F3E4-45AB-A25E-0349535190ED}"/>
-              </a:ext>
-            </a:extLst>
-          </p:cNvPr>
-          <p:cNvSpPr txBox="1"/>
-          <p:nvPr/>
-        </p:nvSpPr>
-        <p:spPr>
-          <a:xfrm>
-            <a:off x="2436346" y="29576301"/>
-            <a:ext cx="6745649" cy="461665"/>
-          </a:xfrm>
-          <a:prstGeom prst="rect">
-            <a:avLst/>
-          </a:prstGeom>
-          <a:noFill/>
-        </p:spPr>
-        <p:txBody>
-          <a:bodyPr wrap="square" rtlCol="0">
-            <a:spAutoFit/>
-          </a:bodyPr>
-          <a:lstStyle/>
-          <a:p>
-            <a:r>
-              <a:rPr lang="en-US" sz="2400" i="1" dirty="0"/>
-              <a:t>Device schematic and stochastic behavior </a:t>
-            </a:r>
           </a:p>
         </p:txBody>
       </p:sp>
@@ -7244,8 +6186,8 @@
         </p:nvSpPr>
         <p:spPr bwMode="auto">
           <a:xfrm>
-            <a:off x="11390313" y="3929102"/>
-            <a:ext cx="8958262" cy="2533235"/>
+            <a:off x="1597026" y="26173709"/>
+            <a:ext cx="8958262" cy="5857222"/>
           </a:xfrm>
           <a:prstGeom prst="rect">
             <a:avLst/>
@@ -7389,7 +6331,7 @@
             <a:pPr eaLnBrk="1" hangingPunct="1"/>
             <a:r>
               <a:rPr lang="en-US" altLang="en-US" sz="3600" dirty="0"/>
-              <a:t>Stochastic Bayesian Node</a:t>
+              <a:t>Experimental Stuff</a:t>
             </a:r>
             <a:endParaRPr lang="en-US" altLang="en-US" sz="2800" dirty="0"/>
           </a:p>
@@ -7404,83 +6346,115 @@
             </a:pPr>
             <a:r>
               <a:rPr lang="en-US" sz="2400" b="0" dirty="0"/>
-              <a:t>Building block of the proposed framework; is a combination of CMOS circuits and PMA-STT MTJs</a:t>
-            </a:r>
-          </a:p>
-          <a:p>
-            <a:pPr marL="285750" indent="-285750" algn="l">
+              <a:t>Main experiment  - Check effectiveness of Deep Protection:</a:t>
+            </a:r>
+          </a:p>
+          <a:p>
+            <a:pPr marL="1085850" lvl="1" indent="-342900" algn="l">
+              <a:buFont typeface="Wingdings" panose="05000000000000000000" pitchFamily="2" charset="2"/>
+              <a:buChar char="Ø"/>
+            </a:pPr>
+            <a:r>
+              <a:rPr lang="en-US" sz="2400" b="0" dirty="0"/>
+              <a:t>Take 100 ImageNet examples</a:t>
+            </a:r>
+          </a:p>
+          <a:p>
+            <a:pPr marL="1085850" lvl="1" indent="-342900" algn="l">
+              <a:buFont typeface="Wingdings" panose="05000000000000000000" pitchFamily="2" charset="2"/>
+              <a:buChar char="Ø"/>
+            </a:pPr>
+            <a:r>
+              <a:rPr lang="en-US" sz="2400" b="0" dirty="0"/>
+              <a:t>Apply 8 attacks per image using </a:t>
+            </a:r>
+            <a:r>
+              <a:rPr lang="en-US" sz="2400" b="0" dirty="0" err="1"/>
+              <a:t>foolbox</a:t>
+            </a:r>
+            <a:r>
+              <a:rPr lang="en-US" sz="2400" b="0" dirty="0"/>
+              <a:t>, 800 total</a:t>
+            </a:r>
+          </a:p>
+          <a:p>
+            <a:pPr marL="1085850" lvl="1" indent="-342900" algn="l">
+              <a:buFont typeface="Wingdings" panose="05000000000000000000" pitchFamily="2" charset="2"/>
+              <a:buChar char="Ø"/>
+            </a:pPr>
+            <a:r>
+              <a:rPr lang="en-US" sz="2400" b="0" dirty="0"/>
+              <a:t>Run Deep Protect in two modes – dynamic and static</a:t>
+            </a:r>
+          </a:p>
+          <a:p>
+            <a:pPr marL="1085850" lvl="1" indent="-342900" algn="l">
+              <a:buFont typeface="Wingdings" panose="05000000000000000000" pitchFamily="2" charset="2"/>
+              <a:buChar char="Ø"/>
+            </a:pPr>
+            <a:r>
+              <a:rPr lang="en-US" sz="2400" b="0" dirty="0"/>
+              <a:t>Classify the obtained priors using resnet18 </a:t>
+            </a:r>
+          </a:p>
+          <a:p>
+            <a:pPr marL="1085850" lvl="1" indent="-342900" algn="l">
+              <a:buFont typeface="Wingdings" panose="05000000000000000000" pitchFamily="2" charset="2"/>
+              <a:buChar char="Ø"/>
+            </a:pPr>
+            <a:r>
+              <a:rPr lang="en-US" sz="2400" b="0" dirty="0"/>
+              <a:t>Draw some nice plots</a:t>
+            </a:r>
+          </a:p>
+          <a:p>
+            <a:pPr marL="1085850" lvl="1" indent="-342900" algn="l">
+              <a:buFont typeface="Wingdings" panose="05000000000000000000" pitchFamily="2" charset="2"/>
+              <a:buChar char="Ø"/>
+            </a:pPr>
+            <a:r>
+              <a:rPr lang="en-US" sz="2400" b="0" dirty="0"/>
+              <a:t>Test it in the real world</a:t>
+            </a:r>
+          </a:p>
+          <a:p>
+            <a:pPr marL="342900" indent="-342900" algn="l">
               <a:buFont typeface="Arial" panose="020B0604020202020204" pitchFamily="34" charset="0"/>
               <a:buChar char="•"/>
             </a:pPr>
             <a:r>
               <a:rPr lang="en-US" sz="2400" b="0" dirty="0"/>
-              <a:t>SBN models a node in a Bayesian network to perform stochastic sampling</a:t>
-            </a:r>
-            <a:endParaRPr lang="en-US" altLang="en-US" sz="3200" b="0" dirty="0"/>
-          </a:p>
-        </p:txBody>
-      </p:sp>
-      <p:pic>
-        <p:nvPicPr>
-          <p:cNvPr id="10" name="Picture 9">
-            <a:extLst>
-              <a:ext uri="{FF2B5EF4-FFF2-40B4-BE49-F238E27FC236}">
-                <a16:creationId xmlns:a16="http://schemas.microsoft.com/office/drawing/2014/main" id="{CD926EBD-2220-49FB-BCAC-E2F46830F81F}"/>
-              </a:ext>
-            </a:extLst>
-          </p:cNvPr>
-          <p:cNvPicPr>
-            <a:picLocks noChangeAspect="1"/>
-          </p:cNvPicPr>
-          <p:nvPr/>
-        </p:nvPicPr>
-        <p:blipFill>
-          <a:blip r:embed="rId9"/>
-          <a:stretch>
-            <a:fillRect/>
-          </a:stretch>
-        </p:blipFill>
-        <p:spPr>
-          <a:xfrm>
-            <a:off x="11658600" y="6561010"/>
-            <a:ext cx="9043410" cy="3683254"/>
-          </a:xfrm>
-          <a:prstGeom prst="rect">
-            <a:avLst/>
-          </a:prstGeom>
-        </p:spPr>
-      </p:pic>
-      <p:sp>
-        <p:nvSpPr>
-          <p:cNvPr id="46" name="TextBox 45">
-            <a:extLst>
-              <a:ext uri="{FF2B5EF4-FFF2-40B4-BE49-F238E27FC236}">
-                <a16:creationId xmlns:a16="http://schemas.microsoft.com/office/drawing/2014/main" id="{9620588F-6B7E-4D33-81EA-2A94539888CC}"/>
-              </a:ext>
-            </a:extLst>
-          </p:cNvPr>
-          <p:cNvSpPr txBox="1"/>
-          <p:nvPr/>
-        </p:nvSpPr>
-        <p:spPr>
-          <a:xfrm>
-            <a:off x="13620750" y="10297361"/>
-            <a:ext cx="4495800" cy="461665"/>
-          </a:xfrm>
-          <a:prstGeom prst="rect">
-            <a:avLst/>
-          </a:prstGeom>
-          <a:noFill/>
-        </p:spPr>
-        <p:txBody>
-          <a:bodyPr wrap="square" rtlCol="0">
-            <a:spAutoFit/>
-          </a:bodyPr>
-          <a:lstStyle/>
-          <a:p>
-            <a:r>
-              <a:rPr lang="en-US" sz="2400" i="1" dirty="0"/>
-              <a:t>Block diagram view of SBN</a:t>
+              <a:t>Some side experimentation – Text extraction from maps:</a:t>
+            </a:r>
+          </a:p>
+          <a:p>
+            <a:pPr marL="1085850" lvl="1" indent="-342900" algn="l">
+              <a:buFont typeface="Wingdings" panose="05000000000000000000" pitchFamily="2" charset="2"/>
+              <a:buChar char="Ø"/>
+            </a:pPr>
+            <a:r>
+              <a:rPr lang="en-US" sz="2400" b="0" dirty="0"/>
+              <a:t>Key idea – text is harder to draw than terrain/roads</a:t>
+            </a:r>
+          </a:p>
+          <a:p>
+            <a:pPr marL="1085850" lvl="1" indent="-342900" algn="l">
+              <a:buFont typeface="Wingdings" panose="05000000000000000000" pitchFamily="2" charset="2"/>
+              <a:buChar char="Ø"/>
+            </a:pPr>
+            <a:r>
+              <a:rPr lang="en-US" sz="2400" b="0" dirty="0"/>
+              <a:t>Use Deep Image Residual (what is NOT generated by DIP yet)</a:t>
+            </a:r>
+          </a:p>
+          <a:p>
+            <a:pPr marL="1085850" lvl="1" indent="-342900" algn="l">
+              <a:buFont typeface="Wingdings" panose="05000000000000000000" pitchFamily="2" charset="2"/>
+              <a:buChar char="Ø"/>
+            </a:pPr>
+            <a:r>
+              <a:rPr lang="en-US" sz="2400" b="0" dirty="0"/>
+              <a:t>With some processing, at correct iteration, all text can be extracted from maps</a:t>
             </a:r>
           </a:p>
         </p:txBody>
@@ -7501,8 +6475,8 @@
         </p:nvSpPr>
         <p:spPr bwMode="auto">
           <a:xfrm>
-            <a:off x="11456086" y="11158972"/>
-            <a:ext cx="8958262" cy="2902567"/>
+            <a:off x="11217309" y="4068174"/>
+            <a:ext cx="8958262" cy="3764342"/>
           </a:xfrm>
           <a:prstGeom prst="rect">
             <a:avLst/>
@@ -7646,7 +6620,7 @@
             <a:pPr eaLnBrk="1" hangingPunct="1"/>
             <a:r>
               <a:rPr lang="en-US" altLang="en-US" sz="3600" dirty="0"/>
-              <a:t>Reconfigurable Framework</a:t>
+              <a:t>Results</a:t>
             </a:r>
             <a:endParaRPr lang="en-US" altLang="en-US" sz="2800" dirty="0"/>
           </a:p>
@@ -7661,7 +6635,7 @@
             </a:pPr>
             <a:r>
               <a:rPr lang="en-US" sz="2400" b="0" dirty="0"/>
-              <a:t>SBNs and switchboxes in a FPGA-like architecture</a:t>
+              <a:t>Ideal case: we know exactly when to stop the process:</a:t>
             </a:r>
           </a:p>
           <a:p>
@@ -7670,8 +6644,8 @@
               <a:buChar char="•"/>
             </a:pPr>
             <a:r>
-              <a:rPr lang="en-US" sz="2400" b="0" dirty="0"/>
-              <a:t>BN structure to be scored is mapped onto the reconfigurable framework </a:t>
+              <a:rPr lang="en-US" altLang="en-US" sz="2400" b="0" dirty="0"/>
+              <a:t>Static case: stop process at a fixed iteration number(1750):</a:t>
             </a:r>
           </a:p>
           <a:p>
@@ -7680,1076 +6654,57 @@
               <a:buChar char="•"/>
             </a:pPr>
             <a:r>
-              <a:rPr lang="en-US" sz="2400" b="0" dirty="0"/>
-              <a:t>The configured Bayesian structure is stochastically sampled for scoring</a:t>
-            </a:r>
+              <a:rPr lang="en-US" altLang="en-US" sz="2400" b="0" dirty="0"/>
+              <a:t>How errors are distributed in static case:</a:t>
+            </a:r>
+          </a:p>
+          <a:p>
+            <a:pPr marL="285750" indent="-285750" algn="l">
+              <a:buFont typeface="Arial" panose="020B0604020202020204" pitchFamily="34" charset="0"/>
+              <a:buChar char="•"/>
+            </a:pPr>
+            <a:r>
+              <a:rPr lang="en-US" altLang="en-US" sz="2400" b="0" dirty="0"/>
+              <a:t>How we decided stopping point for static mode:</a:t>
+            </a:r>
+          </a:p>
+          <a:p>
+            <a:pPr marL="285750" indent="-285750" algn="l">
+              <a:buFont typeface="Arial" panose="020B0604020202020204" pitchFamily="34" charset="0"/>
+              <a:buChar char="•"/>
+            </a:pPr>
+            <a:r>
+              <a:rPr lang="en-US" altLang="en-US" sz="2400" b="0" dirty="0"/>
+              <a:t>Real-world example - Panda image in </a:t>
+            </a:r>
+            <a:r>
+              <a:rPr lang="en-US" altLang="en-US" sz="2400" b="0" dirty="0" err="1"/>
+              <a:t>clarifai</a:t>
+            </a:r>
+            <a:r>
+              <a:rPr lang="en-US" altLang="en-US" sz="2400" b="0" dirty="0"/>
+              <a:t> system:</a:t>
+            </a:r>
+          </a:p>
+          <a:p>
+            <a:pPr marL="285750" indent="-285750" algn="l">
+              <a:buFont typeface="Arial" panose="020B0604020202020204" pitchFamily="34" charset="0"/>
+              <a:buChar char="•"/>
+            </a:pPr>
+            <a:r>
+              <a:rPr lang="en-US" altLang="en-US" sz="2400" b="0" dirty="0"/>
+              <a:t>Other applications – Text extraction from maps:</a:t>
+            </a:r>
+          </a:p>
+          <a:p>
+            <a:pPr marL="285750" indent="-285750" algn="l">
+              <a:buFont typeface="Arial" panose="020B0604020202020204" pitchFamily="34" charset="0"/>
+              <a:buChar char="•"/>
+            </a:pPr>
             <a:endParaRPr lang="en-US" altLang="en-US" sz="3200" b="0" dirty="0"/>
           </a:p>
         </p:txBody>
       </p:sp>
-      <p:grpSp>
-        <p:nvGrpSpPr>
-          <p:cNvPr id="12" name="Group 11">
-            <a:extLst>
-              <a:ext uri="{FF2B5EF4-FFF2-40B4-BE49-F238E27FC236}">
-                <a16:creationId xmlns:a16="http://schemas.microsoft.com/office/drawing/2014/main" id="{B91F1223-2C9D-422E-9295-79CB708C3154}"/>
-              </a:ext>
-            </a:extLst>
-          </p:cNvPr>
-          <p:cNvGrpSpPr/>
-          <p:nvPr/>
-        </p:nvGrpSpPr>
-        <p:grpSpPr>
-          <a:xfrm>
-            <a:off x="11233238" y="14042802"/>
-            <a:ext cx="9871973" cy="3912591"/>
-            <a:chOff x="11233238" y="14042802"/>
-            <a:chExt cx="9871973" cy="3912591"/>
-          </a:xfrm>
-        </p:grpSpPr>
-        <p:pic>
-          <p:nvPicPr>
-            <p:cNvPr id="11" name="Picture 10">
-              <a:extLst>
-                <a:ext uri="{FF2B5EF4-FFF2-40B4-BE49-F238E27FC236}">
-                  <a16:creationId xmlns:a16="http://schemas.microsoft.com/office/drawing/2014/main" id="{1488D182-03AF-4CAF-A228-476FDFC1000A}"/>
-                </a:ext>
-              </a:extLst>
-            </p:cNvPr>
-            <p:cNvPicPr>
-              <a:picLocks noChangeAspect="1"/>
-            </p:cNvPicPr>
-            <p:nvPr/>
-          </p:nvPicPr>
-          <p:blipFill>
-            <a:blip r:embed="rId10"/>
-            <a:stretch>
-              <a:fillRect/>
-            </a:stretch>
-          </p:blipFill>
-          <p:spPr>
-            <a:xfrm>
-              <a:off x="11255399" y="14042802"/>
-              <a:ext cx="9849812" cy="3912591"/>
-            </a:xfrm>
-            <a:prstGeom prst="rect">
-              <a:avLst/>
-            </a:prstGeom>
-          </p:spPr>
-        </p:pic>
-        <p:sp>
-          <p:nvSpPr>
-            <p:cNvPr id="49" name="Rectangle 48">
-              <a:extLst>
-                <a:ext uri="{FF2B5EF4-FFF2-40B4-BE49-F238E27FC236}">
-                  <a16:creationId xmlns:a16="http://schemas.microsoft.com/office/drawing/2014/main" id="{53639979-A2F7-49A4-A272-535D04D4C9B1}"/>
-                </a:ext>
-              </a:extLst>
-            </p:cNvPr>
-            <p:cNvSpPr/>
-            <p:nvPr/>
-          </p:nvSpPr>
-          <p:spPr bwMode="auto">
-            <a:xfrm>
-              <a:off x="11233238" y="14078704"/>
-              <a:ext cx="533400" cy="467573"/>
-            </a:xfrm>
-            <a:prstGeom prst="rect">
-              <a:avLst/>
-            </a:prstGeom>
-            <a:solidFill>
-              <a:schemeClr val="bg1"/>
-            </a:solidFill>
-            <a:ln w="12700" cap="flat" cmpd="sng" algn="ctr">
-              <a:solidFill>
-                <a:schemeClr val="bg1"/>
-              </a:solidFill>
-              <a:prstDash val="solid"/>
-              <a:round/>
-              <a:headEnd type="none" w="med" len="med"/>
-              <a:tailEnd type="none" w="med" len="med"/>
-            </a:ln>
-            <a:effectLst/>
-          </p:spPr>
-          <p:txBody>
-            <a:bodyPr vert="horz" wrap="none" lIns="91440" tIns="45720" rIns="91440" bIns="45720" numCol="1" rtlCol="0" anchor="ctr" anchorCtr="0" compatLnSpc="1">
-              <a:prstTxWarp prst="textNoShape">
-                <a:avLst/>
-              </a:prstTxWarp>
-            </a:bodyPr>
-            <a:lstStyle/>
-            <a:p>
-              <a:pPr marL="0" marR="0" indent="0" algn="ctr" defTabSz="703263" rtl="0" eaLnBrk="1" fontAlgn="base" latinLnBrk="0" hangingPunct="1">
-                <a:lnSpc>
-                  <a:spcPct val="100000"/>
-                </a:lnSpc>
-                <a:spcBef>
-                  <a:spcPct val="0"/>
-                </a:spcBef>
-                <a:spcAft>
-                  <a:spcPct val="0"/>
-                </a:spcAft>
-                <a:buClrTx/>
-                <a:buSzTx/>
-                <a:buFontTx/>
-                <a:buNone/>
-                <a:tabLst/>
-              </a:pPr>
-              <a:endParaRPr kumimoji="0" lang="en-US" sz="1800" b="1" i="0" u="none" strike="noStrike" cap="none" normalizeH="0" baseline="0">
-                <a:ln>
-                  <a:noFill/>
-                </a:ln>
-                <a:solidFill>
-                  <a:schemeClr val="tx1"/>
-                </a:solidFill>
-                <a:effectLst/>
-                <a:latin typeface="Arial" pitchFamily="-111" charset="0"/>
-              </a:endParaRPr>
-            </a:p>
-          </p:txBody>
-        </p:sp>
-      </p:grpSp>
-      <p:sp>
-        <p:nvSpPr>
-          <p:cNvPr id="50" name="TextBox 49">
-            <a:extLst>
-              <a:ext uri="{FF2B5EF4-FFF2-40B4-BE49-F238E27FC236}">
-                <a16:creationId xmlns:a16="http://schemas.microsoft.com/office/drawing/2014/main" id="{AB17C539-D135-4279-9605-FAB762356B09}"/>
-              </a:ext>
-            </a:extLst>
-          </p:cNvPr>
-          <p:cNvSpPr txBox="1"/>
-          <p:nvPr/>
-        </p:nvSpPr>
-        <p:spPr>
-          <a:xfrm>
-            <a:off x="13392907" y="18174870"/>
-            <a:ext cx="5574795" cy="461665"/>
-          </a:xfrm>
-          <a:prstGeom prst="rect">
-            <a:avLst/>
-          </a:prstGeom>
-          <a:noFill/>
-        </p:spPr>
-        <p:txBody>
-          <a:bodyPr wrap="square" rtlCol="0">
-            <a:spAutoFit/>
-          </a:bodyPr>
-          <a:lstStyle/>
-          <a:p>
-            <a:r>
-              <a:rPr lang="en-US" sz="2400" i="1" dirty="0"/>
-              <a:t>Reconfigurable SBN-SB framework</a:t>
-            </a:r>
-          </a:p>
-        </p:txBody>
-      </p:sp>
-      <p:pic>
-        <p:nvPicPr>
-          <p:cNvPr id="14" name="Picture 13">
-            <a:extLst>
-              <a:ext uri="{FF2B5EF4-FFF2-40B4-BE49-F238E27FC236}">
-                <a16:creationId xmlns:a16="http://schemas.microsoft.com/office/drawing/2014/main" id="{D2717010-4ECF-4F28-8ECF-5D8A78BEA94C}"/>
-              </a:ext>
-            </a:extLst>
-          </p:cNvPr>
-          <p:cNvPicPr>
-            <a:picLocks noChangeAspect="1"/>
-          </p:cNvPicPr>
-          <p:nvPr/>
-        </p:nvPicPr>
-        <p:blipFill>
-          <a:blip r:embed="rId11"/>
-          <a:stretch>
-            <a:fillRect/>
-          </a:stretch>
-        </p:blipFill>
-        <p:spPr>
-          <a:xfrm>
-            <a:off x="14089748" y="20656342"/>
-            <a:ext cx="6324600" cy="2905202"/>
-          </a:xfrm>
-          <a:prstGeom prst="rect">
-            <a:avLst/>
-          </a:prstGeom>
-        </p:spPr>
-      </p:pic>
-      <p:graphicFrame>
-        <p:nvGraphicFramePr>
-          <p:cNvPr id="15" name="Table 14">
-            <a:extLst>
-              <a:ext uri="{FF2B5EF4-FFF2-40B4-BE49-F238E27FC236}">
-                <a16:creationId xmlns:a16="http://schemas.microsoft.com/office/drawing/2014/main" id="{3CA781D2-E3AE-42A5-B0D5-3BC9DF4964B0}"/>
-              </a:ext>
-            </a:extLst>
-          </p:cNvPr>
-          <p:cNvGraphicFramePr>
-            <a:graphicFrameLocks noGrp="1"/>
-          </p:cNvGraphicFramePr>
-          <p:nvPr>
-            <p:extLst>
-              <p:ext uri="{D42A27DB-BD31-4B8C-83A1-F6EECF244321}">
-                <p14:modId xmlns:p14="http://schemas.microsoft.com/office/powerpoint/2010/main" val="21713787"/>
-              </p:ext>
-            </p:extLst>
-          </p:nvPr>
-        </p:nvGraphicFramePr>
-        <p:xfrm>
-          <a:off x="11390313" y="23652491"/>
-          <a:ext cx="9311698" cy="2125789"/>
-        </p:xfrm>
-        <a:graphic>
-          <a:graphicData uri="http://schemas.openxmlformats.org/drawingml/2006/table">
-            <a:tbl>
-              <a:tblPr firstRow="1" firstCol="1" bandRow="1">
-                <a:tableStyleId>{5940675A-B579-460E-94D1-54222C63F5DA}</a:tableStyleId>
-              </a:tblPr>
-              <a:tblGrid>
-                <a:gridCol w="1659806">
-                  <a:extLst>
-                    <a:ext uri="{9D8B030D-6E8A-4147-A177-3AD203B41FA5}">
-                      <a16:colId xmlns:a16="http://schemas.microsoft.com/office/drawing/2014/main" val="2359104969"/>
-                    </a:ext>
-                  </a:extLst>
-                </a:gridCol>
-                <a:gridCol w="1440675">
-                  <a:extLst>
-                    <a:ext uri="{9D8B030D-6E8A-4147-A177-3AD203B41FA5}">
-                      <a16:colId xmlns:a16="http://schemas.microsoft.com/office/drawing/2014/main" val="4247392463"/>
-                    </a:ext>
-                  </a:extLst>
-                </a:gridCol>
-                <a:gridCol w="1343697">
-                  <a:extLst>
-                    <a:ext uri="{9D8B030D-6E8A-4147-A177-3AD203B41FA5}">
-                      <a16:colId xmlns:a16="http://schemas.microsoft.com/office/drawing/2014/main" val="1133963677"/>
-                    </a:ext>
-                  </a:extLst>
-                </a:gridCol>
-                <a:gridCol w="1342764">
-                  <a:extLst>
-                    <a:ext uri="{9D8B030D-6E8A-4147-A177-3AD203B41FA5}">
-                      <a16:colId xmlns:a16="http://schemas.microsoft.com/office/drawing/2014/main" val="3747893983"/>
-                    </a:ext>
-                  </a:extLst>
-                </a:gridCol>
-                <a:gridCol w="1342764">
-                  <a:extLst>
-                    <a:ext uri="{9D8B030D-6E8A-4147-A177-3AD203B41FA5}">
-                      <a16:colId xmlns:a16="http://schemas.microsoft.com/office/drawing/2014/main" val="1965700764"/>
-                    </a:ext>
-                  </a:extLst>
-                </a:gridCol>
-                <a:gridCol w="1090996">
-                  <a:extLst>
-                    <a:ext uri="{9D8B030D-6E8A-4147-A177-3AD203B41FA5}">
-                      <a16:colId xmlns:a16="http://schemas.microsoft.com/office/drawing/2014/main" val="1581402256"/>
-                    </a:ext>
-                  </a:extLst>
-                </a:gridCol>
-                <a:gridCol w="1090996">
-                  <a:extLst>
-                    <a:ext uri="{9D8B030D-6E8A-4147-A177-3AD203B41FA5}">
-                      <a16:colId xmlns:a16="http://schemas.microsoft.com/office/drawing/2014/main" val="3582412493"/>
-                    </a:ext>
-                  </a:extLst>
-                </a:gridCol>
-              </a:tblGrid>
-              <a:tr h="452882">
-                <a:tc rowSpan="2">
-                  <a:txBody>
-                    <a:bodyPr/>
-                    <a:lstStyle/>
-                    <a:p>
-                      <a:pPr marL="0" marR="0" indent="0" algn="just">
-                        <a:lnSpc>
-                          <a:spcPct val="95000"/>
-                        </a:lnSpc>
-                        <a:spcBef>
-                          <a:spcPts val="0"/>
-                        </a:spcBef>
-                        <a:spcAft>
-                          <a:spcPts val="600"/>
-                        </a:spcAft>
-                      </a:pPr>
-                      <a:r>
-                        <a:rPr lang="en-US" sz="2000" b="1" dirty="0">
-                          <a:effectLst/>
-                        </a:rPr>
-                        <a:t>Experiments</a:t>
-                      </a:r>
-                      <a:endParaRPr lang="en-US" sz="2000" b="1" dirty="0">
-                        <a:effectLst/>
-                        <a:latin typeface="Times New Roman" panose="02020603050405020304" pitchFamily="18" charset="0"/>
-                        <a:ea typeface="SimSun" panose="02010600030101010101" pitchFamily="2" charset="-122"/>
-                      </a:endParaRPr>
-                    </a:p>
-                  </a:txBody>
-                  <a:tcPr marL="68580" marR="68580" marT="0" marB="0"/>
-                </a:tc>
-                <a:tc gridSpan="4">
-                  <a:txBody>
-                    <a:bodyPr/>
-                    <a:lstStyle/>
-                    <a:p>
-                      <a:pPr marL="0" marR="0" indent="0" algn="just">
-                        <a:lnSpc>
-                          <a:spcPct val="95000"/>
-                        </a:lnSpc>
-                        <a:spcBef>
-                          <a:spcPts val="0"/>
-                        </a:spcBef>
-                        <a:spcAft>
-                          <a:spcPts val="600"/>
-                        </a:spcAft>
-                      </a:pPr>
-                      <a:r>
-                        <a:rPr lang="en-US" sz="2000" b="1" dirty="0">
-                          <a:effectLst/>
-                        </a:rPr>
-                        <a:t>Conditioned Inferences</a:t>
-                      </a:r>
-                      <a:endParaRPr lang="en-US" sz="2000" b="1" dirty="0">
-                        <a:effectLst/>
-                        <a:latin typeface="Times New Roman" panose="02020603050405020304" pitchFamily="18" charset="0"/>
-                        <a:ea typeface="SimSun" panose="02010600030101010101" pitchFamily="2" charset="-122"/>
-                      </a:endParaRPr>
-                    </a:p>
-                  </a:txBody>
-                  <a:tcPr marL="68580" marR="68580" marT="0" marB="0"/>
-                </a:tc>
-                <a:tc hMerge="1">
-                  <a:txBody>
-                    <a:bodyPr/>
-                    <a:lstStyle/>
-                    <a:p>
-                      <a:endParaRPr lang="en-US"/>
-                    </a:p>
-                  </a:txBody>
-                  <a:tcPr/>
-                </a:tc>
-                <a:tc hMerge="1">
-                  <a:txBody>
-                    <a:bodyPr/>
-                    <a:lstStyle/>
-                    <a:p>
-                      <a:endParaRPr lang="en-US"/>
-                    </a:p>
-                  </a:txBody>
-                  <a:tcPr/>
-                </a:tc>
-                <a:tc hMerge="1">
-                  <a:txBody>
-                    <a:bodyPr/>
-                    <a:lstStyle/>
-                    <a:p>
-                      <a:endParaRPr lang="en-US"/>
-                    </a:p>
-                  </a:txBody>
-                  <a:tcPr/>
-                </a:tc>
-                <a:tc gridSpan="2">
-                  <a:txBody>
-                    <a:bodyPr/>
-                    <a:lstStyle/>
-                    <a:p>
-                      <a:pPr marL="0" marR="0" indent="0" algn="just">
-                        <a:lnSpc>
-                          <a:spcPct val="95000"/>
-                        </a:lnSpc>
-                        <a:spcBef>
-                          <a:spcPts val="0"/>
-                        </a:spcBef>
-                        <a:spcAft>
-                          <a:spcPts val="600"/>
-                        </a:spcAft>
-                      </a:pPr>
-                      <a:r>
-                        <a:rPr lang="en-US" sz="2000" b="1" dirty="0">
-                          <a:effectLst/>
-                        </a:rPr>
-                        <a:t>Inference Runtime</a:t>
-                      </a:r>
-                      <a:endParaRPr lang="en-US" sz="2000" b="1" dirty="0">
-                        <a:effectLst/>
-                        <a:latin typeface="Times New Roman" panose="02020603050405020304" pitchFamily="18" charset="0"/>
-                        <a:ea typeface="SimSun" panose="02010600030101010101" pitchFamily="2" charset="-122"/>
-                      </a:endParaRPr>
-                    </a:p>
-                  </a:txBody>
-                  <a:tcPr marL="68580" marR="68580" marT="0" marB="0"/>
-                </a:tc>
-                <a:tc hMerge="1">
-                  <a:txBody>
-                    <a:bodyPr/>
-                    <a:lstStyle/>
-                    <a:p>
-                      <a:endParaRPr lang="en-US"/>
-                    </a:p>
-                  </a:txBody>
-                  <a:tcPr/>
-                </a:tc>
-                <a:extLst>
-                  <a:ext uri="{0D108BD9-81ED-4DB2-BD59-A6C34878D82A}">
-                    <a16:rowId xmlns:a16="http://schemas.microsoft.com/office/drawing/2014/main" val="3476231256"/>
-                  </a:ext>
-                </a:extLst>
-              </a:tr>
-              <a:tr h="452882">
-                <a:tc vMerge="1">
-                  <a:txBody>
-                    <a:bodyPr/>
-                    <a:lstStyle/>
-                    <a:p>
-                      <a:endParaRPr lang="en-US"/>
-                    </a:p>
-                  </a:txBody>
-                  <a:tcPr/>
-                </a:tc>
-                <a:tc>
-                  <a:txBody>
-                    <a:bodyPr/>
-                    <a:lstStyle/>
-                    <a:p>
-                      <a:pPr marL="0" marR="0" indent="0" algn="just">
-                        <a:lnSpc>
-                          <a:spcPct val="95000"/>
-                        </a:lnSpc>
-                        <a:spcBef>
-                          <a:spcPts val="0"/>
-                        </a:spcBef>
-                        <a:spcAft>
-                          <a:spcPts val="600"/>
-                        </a:spcAft>
-                      </a:pPr>
-                      <a:r>
-                        <a:rPr lang="en-US" sz="2000">
-                          <a:effectLst/>
-                        </a:rPr>
-                        <a:t>P(Da|Gm1=T)</a:t>
-                      </a:r>
-                      <a:endParaRPr lang="en-US" sz="2000">
-                        <a:effectLst/>
-                        <a:latin typeface="Times New Roman" panose="02020603050405020304" pitchFamily="18" charset="0"/>
-                        <a:ea typeface="SimSun" panose="02010600030101010101" pitchFamily="2" charset="-122"/>
-                      </a:endParaRPr>
-                    </a:p>
-                  </a:txBody>
-                  <a:tcPr marL="68580" marR="68580" marT="0" marB="0"/>
-                </a:tc>
-                <a:tc>
-                  <a:txBody>
-                    <a:bodyPr/>
-                    <a:lstStyle/>
-                    <a:p>
-                      <a:pPr marL="0" marR="0" indent="0" algn="just">
-                        <a:lnSpc>
-                          <a:spcPct val="95000"/>
-                        </a:lnSpc>
-                        <a:spcBef>
-                          <a:spcPts val="0"/>
-                        </a:spcBef>
-                        <a:spcAft>
-                          <a:spcPts val="600"/>
-                        </a:spcAft>
-                      </a:pPr>
-                      <a:r>
-                        <a:rPr lang="en-US" sz="2000">
-                          <a:effectLst/>
-                        </a:rPr>
-                        <a:t>P(Db|Gm1=T)</a:t>
-                      </a:r>
-                      <a:endParaRPr lang="en-US" sz="2000">
-                        <a:effectLst/>
-                        <a:latin typeface="Times New Roman" panose="02020603050405020304" pitchFamily="18" charset="0"/>
-                        <a:ea typeface="SimSun" panose="02010600030101010101" pitchFamily="2" charset="-122"/>
-                      </a:endParaRPr>
-                    </a:p>
-                  </a:txBody>
-                  <a:tcPr marL="68580" marR="68580" marT="0" marB="0"/>
-                </a:tc>
-                <a:tc>
-                  <a:txBody>
-                    <a:bodyPr/>
-                    <a:lstStyle/>
-                    <a:p>
-                      <a:pPr marL="0" marR="0" indent="0" algn="just">
-                        <a:lnSpc>
-                          <a:spcPct val="95000"/>
-                        </a:lnSpc>
-                        <a:spcBef>
-                          <a:spcPts val="0"/>
-                        </a:spcBef>
-                        <a:spcAft>
-                          <a:spcPts val="600"/>
-                        </a:spcAft>
-                      </a:pPr>
-                      <a:r>
-                        <a:rPr lang="en-US" sz="2000">
-                          <a:effectLst/>
-                        </a:rPr>
-                        <a:t>P(Da|Gm1=F)</a:t>
-                      </a:r>
-                      <a:endParaRPr lang="en-US" sz="2000">
-                        <a:effectLst/>
-                        <a:latin typeface="Times New Roman" panose="02020603050405020304" pitchFamily="18" charset="0"/>
-                        <a:ea typeface="SimSun" panose="02010600030101010101" pitchFamily="2" charset="-122"/>
-                      </a:endParaRPr>
-                    </a:p>
-                  </a:txBody>
-                  <a:tcPr marL="68580" marR="68580" marT="0" marB="0"/>
-                </a:tc>
-                <a:tc>
-                  <a:txBody>
-                    <a:bodyPr/>
-                    <a:lstStyle/>
-                    <a:p>
-                      <a:pPr marL="0" marR="0" indent="0" algn="just">
-                        <a:lnSpc>
-                          <a:spcPct val="95000"/>
-                        </a:lnSpc>
-                        <a:spcBef>
-                          <a:spcPts val="0"/>
-                        </a:spcBef>
-                        <a:spcAft>
-                          <a:spcPts val="600"/>
-                        </a:spcAft>
-                      </a:pPr>
-                      <a:r>
-                        <a:rPr lang="en-US" sz="2000">
-                          <a:effectLst/>
-                        </a:rPr>
-                        <a:t>P(Db|Gm1=F)</a:t>
-                      </a:r>
-                      <a:endParaRPr lang="en-US" sz="2000">
-                        <a:effectLst/>
-                        <a:latin typeface="Times New Roman" panose="02020603050405020304" pitchFamily="18" charset="0"/>
-                        <a:ea typeface="SimSun" panose="02010600030101010101" pitchFamily="2" charset="-122"/>
-                      </a:endParaRPr>
-                    </a:p>
-                  </a:txBody>
-                  <a:tcPr marL="68580" marR="68580" marT="0" marB="0"/>
-                </a:tc>
-                <a:tc>
-                  <a:txBody>
-                    <a:bodyPr/>
-                    <a:lstStyle/>
-                    <a:p>
-                      <a:pPr marL="0" marR="0" indent="0" algn="just">
-                        <a:lnSpc>
-                          <a:spcPct val="95000"/>
-                        </a:lnSpc>
-                        <a:spcBef>
-                          <a:spcPts val="0"/>
-                        </a:spcBef>
-                        <a:spcAft>
-                          <a:spcPts val="600"/>
-                        </a:spcAft>
-                      </a:pPr>
-                      <a:r>
-                        <a:rPr lang="en-US" sz="2000">
-                          <a:effectLst/>
-                        </a:rPr>
-                        <a:t>Gm=T</a:t>
-                      </a:r>
-                      <a:endParaRPr lang="en-US" sz="2000">
-                        <a:effectLst/>
-                        <a:latin typeface="Times New Roman" panose="02020603050405020304" pitchFamily="18" charset="0"/>
-                        <a:ea typeface="SimSun" panose="02010600030101010101" pitchFamily="2" charset="-122"/>
-                      </a:endParaRPr>
-                    </a:p>
-                  </a:txBody>
-                  <a:tcPr marL="68580" marR="68580" marT="0" marB="0"/>
-                </a:tc>
-                <a:tc>
-                  <a:txBody>
-                    <a:bodyPr/>
-                    <a:lstStyle/>
-                    <a:p>
-                      <a:pPr marL="0" marR="0" indent="0" algn="just">
-                        <a:lnSpc>
-                          <a:spcPct val="95000"/>
-                        </a:lnSpc>
-                        <a:spcBef>
-                          <a:spcPts val="0"/>
-                        </a:spcBef>
-                        <a:spcAft>
-                          <a:spcPts val="600"/>
-                        </a:spcAft>
-                      </a:pPr>
-                      <a:r>
-                        <a:rPr lang="en-US" sz="2000">
-                          <a:effectLst/>
-                        </a:rPr>
-                        <a:t>Gm=F</a:t>
-                      </a:r>
-                      <a:endParaRPr lang="en-US" sz="2000">
-                        <a:effectLst/>
-                        <a:latin typeface="Times New Roman" panose="02020603050405020304" pitchFamily="18" charset="0"/>
-                        <a:ea typeface="SimSun" panose="02010600030101010101" pitchFamily="2" charset="-122"/>
-                      </a:endParaRPr>
-                    </a:p>
-                  </a:txBody>
-                  <a:tcPr marL="68580" marR="68580" marT="0" marB="0"/>
-                </a:tc>
-                <a:extLst>
-                  <a:ext uri="{0D108BD9-81ED-4DB2-BD59-A6C34878D82A}">
-                    <a16:rowId xmlns:a16="http://schemas.microsoft.com/office/drawing/2014/main" val="2615075099"/>
-                  </a:ext>
-                </a:extLst>
-              </a:tr>
-              <a:tr h="640905">
-                <a:tc>
-                  <a:txBody>
-                    <a:bodyPr/>
-                    <a:lstStyle/>
-                    <a:p>
-                      <a:pPr marL="0" marR="0" indent="0" algn="just">
-                        <a:lnSpc>
-                          <a:spcPct val="95000"/>
-                        </a:lnSpc>
-                        <a:spcBef>
-                          <a:spcPts val="0"/>
-                        </a:spcBef>
-                        <a:spcAft>
-                          <a:spcPts val="600"/>
-                        </a:spcAft>
-                      </a:pPr>
-                      <a:r>
-                        <a:rPr lang="en-US" sz="2000" b="1" dirty="0">
-                          <a:effectLst/>
-                        </a:rPr>
-                        <a:t>Proposed Framework</a:t>
-                      </a:r>
-                      <a:endParaRPr lang="en-US" sz="2000" b="1" dirty="0">
-                        <a:effectLst/>
-                        <a:latin typeface="Times New Roman" panose="02020603050405020304" pitchFamily="18" charset="0"/>
-                        <a:ea typeface="SimSun" panose="02010600030101010101" pitchFamily="2" charset="-122"/>
-                      </a:endParaRPr>
-                    </a:p>
-                  </a:txBody>
-                  <a:tcPr marL="68580" marR="68580" marT="0" marB="0"/>
-                </a:tc>
-                <a:tc>
-                  <a:txBody>
-                    <a:bodyPr/>
-                    <a:lstStyle/>
-                    <a:p>
-                      <a:pPr marL="0" marR="0" indent="0" algn="just">
-                        <a:lnSpc>
-                          <a:spcPct val="95000"/>
-                        </a:lnSpc>
-                        <a:spcBef>
-                          <a:spcPts val="0"/>
-                        </a:spcBef>
-                        <a:spcAft>
-                          <a:spcPts val="600"/>
-                        </a:spcAft>
-                      </a:pPr>
-                      <a:r>
-                        <a:rPr lang="en-US" sz="2000">
-                          <a:effectLst/>
-                        </a:rPr>
-                        <a:t>0.77</a:t>
-                      </a:r>
-                      <a:endParaRPr lang="en-US" sz="2000">
-                        <a:effectLst/>
-                        <a:latin typeface="Times New Roman" panose="02020603050405020304" pitchFamily="18" charset="0"/>
-                        <a:ea typeface="SimSun" panose="02010600030101010101" pitchFamily="2" charset="-122"/>
-                      </a:endParaRPr>
-                    </a:p>
-                  </a:txBody>
-                  <a:tcPr marL="68580" marR="68580" marT="0" marB="0"/>
-                </a:tc>
-                <a:tc>
-                  <a:txBody>
-                    <a:bodyPr/>
-                    <a:lstStyle/>
-                    <a:p>
-                      <a:pPr marL="0" marR="0" indent="0" algn="just">
-                        <a:lnSpc>
-                          <a:spcPct val="95000"/>
-                        </a:lnSpc>
-                        <a:spcBef>
-                          <a:spcPts val="0"/>
-                        </a:spcBef>
-                        <a:spcAft>
-                          <a:spcPts val="600"/>
-                        </a:spcAft>
-                      </a:pPr>
-                      <a:r>
-                        <a:rPr lang="en-US" sz="2000">
-                          <a:effectLst/>
-                        </a:rPr>
-                        <a:t>0.18</a:t>
-                      </a:r>
-                      <a:endParaRPr lang="en-US" sz="2000">
-                        <a:effectLst/>
-                        <a:latin typeface="Times New Roman" panose="02020603050405020304" pitchFamily="18" charset="0"/>
-                        <a:ea typeface="SimSun" panose="02010600030101010101" pitchFamily="2" charset="-122"/>
-                      </a:endParaRPr>
-                    </a:p>
-                  </a:txBody>
-                  <a:tcPr marL="68580" marR="68580" marT="0" marB="0"/>
-                </a:tc>
-                <a:tc>
-                  <a:txBody>
-                    <a:bodyPr/>
-                    <a:lstStyle/>
-                    <a:p>
-                      <a:pPr marL="0" marR="0" indent="0" algn="just">
-                        <a:lnSpc>
-                          <a:spcPct val="95000"/>
-                        </a:lnSpc>
-                        <a:spcBef>
-                          <a:spcPts val="0"/>
-                        </a:spcBef>
-                        <a:spcAft>
-                          <a:spcPts val="600"/>
-                        </a:spcAft>
-                      </a:pPr>
-                      <a:r>
-                        <a:rPr lang="en-US" sz="2000">
-                          <a:effectLst/>
-                        </a:rPr>
-                        <a:t>0.28</a:t>
-                      </a:r>
-                      <a:endParaRPr lang="en-US" sz="2000">
-                        <a:effectLst/>
-                        <a:latin typeface="Times New Roman" panose="02020603050405020304" pitchFamily="18" charset="0"/>
-                        <a:ea typeface="SimSun" panose="02010600030101010101" pitchFamily="2" charset="-122"/>
-                      </a:endParaRPr>
-                    </a:p>
-                  </a:txBody>
-                  <a:tcPr marL="68580" marR="68580" marT="0" marB="0"/>
-                </a:tc>
-                <a:tc>
-                  <a:txBody>
-                    <a:bodyPr/>
-                    <a:lstStyle/>
-                    <a:p>
-                      <a:pPr marL="0" marR="0" indent="0" algn="just">
-                        <a:lnSpc>
-                          <a:spcPct val="95000"/>
-                        </a:lnSpc>
-                        <a:spcBef>
-                          <a:spcPts val="0"/>
-                        </a:spcBef>
-                        <a:spcAft>
-                          <a:spcPts val="600"/>
-                        </a:spcAft>
-                      </a:pPr>
-                      <a:r>
-                        <a:rPr lang="en-US" sz="2000">
-                          <a:effectLst/>
-                        </a:rPr>
-                        <a:t>0.62</a:t>
-                      </a:r>
-                      <a:endParaRPr lang="en-US" sz="2000">
-                        <a:effectLst/>
-                        <a:latin typeface="Times New Roman" panose="02020603050405020304" pitchFamily="18" charset="0"/>
-                        <a:ea typeface="SimSun" panose="02010600030101010101" pitchFamily="2" charset="-122"/>
-                      </a:endParaRPr>
-                    </a:p>
-                  </a:txBody>
-                  <a:tcPr marL="68580" marR="68580" marT="0" marB="0"/>
-                </a:tc>
-                <a:tc>
-                  <a:txBody>
-                    <a:bodyPr/>
-                    <a:lstStyle/>
-                    <a:p>
-                      <a:pPr marL="0" marR="0" indent="0" algn="just">
-                        <a:lnSpc>
-                          <a:spcPct val="95000"/>
-                        </a:lnSpc>
-                        <a:spcBef>
-                          <a:spcPts val="0"/>
-                        </a:spcBef>
-                        <a:spcAft>
-                          <a:spcPts val="600"/>
-                        </a:spcAft>
-                      </a:pPr>
-                      <a:r>
-                        <a:rPr lang="en-US" sz="2000">
-                          <a:effectLst/>
-                        </a:rPr>
-                        <a:t>2µs</a:t>
-                      </a:r>
-                      <a:endParaRPr lang="en-US" sz="2000">
-                        <a:effectLst/>
-                        <a:latin typeface="Times New Roman" panose="02020603050405020304" pitchFamily="18" charset="0"/>
-                        <a:ea typeface="SimSun" panose="02010600030101010101" pitchFamily="2" charset="-122"/>
-                      </a:endParaRPr>
-                    </a:p>
-                  </a:txBody>
-                  <a:tcPr marL="68580" marR="68580" marT="0" marB="0"/>
-                </a:tc>
-                <a:tc>
-                  <a:txBody>
-                    <a:bodyPr/>
-                    <a:lstStyle/>
-                    <a:p>
-                      <a:pPr marL="0" marR="0" indent="0" algn="just">
-                        <a:lnSpc>
-                          <a:spcPct val="95000"/>
-                        </a:lnSpc>
-                        <a:spcBef>
-                          <a:spcPts val="0"/>
-                        </a:spcBef>
-                        <a:spcAft>
-                          <a:spcPts val="600"/>
-                        </a:spcAft>
-                      </a:pPr>
-                      <a:r>
-                        <a:rPr lang="en-US" sz="2000">
-                          <a:effectLst/>
-                        </a:rPr>
-                        <a:t>2µs</a:t>
-                      </a:r>
-                      <a:endParaRPr lang="en-US" sz="2000">
-                        <a:effectLst/>
-                        <a:latin typeface="Times New Roman" panose="02020603050405020304" pitchFamily="18" charset="0"/>
-                        <a:ea typeface="SimSun" panose="02010600030101010101" pitchFamily="2" charset="-122"/>
-                      </a:endParaRPr>
-                    </a:p>
-                  </a:txBody>
-                  <a:tcPr marL="68580" marR="68580" marT="0" marB="0"/>
-                </a:tc>
-                <a:extLst>
-                  <a:ext uri="{0D108BD9-81ED-4DB2-BD59-A6C34878D82A}">
-                    <a16:rowId xmlns:a16="http://schemas.microsoft.com/office/drawing/2014/main" val="3523117460"/>
-                  </a:ext>
-                </a:extLst>
-              </a:tr>
-              <a:tr h="452882">
-                <a:tc>
-                  <a:txBody>
-                    <a:bodyPr/>
-                    <a:lstStyle/>
-                    <a:p>
-                      <a:pPr marL="0" marR="0" indent="0" algn="just">
-                        <a:lnSpc>
-                          <a:spcPct val="95000"/>
-                        </a:lnSpc>
-                        <a:spcBef>
-                          <a:spcPts val="0"/>
-                        </a:spcBef>
-                        <a:spcAft>
-                          <a:spcPts val="600"/>
-                        </a:spcAft>
-                      </a:pPr>
-                      <a:r>
-                        <a:rPr lang="en-US" sz="2000" b="1" dirty="0">
-                          <a:effectLst/>
-                        </a:rPr>
-                        <a:t>Baseline</a:t>
-                      </a:r>
-                      <a:endParaRPr lang="en-US" sz="2000" b="1" dirty="0">
-                        <a:effectLst/>
-                        <a:latin typeface="Times New Roman" panose="02020603050405020304" pitchFamily="18" charset="0"/>
-                        <a:ea typeface="SimSun" panose="02010600030101010101" pitchFamily="2" charset="-122"/>
-                      </a:endParaRPr>
-                    </a:p>
-                  </a:txBody>
-                  <a:tcPr marL="68580" marR="68580" marT="0" marB="0"/>
-                </a:tc>
-                <a:tc>
-                  <a:txBody>
-                    <a:bodyPr/>
-                    <a:lstStyle/>
-                    <a:p>
-                      <a:pPr marL="0" marR="0" indent="0" algn="just">
-                        <a:lnSpc>
-                          <a:spcPct val="95000"/>
-                        </a:lnSpc>
-                        <a:spcBef>
-                          <a:spcPts val="0"/>
-                        </a:spcBef>
-                        <a:spcAft>
-                          <a:spcPts val="600"/>
-                        </a:spcAft>
-                      </a:pPr>
-                      <a:r>
-                        <a:rPr lang="en-US" sz="2000">
-                          <a:effectLst/>
-                        </a:rPr>
-                        <a:t>0.8</a:t>
-                      </a:r>
-                      <a:endParaRPr lang="en-US" sz="2000">
-                        <a:effectLst/>
-                        <a:latin typeface="Times New Roman" panose="02020603050405020304" pitchFamily="18" charset="0"/>
-                        <a:ea typeface="SimSun" panose="02010600030101010101" pitchFamily="2" charset="-122"/>
-                      </a:endParaRPr>
-                    </a:p>
-                  </a:txBody>
-                  <a:tcPr marL="68580" marR="68580" marT="0" marB="0"/>
-                </a:tc>
-                <a:tc>
-                  <a:txBody>
-                    <a:bodyPr/>
-                    <a:lstStyle/>
-                    <a:p>
-                      <a:pPr marL="0" marR="0" indent="0" algn="just">
-                        <a:lnSpc>
-                          <a:spcPct val="95000"/>
-                        </a:lnSpc>
-                        <a:spcBef>
-                          <a:spcPts val="0"/>
-                        </a:spcBef>
-                        <a:spcAft>
-                          <a:spcPts val="600"/>
-                        </a:spcAft>
-                      </a:pPr>
-                      <a:r>
-                        <a:rPr lang="en-US" sz="2000">
-                          <a:effectLst/>
-                        </a:rPr>
-                        <a:t>0.2</a:t>
-                      </a:r>
-                      <a:endParaRPr lang="en-US" sz="2000">
-                        <a:effectLst/>
-                        <a:latin typeface="Times New Roman" panose="02020603050405020304" pitchFamily="18" charset="0"/>
-                        <a:ea typeface="SimSun" panose="02010600030101010101" pitchFamily="2" charset="-122"/>
-                      </a:endParaRPr>
-                    </a:p>
-                  </a:txBody>
-                  <a:tcPr marL="68580" marR="68580" marT="0" marB="0"/>
-                </a:tc>
-                <a:tc>
-                  <a:txBody>
-                    <a:bodyPr/>
-                    <a:lstStyle/>
-                    <a:p>
-                      <a:pPr marL="0" marR="0" indent="0" algn="just">
-                        <a:lnSpc>
-                          <a:spcPct val="95000"/>
-                        </a:lnSpc>
-                        <a:spcBef>
-                          <a:spcPts val="0"/>
-                        </a:spcBef>
-                        <a:spcAft>
-                          <a:spcPts val="600"/>
-                        </a:spcAft>
-                      </a:pPr>
-                      <a:r>
-                        <a:rPr lang="en-US" sz="2000">
-                          <a:effectLst/>
-                        </a:rPr>
-                        <a:t>0.3</a:t>
-                      </a:r>
-                      <a:endParaRPr lang="en-US" sz="2000">
-                        <a:effectLst/>
-                        <a:latin typeface="Times New Roman" panose="02020603050405020304" pitchFamily="18" charset="0"/>
-                        <a:ea typeface="SimSun" panose="02010600030101010101" pitchFamily="2" charset="-122"/>
-                      </a:endParaRPr>
-                    </a:p>
-                  </a:txBody>
-                  <a:tcPr marL="68580" marR="68580" marT="0" marB="0"/>
-                </a:tc>
-                <a:tc>
-                  <a:txBody>
-                    <a:bodyPr/>
-                    <a:lstStyle/>
-                    <a:p>
-                      <a:pPr marL="0" marR="0" indent="0" algn="just">
-                        <a:lnSpc>
-                          <a:spcPct val="95000"/>
-                        </a:lnSpc>
-                        <a:spcBef>
-                          <a:spcPts val="0"/>
-                        </a:spcBef>
-                        <a:spcAft>
-                          <a:spcPts val="600"/>
-                        </a:spcAft>
-                      </a:pPr>
-                      <a:r>
-                        <a:rPr lang="en-US" sz="2000">
-                          <a:effectLst/>
-                        </a:rPr>
-                        <a:t>0.6</a:t>
-                      </a:r>
-                      <a:endParaRPr lang="en-US" sz="2000">
-                        <a:effectLst/>
-                        <a:latin typeface="Times New Roman" panose="02020603050405020304" pitchFamily="18" charset="0"/>
-                        <a:ea typeface="SimSun" panose="02010600030101010101" pitchFamily="2" charset="-122"/>
-                      </a:endParaRPr>
-                    </a:p>
-                  </a:txBody>
-                  <a:tcPr marL="68580" marR="68580" marT="0" marB="0"/>
-                </a:tc>
-                <a:tc>
-                  <a:txBody>
-                    <a:bodyPr/>
-                    <a:lstStyle/>
-                    <a:p>
-                      <a:pPr marL="0" marR="0" indent="0" algn="just">
-                        <a:lnSpc>
-                          <a:spcPct val="95000"/>
-                        </a:lnSpc>
-                        <a:spcBef>
-                          <a:spcPts val="0"/>
-                        </a:spcBef>
-                        <a:spcAft>
-                          <a:spcPts val="600"/>
-                        </a:spcAft>
-                      </a:pPr>
-                      <a:r>
-                        <a:rPr lang="en-US" sz="2000">
-                          <a:effectLst/>
-                        </a:rPr>
-                        <a:t>132ms</a:t>
-                      </a:r>
-                      <a:endParaRPr lang="en-US" sz="2000">
-                        <a:effectLst/>
-                        <a:latin typeface="Times New Roman" panose="02020603050405020304" pitchFamily="18" charset="0"/>
-                        <a:ea typeface="SimSun" panose="02010600030101010101" pitchFamily="2" charset="-122"/>
-                      </a:endParaRPr>
-                    </a:p>
-                  </a:txBody>
-                  <a:tcPr marL="68580" marR="68580" marT="0" marB="0"/>
-                </a:tc>
-                <a:tc>
-                  <a:txBody>
-                    <a:bodyPr/>
-                    <a:lstStyle/>
-                    <a:p>
-                      <a:pPr marL="0" marR="0" indent="0" algn="just">
-                        <a:lnSpc>
-                          <a:spcPct val="95000"/>
-                        </a:lnSpc>
-                        <a:spcBef>
-                          <a:spcPts val="0"/>
-                        </a:spcBef>
-                        <a:spcAft>
-                          <a:spcPts val="600"/>
-                        </a:spcAft>
-                      </a:pPr>
-                      <a:r>
-                        <a:rPr lang="en-US" sz="2000" dirty="0">
-                          <a:effectLst/>
-                        </a:rPr>
-                        <a:t>168ms</a:t>
-                      </a:r>
-                      <a:endParaRPr lang="en-US" sz="2000" dirty="0">
-                        <a:effectLst/>
-                        <a:latin typeface="Times New Roman" panose="02020603050405020304" pitchFamily="18" charset="0"/>
-                        <a:ea typeface="SimSun" panose="02010600030101010101" pitchFamily="2" charset="-122"/>
-                      </a:endParaRPr>
-                    </a:p>
-                  </a:txBody>
-                  <a:tcPr marL="68580" marR="68580" marT="0" marB="0"/>
-                </a:tc>
-                <a:extLst>
-                  <a:ext uri="{0D108BD9-81ED-4DB2-BD59-A6C34878D82A}">
-                    <a16:rowId xmlns:a16="http://schemas.microsoft.com/office/drawing/2014/main" val="1488284617"/>
-                  </a:ext>
-                </a:extLst>
-              </a:tr>
-            </a:tbl>
-          </a:graphicData>
-        </a:graphic>
-      </p:graphicFrame>
       <p:pic>
         <p:nvPicPr>
           <p:cNvPr id="1026" name="Picture 2" descr="Image result for deep protection">
@@ -8765,7 +6720,7 @@
           <p:nvPr/>
         </p:nvPicPr>
         <p:blipFill>
-          <a:blip r:embed="rId12">
+          <a:blip r:embed="rId3">
             <a:extLst>
               <a:ext uri="{28A0092B-C50C-407E-A947-70E740481C1C}">
                 <a14:useLocalDpi xmlns:a14="http://schemas.microsoft.com/office/drawing/2010/main" val="0"/>
@@ -8812,7 +6767,7 @@
           <p:nvPr/>
         </p:nvPicPr>
         <p:blipFill>
-          <a:blip r:embed="rId13">
+          <a:blip r:embed="rId4">
             <a:extLst>
               <a:ext uri="{28A0092B-C50C-407E-A947-70E740481C1C}">
                 <a14:useLocalDpi xmlns:a14="http://schemas.microsoft.com/office/drawing/2010/main" val="0"/>

--- a/Poster/Deep-Protection-Poster-v0.1.pptx
+++ b/Poster/Deep-Protection-Poster-v0.1.pptx
@@ -4915,7 +4915,15 @@
             </a:pPr>
             <a:r>
               <a:rPr lang="en-US" sz="2400" b="0" dirty="0"/>
-              <a:t>This widespread use has left the application spaces open to adversarial attacks – images that have been slightly perturbed to cause misclassification in models.</a:t>
+              <a:t>This widespread use has left the application spaces open to </a:t>
+            </a:r>
+            <a:r>
+              <a:rPr lang="en-US" sz="2400" dirty="0"/>
+              <a:t>adversarial attacks </a:t>
+            </a:r>
+            <a:r>
+              <a:rPr lang="en-US" sz="2400" b="0" dirty="0"/>
+              <a:t>– images that have been slightly perturbed to cause misclassification in models.</a:t>
             </a:r>
           </a:p>
           <a:p>
@@ -4945,7 +4953,15 @@
             </a:pPr>
             <a:r>
               <a:rPr lang="en-US" sz="2400" b="0" dirty="0"/>
-              <a:t>We use Deep Image Prior (DIP) – an image restoration technique, and modify it to protect against adversarial images</a:t>
+              <a:t>We use </a:t>
+            </a:r>
+            <a:r>
+              <a:rPr lang="en-US" sz="2400" dirty="0"/>
+              <a:t>Deep Image Prior (DIP) </a:t>
+            </a:r>
+            <a:r>
+              <a:rPr lang="en-US" sz="2400" b="0" dirty="0"/>
+              <a:t>– an image restoration technique, and modify it to protect against adversarial images</a:t>
             </a:r>
           </a:p>
           <a:p>
@@ -5132,7 +5148,15 @@
             </a:pPr>
             <a:r>
               <a:rPr lang="en-US" altLang="en-US" sz="2400" b="0" dirty="0"/>
-              <a:t>  DIP: Uses structure of a generative deep convnet to regenerate target image from noise. Applications include denoising, in-filling etc.</a:t>
+              <a:t>  </a:t>
+            </a:r>
+            <a:r>
+              <a:rPr lang="en-US" altLang="en-US" sz="2400" dirty="0"/>
+              <a:t>DIP</a:t>
+            </a:r>
+            <a:r>
+              <a:rPr lang="en-US" altLang="en-US" sz="2400" b="0" dirty="0"/>
+              <a:t>: Uses structure of a generative deep convnet to regenerate target image from noise. Applications include denoising, in-filling etc.</a:t>
             </a:r>
           </a:p>
           <a:p>
@@ -5142,7 +5166,15 @@
             </a:pPr>
             <a:r>
               <a:rPr lang="en-US" altLang="en-US" sz="2400" b="0" dirty="0"/>
-              <a:t>  Adversarial Attacks: Various techniques that slightly perturb image in pixel space to cause departure in feature/class space of a target deep network model. Have several types/subtypes, but basic premise stays the same.</a:t>
+              <a:t>  </a:t>
+            </a:r>
+            <a:r>
+              <a:rPr lang="en-US" altLang="en-US" sz="2400" dirty="0"/>
+              <a:t>Adversarial Attacks</a:t>
+            </a:r>
+            <a:r>
+              <a:rPr lang="en-US" altLang="en-US" sz="2400" b="0" dirty="0"/>
+              <a:t>: Various techniques that slightly perturb image in pixel space to cause departure in feature/class space of a target deep network model. Have several types/subtypes, but basic premise stays the same.</a:t>
             </a:r>
           </a:p>
           <a:p>
@@ -5152,7 +5184,15 @@
             </a:pPr>
             <a:r>
               <a:rPr lang="en-US" altLang="en-US" sz="2400" b="0" dirty="0"/>
-              <a:t> Defense Strategies: Existing strategies usually target only one type of attack, examples: training models with adversarial examples, filtering input images, rotations and other linear operations. </a:t>
+              <a:t> </a:t>
+            </a:r>
+            <a:r>
+              <a:rPr lang="en-US" altLang="en-US" sz="2400" dirty="0"/>
+              <a:t>Defense Strategies</a:t>
+            </a:r>
+            <a:r>
+              <a:rPr lang="en-US" altLang="en-US" sz="2400" b="0" dirty="0"/>
+              <a:t>: Existing strategies usually target only one type of attack, examples: training models with adversarial examples, filtering input images, rotations and other linear operations. </a:t>
             </a:r>
           </a:p>
           <a:p>
@@ -5505,8 +5545,12 @@
               <a:t> </a:t>
             </a:r>
             <a:r>
+              <a:rPr lang="en-US" altLang="en-US" sz="2400" dirty="0"/>
+              <a:t>Universality</a:t>
+            </a:r>
+            <a:r>
               <a:rPr lang="en-US" altLang="en-US" sz="2400" b="0" dirty="0"/>
-              <a:t>Universality: In both modes, Deep Protection is quite effective on all attacks, though need to work on dynamic stopping strategies to make best use</a:t>
+              <a:t>: In both modes, Deep Protection is quite effective on all attacks, though need to work on dynamic stopping strategies to make best use</a:t>
             </a:r>
           </a:p>
           <a:p>
@@ -5516,7 +5560,15 @@
             </a:pPr>
             <a:r>
               <a:rPr lang="en-US" altLang="en-US" sz="2400" b="0" dirty="0"/>
-              <a:t> Attack type invariance: No matter how the image is perturbed, the process of obtaining non-adversarial prior is the same – could mean that this process could be robust to any number of future attacks</a:t>
+              <a:t> </a:t>
+            </a:r>
+            <a:r>
+              <a:rPr lang="en-US" altLang="en-US" sz="2400" dirty="0"/>
+              <a:t>Attack type invariance</a:t>
+            </a:r>
+            <a:r>
+              <a:rPr lang="en-US" altLang="en-US" sz="2400" b="0" dirty="0"/>
+              <a:t>: No matter how the image is perturbed, the process of obtaining non-adversarial prior is the same – could mean that this process could be robust to any number of future attacks</a:t>
             </a:r>
           </a:p>
           <a:p>
@@ -5526,7 +5578,15 @@
             </a:pPr>
             <a:r>
               <a:rPr lang="en-US" altLang="en-US" sz="2400" b="0" dirty="0"/>
-              <a:t> Market ready: No training required, can be deployed in-field right away</a:t>
+              <a:t> </a:t>
+            </a:r>
+            <a:r>
+              <a:rPr lang="en-US" altLang="en-US" sz="2400" dirty="0"/>
+              <a:t>Market ready</a:t>
+            </a:r>
+            <a:r>
+              <a:rPr lang="en-US" altLang="en-US" sz="2400" b="0" dirty="0"/>
+              <a:t>: No training required, can be deployed in-field right away</a:t>
             </a:r>
           </a:p>
           <a:p>
@@ -5536,7 +5596,15 @@
             </a:pPr>
             <a:r>
               <a:rPr lang="en-US" altLang="en-US" sz="2400" b="0" dirty="0"/>
-              <a:t> No Free Lunch: Deep Protection is time consuming, though dynamic stop time could help speed it up</a:t>
+              <a:t> </a:t>
+            </a:r>
+            <a:r>
+              <a:rPr lang="en-US" altLang="en-US" sz="2400" dirty="0"/>
+              <a:t>No Free Lunch</a:t>
+            </a:r>
+            <a:r>
+              <a:rPr lang="en-US" altLang="en-US" sz="2400" b="0" dirty="0"/>
+              <a:t>: Deep Protection is time consuming, though automatic termination could help speed it up</a:t>
             </a:r>
           </a:p>
           <a:p>
@@ -5546,7 +5614,15 @@
             </a:pPr>
             <a:r>
               <a:rPr lang="en-US" altLang="en-US" sz="2400" b="0" dirty="0"/>
-              <a:t> Other applications: Use of network architecture for processing may have further applications (even non-vision)</a:t>
+              <a:t> </a:t>
+            </a:r>
+            <a:r>
+              <a:rPr lang="en-US" altLang="en-US" sz="2400" dirty="0"/>
+              <a:t>Other applications</a:t>
+            </a:r>
+            <a:r>
+              <a:rPr lang="en-US" altLang="en-US" sz="2400" b="0" dirty="0"/>
+              <a:t>: Use of network architecture for processing may have further applications (even non-vision)</a:t>
             </a:r>
           </a:p>
         </p:txBody>
@@ -5724,7 +5800,7 @@
             </a:r>
             <a:r>
               <a:rPr lang="en-US" altLang="en-US" sz="2400" b="0" dirty="0"/>
-              <a:t>Work on strategies for dynamic stopping of Deep Protection process </a:t>
+              <a:t>Work on strategies for automatic termination of Deep Protection process </a:t>
             </a:r>
           </a:p>
           <a:p>
@@ -5734,7 +5810,7 @@
             </a:pPr>
             <a:r>
               <a:rPr lang="en-US" altLang="en-US" sz="2400" b="0" dirty="0"/>
-              <a:t> Design a binary classifier to detect if  Deep Protection process is required for an input</a:t>
+              <a:t> Design a binary classifier to detect if Deep Protection process is required for an input</a:t>
             </a:r>
           </a:p>
           <a:p>
@@ -5845,7 +5921,7 @@
         <p:spPr bwMode="auto">
           <a:xfrm>
             <a:off x="1219868" y="17028817"/>
-            <a:ext cx="8958262" cy="9858318"/>
+            <a:ext cx="8958262" cy="7315200"/>
           </a:xfrm>
           <a:prstGeom prst="rect">
             <a:avLst/>
@@ -5993,13 +6069,25 @@
             </a:r>
           </a:p>
           <a:p>
+            <a:pPr eaLnBrk="1" hangingPunct="1"/>
+            <a:endParaRPr lang="en-US" altLang="en-US" sz="3600" dirty="0"/>
+          </a:p>
+          <a:p>
             <a:pPr algn="just" eaLnBrk="1" hangingPunct="1">
               <a:buFont typeface="Arial" charset="0"/>
               <a:buChar char="•"/>
             </a:pPr>
             <a:r>
               <a:rPr lang="en-US" altLang="en-US" sz="2400" b="0" dirty="0"/>
-              <a:t> Key Idea: modify DIP and use it to obtain non-adversarial prior of an adversarial image. Treat adversarial image as a corrupted version of the original and run restoration on it. </a:t>
+              <a:t> </a:t>
+            </a:r>
+            <a:r>
+              <a:rPr lang="en-US" altLang="en-US" sz="2400" dirty="0"/>
+              <a:t>Key Idea</a:t>
+            </a:r>
+            <a:r>
+              <a:rPr lang="en-US" altLang="en-US" sz="2400" b="0" dirty="0"/>
+              <a:t>: modify DIP and use it to obtain non-adversarial prior of an adversarial image. Treat adversarial image as a corrupted version of the original and run restoration on it. </a:t>
             </a:r>
             <a:r>
               <a:rPr lang="en-US" altLang="en-US" sz="2400" b="0" dirty="0">
@@ -6030,7 +6118,15 @@
             </a:pPr>
             <a:r>
               <a:rPr lang="en-US" altLang="en-US" sz="2400" b="0" dirty="0"/>
-              <a:t> Deep Protection Process: </a:t>
+              <a:t> </a:t>
+            </a:r>
+            <a:r>
+              <a:rPr lang="en-US" altLang="en-US" sz="2400" dirty="0"/>
+              <a:t>Deep Protection Process</a:t>
+            </a:r>
+            <a:r>
+              <a:rPr lang="en-US" altLang="en-US" sz="2400" b="0" dirty="0"/>
+              <a:t>: </a:t>
             </a:r>
           </a:p>
           <a:p>
@@ -6186,7 +6282,7 @@
         </p:nvSpPr>
         <p:spPr bwMode="auto">
           <a:xfrm>
-            <a:off x="1597026" y="26173709"/>
+            <a:off x="1109696" y="24411048"/>
             <a:ext cx="8958262" cy="5857222"/>
           </a:xfrm>
           <a:prstGeom prst="rect">
@@ -6404,18 +6500,12 @@
             </a:pPr>
             <a:r>
               <a:rPr lang="en-US" sz="2400" b="0" dirty="0"/>
-              <a:t>Draw some nice plots</a:t>
-            </a:r>
-          </a:p>
-          <a:p>
-            <a:pPr marL="1085850" lvl="1" indent="-342900" algn="l">
-              <a:buFont typeface="Wingdings" panose="05000000000000000000" pitchFamily="2" charset="2"/>
-              <a:buChar char="Ø"/>
-            </a:pPr>
-            <a:r>
-              <a:rPr lang="en-US" sz="2400" b="0" dirty="0"/>
               <a:t>Test it in the real world</a:t>
             </a:r>
+          </a:p>
+          <a:p>
+            <a:pPr lvl="1" indent="0" algn="l"/>
+            <a:endParaRPr lang="en-US" sz="2400" b="0" dirty="0"/>
           </a:p>
           <a:p>
             <a:pPr marL="342900" indent="-342900" algn="l">
@@ -6475,8 +6565,8 @@
         </p:nvSpPr>
         <p:spPr bwMode="auto">
           <a:xfrm>
-            <a:off x="11217309" y="4068174"/>
-            <a:ext cx="8958262" cy="3764342"/>
+            <a:off x="11217308" y="4068174"/>
+            <a:ext cx="9661491" cy="16459200"/>
           </a:xfrm>
           <a:prstGeom prst="rect">
             <a:avLst/>
@@ -6506,7 +6596,7 @@
           </a:extLst>
         </p:spPr>
         <p:txBody>
-          <a:bodyPr lIns="70336" tIns="35168" rIns="70336" bIns="35168">
+          <a:bodyPr wrap="square" lIns="70336" tIns="35168" rIns="70336" bIns="35168">
             <a:spAutoFit/>
           </a:bodyPr>
           <a:lstStyle>
@@ -6634,8 +6724,8 @@
               <a:buChar char="•"/>
             </a:pPr>
             <a:r>
-              <a:rPr lang="en-US" sz="2400" b="0" dirty="0"/>
-              <a:t>Ideal case: we know exactly when to stop the process:</a:t>
+              <a:rPr lang="en-US" sz="2400" dirty="0"/>
+              <a:t>Ideal case: we know exactly when to stop the process</a:t>
             </a:r>
           </a:p>
           <a:p>
@@ -6643,57 +6733,302 @@
               <a:buFont typeface="Arial" panose="020B0604020202020204" pitchFamily="34" charset="0"/>
               <a:buChar char="•"/>
             </a:pPr>
-            <a:r>
-              <a:rPr lang="en-US" altLang="en-US" sz="2400" b="0" dirty="0"/>
-              <a:t>Static case: stop process at a fixed iteration number(1750):</a:t>
-            </a:r>
+            <a:endParaRPr lang="en-US" altLang="en-US" sz="2400" b="0" dirty="0"/>
           </a:p>
           <a:p>
             <a:pPr marL="285750" indent="-285750" algn="l">
               <a:buFont typeface="Arial" panose="020B0604020202020204" pitchFamily="34" charset="0"/>
               <a:buChar char="•"/>
             </a:pPr>
-            <a:r>
-              <a:rPr lang="en-US" altLang="en-US" sz="2400" b="0" dirty="0"/>
-              <a:t>How errors are distributed in static case:</a:t>
-            </a:r>
+            <a:endParaRPr lang="en-US" altLang="en-US" sz="2400" b="0" dirty="0"/>
           </a:p>
           <a:p>
             <a:pPr marL="285750" indent="-285750" algn="l">
               <a:buFont typeface="Arial" panose="020B0604020202020204" pitchFamily="34" charset="0"/>
               <a:buChar char="•"/>
             </a:pPr>
-            <a:r>
-              <a:rPr lang="en-US" altLang="en-US" sz="2400" b="0" dirty="0"/>
-              <a:t>How we decided stopping point for static mode:</a:t>
-            </a:r>
+            <a:endParaRPr lang="en-US" altLang="en-US" sz="2400" b="0" dirty="0"/>
           </a:p>
           <a:p>
             <a:pPr marL="285750" indent="-285750" algn="l">
               <a:buFont typeface="Arial" panose="020B0604020202020204" pitchFamily="34" charset="0"/>
               <a:buChar char="•"/>
             </a:pPr>
-            <a:r>
-              <a:rPr lang="en-US" altLang="en-US" sz="2400" b="0" dirty="0"/>
-              <a:t>Real-world example - Panda image in </a:t>
-            </a:r>
-            <a:r>
-              <a:rPr lang="en-US" altLang="en-US" sz="2400" b="0" dirty="0" err="1"/>
-              <a:t>clarifai</a:t>
-            </a:r>
-            <a:r>
-              <a:rPr lang="en-US" altLang="en-US" sz="2400" b="0" dirty="0"/>
-              <a:t> system:</a:t>
-            </a:r>
+            <a:endParaRPr lang="en-US" altLang="en-US" sz="2400" b="0" dirty="0"/>
           </a:p>
           <a:p>
             <a:pPr marL="285750" indent="-285750" algn="l">
               <a:buFont typeface="Arial" panose="020B0604020202020204" pitchFamily="34" charset="0"/>
               <a:buChar char="•"/>
             </a:pPr>
+            <a:endParaRPr lang="en-US" altLang="en-US" sz="2400" b="0" dirty="0"/>
+          </a:p>
+          <a:p>
+            <a:pPr marL="285750" indent="-285750" algn="l">
+              <a:buFont typeface="Arial" panose="020B0604020202020204" pitchFamily="34" charset="0"/>
+              <a:buChar char="•"/>
+            </a:pPr>
+            <a:endParaRPr lang="en-US" altLang="en-US" sz="2400" b="0" dirty="0"/>
+          </a:p>
+          <a:p>
+            <a:pPr marL="285750" indent="-285750" algn="l">
+              <a:buFont typeface="Arial" panose="020B0604020202020204" pitchFamily="34" charset="0"/>
+              <a:buChar char="•"/>
+            </a:pPr>
+            <a:endParaRPr lang="en-US" altLang="en-US" sz="2400" b="0" dirty="0"/>
+          </a:p>
+          <a:p>
+            <a:pPr marL="285750" indent="-285750" algn="l">
+              <a:buFont typeface="Arial" panose="020B0604020202020204" pitchFamily="34" charset="0"/>
+              <a:buChar char="•"/>
+            </a:pPr>
+            <a:endParaRPr lang="en-US" altLang="en-US" sz="2400" b="0" dirty="0"/>
+          </a:p>
+          <a:p>
+            <a:pPr marL="285750" indent="-285750" algn="l">
+              <a:buFont typeface="Arial" panose="020B0604020202020204" pitchFamily="34" charset="0"/>
+              <a:buChar char="•"/>
+            </a:pPr>
+            <a:endParaRPr lang="en-US" altLang="en-US" sz="2400" b="0" dirty="0"/>
+          </a:p>
+          <a:p>
+            <a:pPr marL="285750" indent="-285750" algn="l">
+              <a:buFont typeface="Arial" panose="020B0604020202020204" pitchFamily="34" charset="0"/>
+              <a:buChar char="•"/>
+            </a:pPr>
+            <a:endParaRPr lang="en-US" altLang="en-US" sz="2400" b="0" dirty="0"/>
+          </a:p>
+          <a:p>
+            <a:pPr marL="285750" indent="-285750" algn="l">
+              <a:buFont typeface="Arial" panose="020B0604020202020204" pitchFamily="34" charset="0"/>
+              <a:buChar char="•"/>
+            </a:pPr>
+            <a:endParaRPr lang="en-US" altLang="en-US" sz="2400" b="0" dirty="0"/>
+          </a:p>
+          <a:p>
+            <a:pPr marL="285750" indent="-285750" algn="l">
+              <a:buFont typeface="Arial" panose="020B0604020202020204" pitchFamily="34" charset="0"/>
+              <a:buChar char="•"/>
+            </a:pPr>
+            <a:r>
+              <a:rPr lang="en-US" altLang="en-US" sz="2400" dirty="0"/>
+              <a:t>Static case: stop process at a fixed iteration number(1750)</a:t>
+            </a:r>
+          </a:p>
+          <a:p>
+            <a:pPr marL="285750" indent="-285750" algn="l">
+              <a:buFont typeface="Arial" panose="020B0604020202020204" pitchFamily="34" charset="0"/>
+              <a:buChar char="•"/>
+            </a:pPr>
+            <a:endParaRPr lang="en-US" altLang="en-US" sz="2400" b="0" dirty="0"/>
+          </a:p>
+          <a:p>
+            <a:pPr marL="285750" indent="-285750" algn="l">
+              <a:buFont typeface="Arial" panose="020B0604020202020204" pitchFamily="34" charset="0"/>
+              <a:buChar char="•"/>
+            </a:pPr>
+            <a:endParaRPr lang="en-US" altLang="en-US" sz="2400" b="0" dirty="0"/>
+          </a:p>
+          <a:p>
+            <a:pPr marL="285750" indent="-285750" algn="l">
+              <a:buFont typeface="Arial" panose="020B0604020202020204" pitchFamily="34" charset="0"/>
+              <a:buChar char="•"/>
+            </a:pPr>
+            <a:endParaRPr lang="en-US" altLang="en-US" sz="2400" b="0" dirty="0"/>
+          </a:p>
+          <a:p>
+            <a:pPr marL="285750" indent="-285750" algn="l">
+              <a:buFont typeface="Arial" panose="020B0604020202020204" pitchFamily="34" charset="0"/>
+              <a:buChar char="•"/>
+            </a:pPr>
+            <a:endParaRPr lang="en-US" altLang="en-US" sz="2400" b="0" dirty="0"/>
+          </a:p>
+          <a:p>
+            <a:pPr marL="285750" indent="-285750" algn="l">
+              <a:buFont typeface="Arial" panose="020B0604020202020204" pitchFamily="34" charset="0"/>
+              <a:buChar char="•"/>
+            </a:pPr>
+            <a:endParaRPr lang="en-US" altLang="en-US" sz="2400" b="0" dirty="0"/>
+          </a:p>
+          <a:p>
+            <a:pPr marL="285750" indent="-285750" algn="l">
+              <a:buFont typeface="Arial" panose="020B0604020202020204" pitchFamily="34" charset="0"/>
+              <a:buChar char="•"/>
+            </a:pPr>
+            <a:endParaRPr lang="en-US" altLang="en-US" sz="2400" b="0" dirty="0"/>
+          </a:p>
+          <a:p>
+            <a:pPr marL="285750" indent="-285750" algn="l">
+              <a:buFont typeface="Arial" panose="020B0604020202020204" pitchFamily="34" charset="0"/>
+              <a:buChar char="•"/>
+            </a:pPr>
+            <a:endParaRPr lang="en-US" altLang="en-US" sz="2400" b="0" dirty="0"/>
+          </a:p>
+          <a:p>
+            <a:pPr marL="285750" indent="-285750" algn="l">
+              <a:buFont typeface="Arial" panose="020B0604020202020204" pitchFamily="34" charset="0"/>
+              <a:buChar char="•"/>
+            </a:pPr>
+            <a:endParaRPr lang="en-US" altLang="en-US" sz="2400" b="0" dirty="0"/>
+          </a:p>
+          <a:p>
+            <a:pPr marL="285750" indent="-285750" algn="l">
+              <a:buFont typeface="Arial" panose="020B0604020202020204" pitchFamily="34" charset="0"/>
+              <a:buChar char="•"/>
+            </a:pPr>
+            <a:endParaRPr lang="en-US" altLang="en-US" sz="2400" b="0" dirty="0"/>
+          </a:p>
+          <a:p>
+            <a:pPr marL="285750" indent="-285750" algn="l">
+              <a:buFont typeface="Arial" panose="020B0604020202020204" pitchFamily="34" charset="0"/>
+              <a:buChar char="•"/>
+            </a:pPr>
+            <a:endParaRPr lang="en-US" altLang="en-US" sz="2400" b="0" dirty="0"/>
+          </a:p>
+          <a:p>
+            <a:pPr marL="285750" indent="-285750" algn="l">
+              <a:buFont typeface="Arial" panose="020B0604020202020204" pitchFamily="34" charset="0"/>
+              <a:buChar char="•"/>
+            </a:pPr>
+            <a:endParaRPr lang="en-US" altLang="en-US" sz="2400" b="0" dirty="0"/>
+          </a:p>
+          <a:p>
+            <a:pPr marL="285750" indent="-285750" algn="l">
+              <a:buFont typeface="Arial" panose="020B0604020202020204" pitchFamily="34" charset="0"/>
+              <a:buChar char="•"/>
+            </a:pPr>
+            <a:endParaRPr lang="en-US" altLang="en-US" sz="2400" b="0" dirty="0"/>
+          </a:p>
+          <a:p>
+            <a:pPr marL="285750" indent="-285750" algn="l">
+              <a:buFont typeface="Arial" panose="020B0604020202020204" pitchFamily="34" charset="0"/>
+              <a:buChar char="•"/>
+            </a:pPr>
+            <a:r>
+              <a:rPr lang="en-US" altLang="en-US" sz="2400" dirty="0"/>
+              <a:t>How errors are distributed in static case</a:t>
+            </a:r>
+          </a:p>
+          <a:p>
+            <a:pPr marL="285750" indent="-285750" algn="l">
+              <a:buFont typeface="Arial" panose="020B0604020202020204" pitchFamily="34" charset="0"/>
+              <a:buChar char="•"/>
+            </a:pPr>
+            <a:endParaRPr lang="en-US" altLang="en-US" sz="2400" b="0" dirty="0"/>
+          </a:p>
+          <a:p>
+            <a:pPr marL="285750" indent="-285750" algn="l">
+              <a:buFont typeface="Arial" panose="020B0604020202020204" pitchFamily="34" charset="0"/>
+              <a:buChar char="•"/>
+            </a:pPr>
+            <a:endParaRPr lang="en-US" altLang="en-US" sz="2400" b="0" dirty="0"/>
+          </a:p>
+          <a:p>
+            <a:pPr marL="285750" indent="-285750" algn="l">
+              <a:buFont typeface="Arial" panose="020B0604020202020204" pitchFamily="34" charset="0"/>
+              <a:buChar char="•"/>
+            </a:pPr>
+            <a:endParaRPr lang="en-US" altLang="en-US" sz="2400" b="0" dirty="0"/>
+          </a:p>
+          <a:p>
+            <a:pPr marL="285750" indent="-285750" algn="l">
+              <a:buFont typeface="Arial" panose="020B0604020202020204" pitchFamily="34" charset="0"/>
+              <a:buChar char="•"/>
+            </a:pPr>
+            <a:endParaRPr lang="en-US" altLang="en-US" sz="2400" b="0" dirty="0"/>
+          </a:p>
+          <a:p>
+            <a:pPr marL="285750" indent="-285750" algn="l">
+              <a:buFont typeface="Arial" panose="020B0604020202020204" pitchFamily="34" charset="0"/>
+              <a:buChar char="•"/>
+            </a:pPr>
+            <a:endParaRPr lang="en-US" altLang="en-US" sz="2400" b="0" dirty="0"/>
+          </a:p>
+          <a:p>
+            <a:pPr marL="285750" indent="-285750" algn="l">
+              <a:buFont typeface="Arial" panose="020B0604020202020204" pitchFamily="34" charset="0"/>
+              <a:buChar char="•"/>
+            </a:pPr>
+            <a:endParaRPr lang="en-US" altLang="en-US" sz="2400" b="0" dirty="0"/>
+          </a:p>
+          <a:p>
+            <a:pPr marL="285750" indent="-285750" algn="l">
+              <a:buFont typeface="Arial" panose="020B0604020202020204" pitchFamily="34" charset="0"/>
+              <a:buChar char="•"/>
+            </a:pPr>
+            <a:endParaRPr lang="en-US" altLang="en-US" sz="2400" b="0" dirty="0"/>
+          </a:p>
+          <a:p>
+            <a:pPr marL="285750" indent="-285750" algn="l">
+              <a:buFont typeface="Arial" panose="020B0604020202020204" pitchFamily="34" charset="0"/>
+              <a:buChar char="•"/>
+            </a:pPr>
+            <a:endParaRPr lang="en-US" altLang="en-US" sz="2400" b="0" dirty="0"/>
+          </a:p>
+          <a:p>
+            <a:pPr marL="285750" indent="-285750" algn="l">
+              <a:buFont typeface="Arial" panose="020B0604020202020204" pitchFamily="34" charset="0"/>
+              <a:buChar char="•"/>
+            </a:pPr>
+            <a:endParaRPr lang="en-US" altLang="en-US" sz="2400" b="0" dirty="0"/>
+          </a:p>
+          <a:p>
+            <a:pPr marL="285750" indent="-285750" algn="l">
+              <a:buFont typeface="Arial" panose="020B0604020202020204" pitchFamily="34" charset="0"/>
+              <a:buChar char="•"/>
+            </a:pPr>
+            <a:endParaRPr lang="en-US" altLang="en-US" sz="2400" b="0" dirty="0"/>
+          </a:p>
+          <a:p>
+            <a:pPr marL="285750" indent="-285750" algn="l">
+              <a:buFont typeface="Arial" panose="020B0604020202020204" pitchFamily="34" charset="0"/>
+              <a:buChar char="•"/>
+            </a:pPr>
+            <a:endParaRPr lang="en-US" altLang="en-US" sz="2400" b="0" dirty="0"/>
+          </a:p>
+          <a:p>
+            <a:pPr marL="285750" indent="-285750" algn="l">
+              <a:buFont typeface="Arial" panose="020B0604020202020204" pitchFamily="34" charset="0"/>
+              <a:buChar char="•"/>
+            </a:pPr>
+            <a:endParaRPr lang="en-US" altLang="en-US" sz="2400" b="0" dirty="0"/>
+          </a:p>
+          <a:p>
+            <a:pPr marL="285750" indent="-285750" algn="l">
+              <a:buFont typeface="Arial" panose="020B0604020202020204" pitchFamily="34" charset="0"/>
+              <a:buChar char="•"/>
+            </a:pPr>
             <a:r>
               <a:rPr lang="en-US" altLang="en-US" sz="2400" b="0" dirty="0"/>
-              <a:t>Other applications – Text extraction from maps:</a:t>
+              <a:t>How we decided stopping point for static mode</a:t>
+            </a:r>
+          </a:p>
+          <a:p>
+            <a:pPr marL="285750" indent="-285750" algn="l">
+              <a:buFont typeface="Arial" panose="020B0604020202020204" pitchFamily="34" charset="0"/>
+              <a:buChar char="•"/>
+            </a:pPr>
+            <a:r>
+              <a:rPr lang="en-US" altLang="en-US" sz="2400" b="0" dirty="0"/>
+              <a:t>Real-world example - Panda image in </a:t>
+            </a:r>
+            <a:r>
+              <a:rPr lang="en-US" altLang="en-US" sz="2400" b="0" dirty="0" err="1"/>
+              <a:t>clarifai</a:t>
+            </a:r>
+            <a:r>
+              <a:rPr lang="en-US" altLang="en-US" sz="2400" b="0" dirty="0"/>
+              <a:t> system</a:t>
+            </a:r>
+          </a:p>
+          <a:p>
+            <a:pPr marL="285750" indent="-285750" algn="l">
+              <a:buFont typeface="Arial" panose="020B0604020202020204" pitchFamily="34" charset="0"/>
+              <a:buChar char="•"/>
+            </a:pPr>
+            <a:r>
+              <a:rPr lang="en-US" altLang="en-US" sz="2400" b="0" dirty="0"/>
+              <a:t>Other applications – Text extraction from maps</a:t>
             </a:r>
           </a:p>
           <a:p>
@@ -6797,6 +7132,126 @@
               </a14:hiddenFill>
             </a:ext>
           </a:extLst>
+        </p:spPr>
+      </p:pic>
+      <p:pic>
+        <p:nvPicPr>
+          <p:cNvPr id="3" name="Picture 2">
+            <a:extLst>
+              <a:ext uri="{FF2B5EF4-FFF2-40B4-BE49-F238E27FC236}">
+                <a16:creationId xmlns:a16="http://schemas.microsoft.com/office/drawing/2014/main" id="{E967C2A4-C1CB-FB46-8A53-107288DFF7FF}"/>
+              </a:ext>
+            </a:extLst>
+          </p:cNvPr>
+          <p:cNvPicPr>
+            <a:picLocks noChangeAspect="1"/>
+          </p:cNvPicPr>
+          <p:nvPr/>
+        </p:nvPicPr>
+        <p:blipFill>
+          <a:blip r:embed="rId5"/>
+          <a:stretch>
+            <a:fillRect/>
+          </a:stretch>
+        </p:blipFill>
+        <p:spPr>
+          <a:xfrm>
+            <a:off x="1330040" y="22847700"/>
+            <a:ext cx="8239336" cy="1048345"/>
+          </a:xfrm>
+          <a:prstGeom prst="rect">
+            <a:avLst/>
+          </a:prstGeom>
+        </p:spPr>
+      </p:pic>
+      <p:pic>
+        <p:nvPicPr>
+          <p:cNvPr id="6" name="Picture 5">
+            <a:extLst>
+              <a:ext uri="{FF2B5EF4-FFF2-40B4-BE49-F238E27FC236}">
+                <a16:creationId xmlns:a16="http://schemas.microsoft.com/office/drawing/2014/main" id="{5151B2D5-21FA-6744-9C6F-5053B3055FF1}"/>
+              </a:ext>
+            </a:extLst>
+          </p:cNvPr>
+          <p:cNvPicPr>
+            <a:picLocks noChangeAspect="1"/>
+          </p:cNvPicPr>
+          <p:nvPr/>
+        </p:nvPicPr>
+        <p:blipFill>
+          <a:blip r:embed="rId6"/>
+          <a:stretch>
+            <a:fillRect/>
+          </a:stretch>
+        </p:blipFill>
+        <p:spPr>
+          <a:xfrm>
+            <a:off x="11963400" y="5432964"/>
+            <a:ext cx="8274877" cy="3861609"/>
+          </a:xfrm>
+          <a:prstGeom prst="rect">
+            <a:avLst/>
+          </a:prstGeom>
+        </p:spPr>
+      </p:pic>
+      <p:pic>
+        <p:nvPicPr>
+          <p:cNvPr id="8" name="Picture 7">
+            <a:extLst>
+              <a:ext uri="{FF2B5EF4-FFF2-40B4-BE49-F238E27FC236}">
+                <a16:creationId xmlns:a16="http://schemas.microsoft.com/office/drawing/2014/main" id="{F007ADBA-D118-6145-B5FB-6B0DA06C78CB}"/>
+              </a:ext>
+            </a:extLst>
+          </p:cNvPr>
+          <p:cNvPicPr>
+            <a:picLocks noChangeAspect="1"/>
+          </p:cNvPicPr>
+          <p:nvPr/>
+        </p:nvPicPr>
+        <p:blipFill>
+          <a:blip r:embed="rId7"/>
+          <a:stretch>
+            <a:fillRect/>
+          </a:stretch>
+        </p:blipFill>
+        <p:spPr>
+          <a:xfrm>
+            <a:off x="11963400" y="9844232"/>
+            <a:ext cx="8274877" cy="3861609"/>
+          </a:xfrm>
+          <a:prstGeom prst="rect">
+            <a:avLst/>
+          </a:prstGeom>
+        </p:spPr>
+      </p:pic>
+      <p:pic>
+        <p:nvPicPr>
+          <p:cNvPr id="10" name="Picture 9">
+            <a:extLst>
+              <a:ext uri="{FF2B5EF4-FFF2-40B4-BE49-F238E27FC236}">
+                <a16:creationId xmlns:a16="http://schemas.microsoft.com/office/drawing/2014/main" id="{F9FF5BE9-B28A-864A-B36E-F4AD99063492}"/>
+              </a:ext>
+            </a:extLst>
+          </p:cNvPr>
+          <p:cNvPicPr>
+            <a:picLocks noChangeAspect="1"/>
+          </p:cNvPicPr>
+          <p:nvPr/>
+        </p:nvPicPr>
+        <p:blipFill>
+          <a:blip r:embed="rId8"/>
+          <a:stretch>
+            <a:fillRect/>
+          </a:stretch>
+        </p:blipFill>
+        <p:spPr>
+          <a:xfrm>
+            <a:off x="11968162" y="14653973"/>
+            <a:ext cx="8591523" cy="4009377"/>
+          </a:xfrm>
+          <a:prstGeom prst="rect">
+            <a:avLst/>
+          </a:prstGeom>
         </p:spPr>
       </p:pic>
     </p:spTree>

--- a/Poster/Deep-Protection-Poster-v0.1.pptx
+++ b/Poster/Deep-Protection-Poster-v0.1.pptx
@@ -5383,7 +5383,7 @@
         </p:nvSpPr>
         <p:spPr bwMode="auto">
           <a:xfrm>
-            <a:off x="11272605" y="20635902"/>
+            <a:off x="11272605" y="21360822"/>
             <a:ext cx="9217001" cy="5918778"/>
           </a:xfrm>
           <a:prstGeom prst="rect">
@@ -6282,7 +6282,7 @@
         </p:nvSpPr>
         <p:spPr bwMode="auto">
           <a:xfrm>
-            <a:off x="1109696" y="24411048"/>
+            <a:off x="1109696" y="25866174"/>
             <a:ext cx="8958262" cy="5857222"/>
           </a:xfrm>
           <a:prstGeom prst="rect">
@@ -6566,7 +6566,7 @@
         <p:spPr bwMode="auto">
           <a:xfrm>
             <a:off x="11217308" y="4068174"/>
-            <a:ext cx="9661491" cy="16459200"/>
+            <a:ext cx="9661491" cy="16321625"/>
           </a:xfrm>
           <a:prstGeom prst="rect">
             <a:avLst/>
@@ -6719,13 +6719,47 @@
             <a:endParaRPr lang="en-US" altLang="en-US" sz="2800" dirty="0"/>
           </a:p>
           <a:p>
+            <a:pPr algn="l"/>
+            <a:r>
+              <a:rPr lang="en-US" altLang="en-US" sz="2400" b="0" dirty="0"/>
+              <a:t>Automatic termination case:</a:t>
+            </a:r>
+          </a:p>
+          <a:p>
             <a:pPr marL="285750" indent="-285750" algn="l">
               <a:buFont typeface="Arial" panose="020B0604020202020204" pitchFamily="34" charset="0"/>
               <a:buChar char="•"/>
             </a:pPr>
             <a:r>
-              <a:rPr lang="en-US" sz="2400" dirty="0"/>
-              <a:t>Ideal case: we know exactly when to stop the process</a:t>
+              <a:rPr lang="en-US" altLang="en-US" sz="2400" b="0" dirty="0"/>
+              <a:t>Iterations stop when ‘true’ class</a:t>
+            </a:r>
+            <a:br>
+              <a:rPr lang="en-US" altLang="en-US" sz="2400" b="0" dirty="0"/>
+            </a:br>
+            <a:r>
+              <a:rPr lang="en-US" altLang="en-US" sz="2400" b="0" dirty="0"/>
+              <a:t>in top 5</a:t>
+            </a:r>
+          </a:p>
+          <a:p>
+            <a:pPr marL="285750" indent="-285750" algn="l">
+              <a:buFont typeface="Arial" panose="020B0604020202020204" pitchFamily="34" charset="0"/>
+              <a:buChar char="•"/>
+            </a:pPr>
+            <a:r>
+              <a:rPr lang="en-US" altLang="en-US" sz="2400" b="0" dirty="0"/>
+              <a:t>Represents Ideal performance</a:t>
+            </a:r>
+          </a:p>
+          <a:p>
+            <a:pPr marL="285750" indent="-285750" algn="l">
+              <a:buFont typeface="Arial" panose="020B0604020202020204" pitchFamily="34" charset="0"/>
+              <a:buChar char="•"/>
+            </a:pPr>
+            <a:r>
+              <a:rPr lang="en-US" altLang="en-US" sz="2400" b="0" dirty="0"/>
+              <a:t>Avg accuracy:</a:t>
             </a:r>
           </a:p>
           <a:p>
@@ -6743,6 +6777,54 @@
             <a:endParaRPr lang="en-US" altLang="en-US" sz="2400" b="0" dirty="0"/>
           </a:p>
           <a:p>
+            <a:pPr algn="l"/>
+            <a:r>
+              <a:rPr lang="en-US" altLang="en-US" sz="2400" b="0" dirty="0"/>
+              <a:t>Determining iteration for fixed </a:t>
+            </a:r>
+            <a:br>
+              <a:rPr lang="en-US" altLang="en-US" sz="2400" b="0" dirty="0"/>
+            </a:br>
+            <a:r>
+              <a:rPr lang="en-US" altLang="en-US" sz="2400" b="0" dirty="0"/>
+              <a:t>termination:</a:t>
+            </a:r>
+          </a:p>
+          <a:p>
+            <a:pPr marL="285750" indent="-285750" algn="l">
+              <a:buFont typeface="Arial" panose="020B0604020202020204" pitchFamily="34" charset="0"/>
+              <a:buChar char="•"/>
+            </a:pPr>
+            <a:r>
+              <a:rPr lang="en-US" altLang="en-US" sz="2400" b="0" dirty="0"/>
+              <a:t>Observed histogram of </a:t>
+            </a:r>
+            <a:br>
+              <a:rPr lang="en-US" altLang="en-US" sz="2400" b="0" dirty="0"/>
+            </a:br>
+            <a:r>
+              <a:rPr lang="en-US" altLang="en-US" sz="2400" b="0" dirty="0"/>
+              <a:t>terminations in automatic case</a:t>
+            </a:r>
+          </a:p>
+          <a:p>
+            <a:pPr marL="285750" indent="-285750" algn="l">
+              <a:buFont typeface="Arial" panose="020B0604020202020204" pitchFamily="34" charset="0"/>
+              <a:buChar char="•"/>
+            </a:pPr>
+            <a:r>
+              <a:rPr lang="en-US" altLang="en-US" sz="2400" b="0" dirty="0"/>
+              <a:t>Majority terminations &lt;1500 </a:t>
+            </a:r>
+            <a:br>
+              <a:rPr lang="en-US" altLang="en-US" sz="2400" b="0" dirty="0"/>
+            </a:br>
+            <a:r>
+              <a:rPr lang="en-US" altLang="en-US" sz="2400" b="0" dirty="0"/>
+              <a:t>iterations; 1750 chosen</a:t>
+            </a:r>
+          </a:p>
+          <a:p>
             <a:pPr marL="285750" indent="-285750" algn="l">
               <a:buFont typeface="Arial" panose="020B0604020202020204" pitchFamily="34" charset="0"/>
               <a:buChar char="•"/>
@@ -6750,6 +6832,40 @@
             <a:endParaRPr lang="en-US" altLang="en-US" sz="2400" b="0" dirty="0"/>
           </a:p>
           <a:p>
+            <a:pPr algn="l"/>
+            <a:r>
+              <a:rPr lang="en-US" altLang="en-US" sz="2400" b="0" dirty="0"/>
+              <a:t>Fixed termination case:</a:t>
+            </a:r>
+          </a:p>
+          <a:p>
+            <a:pPr marL="342900" indent="-342900" algn="l">
+              <a:buFont typeface="Arial" panose="020B0604020202020204" pitchFamily="34" charset="0"/>
+              <a:buChar char="•"/>
+            </a:pPr>
+            <a:r>
+              <a:rPr lang="en-US" altLang="en-US" sz="2400" b="0" dirty="0"/>
+              <a:t>Process runs on all images</a:t>
+            </a:r>
+            <a:br>
+              <a:rPr lang="en-US" altLang="en-US" sz="2400" b="0" dirty="0"/>
+            </a:br>
+            <a:r>
+              <a:rPr lang="en-US" altLang="en-US" sz="2400" b="0" dirty="0"/>
+              <a:t>for 1750 iterations</a:t>
+            </a:r>
+          </a:p>
+          <a:p>
+            <a:pPr marL="342900" indent="-342900" algn="l">
+              <a:buFont typeface="Arial" panose="020B0604020202020204" pitchFamily="34" charset="0"/>
+              <a:buChar char="•"/>
+            </a:pPr>
+            <a:r>
+              <a:rPr lang="en-US" altLang="en-US" sz="2400" b="0" dirty="0"/>
+              <a:t>Lower avg accuracy:</a:t>
+            </a:r>
+          </a:p>
+          <a:p>
             <a:pPr marL="285750" indent="-285750" algn="l">
               <a:buFont typeface="Arial" panose="020B0604020202020204" pitchFamily="34" charset="0"/>
               <a:buChar char="•"/>
@@ -6764,271 +6880,146 @@
             <a:endParaRPr lang="en-US" altLang="en-US" sz="2400" b="0" dirty="0"/>
           </a:p>
           <a:p>
-            <a:pPr marL="285750" indent="-285750" algn="l">
+            <a:pPr algn="l"/>
+            <a:r>
+              <a:rPr lang="en-US" altLang="en-US" sz="2400" b="0" dirty="0"/>
+              <a:t>Errors in fixed termination:</a:t>
+            </a:r>
+          </a:p>
+          <a:p>
+            <a:pPr marL="342900" indent="-342900" algn="l">
               <a:buFont typeface="Arial" panose="020B0604020202020204" pitchFamily="34" charset="0"/>
               <a:buChar char="•"/>
             </a:pPr>
-            <a:endParaRPr lang="en-US" altLang="en-US" sz="2400" b="0" dirty="0"/>
-          </a:p>
-          <a:p>
-            <a:pPr marL="285750" indent="-285750" algn="l">
+            <a:r>
+              <a:rPr lang="en-US" altLang="en-US" sz="2400" b="0" dirty="0"/>
+              <a:t>Overfit: Process ran too long;</a:t>
+            </a:r>
+            <a:br>
+              <a:rPr lang="en-US" altLang="en-US" sz="2400" b="0" dirty="0"/>
+            </a:br>
+            <a:r>
+              <a:rPr lang="en-US" altLang="en-US" sz="2400" b="0" dirty="0"/>
+              <a:t>adversarial noise started to</a:t>
+            </a:r>
+            <a:br>
+              <a:rPr lang="en-US" altLang="en-US" sz="2400" b="0" dirty="0"/>
+            </a:br>
+            <a:r>
+              <a:rPr lang="en-US" altLang="en-US" sz="2400" b="0" dirty="0"/>
+              <a:t>creep in</a:t>
+            </a:r>
+          </a:p>
+          <a:p>
+            <a:pPr marL="342900" indent="-342900" algn="l">
               <a:buFont typeface="Arial" panose="020B0604020202020204" pitchFamily="34" charset="0"/>
               <a:buChar char="•"/>
             </a:pPr>
+            <a:r>
+              <a:rPr lang="en-US" altLang="en-US" sz="2400" b="0" dirty="0"/>
+              <a:t>Underfit: Process stopped too</a:t>
+            </a:r>
+            <a:br>
+              <a:rPr lang="en-US" altLang="en-US" sz="2400" b="0" dirty="0"/>
+            </a:br>
+            <a:r>
+              <a:rPr lang="en-US" altLang="en-US" sz="2400" b="0" dirty="0"/>
+              <a:t>soon; reconstruction not</a:t>
+            </a:r>
+            <a:br>
+              <a:rPr lang="en-US" altLang="en-US" sz="2400" b="0" dirty="0"/>
+            </a:br>
+            <a:r>
+              <a:rPr lang="en-US" altLang="en-US" sz="2400" b="0" dirty="0"/>
+              <a:t>sufficient for recognition</a:t>
+            </a:r>
+            <a:br>
+              <a:rPr lang="en-US" altLang="en-US" sz="2400" b="0" dirty="0"/>
+            </a:br>
             <a:endParaRPr lang="en-US" altLang="en-US" sz="2400" b="0" dirty="0"/>
           </a:p>
           <a:p>
-            <a:pPr marL="285750" indent="-285750" algn="l">
+            <a:pPr algn="l"/>
+            <a:endParaRPr lang="en-US" altLang="en-US" sz="2400" b="0" dirty="0"/>
+          </a:p>
+          <a:p>
+            <a:pPr algn="l"/>
+            <a:r>
+              <a:rPr lang="en-US" altLang="en-US" sz="2400" b="0" dirty="0"/>
+              <a:t>Real-world example:</a:t>
+            </a:r>
+          </a:p>
+          <a:p>
+            <a:pPr marL="342900" indent="-342900" algn="l">
               <a:buFont typeface="Arial" panose="020B0604020202020204" pitchFamily="34" charset="0"/>
               <a:buChar char="•"/>
             </a:pPr>
+            <a:r>
+              <a:rPr lang="en-US" altLang="en-US" sz="2400" b="0" dirty="0"/>
+              <a:t>Tested on commercially </a:t>
+            </a:r>
+            <a:br>
+              <a:rPr lang="en-US" altLang="en-US" sz="2400" b="0" dirty="0"/>
+            </a:br>
+            <a:r>
+              <a:rPr lang="en-US" altLang="en-US" sz="2400" b="0" dirty="0"/>
+              <a:t>available service</a:t>
+            </a:r>
+            <a:br>
+              <a:rPr lang="en-US" altLang="en-US" sz="2400" b="0" dirty="0"/>
+            </a:br>
+            <a:r>
+              <a:rPr lang="en-US" altLang="en-US" sz="2400" b="0" dirty="0"/>
+              <a:t>(clarifai.com) </a:t>
+            </a:r>
+          </a:p>
+          <a:p>
+            <a:pPr algn="l"/>
             <a:endParaRPr lang="en-US" altLang="en-US" sz="2400" b="0" dirty="0"/>
           </a:p>
           <a:p>
-            <a:pPr marL="285750" indent="-285750" algn="l">
+            <a:pPr algn="l"/>
+            <a:endParaRPr lang="en-US" altLang="en-US" sz="2400" b="0" dirty="0"/>
+          </a:p>
+          <a:p>
+            <a:pPr algn="l"/>
+            <a:r>
+              <a:rPr lang="en-US" altLang="en-US" sz="2400" b="0" dirty="0"/>
+              <a:t>Text extraction from maps:</a:t>
+            </a:r>
+          </a:p>
+          <a:p>
+            <a:pPr marL="342900" indent="-342900" algn="l">
               <a:buFont typeface="Arial" panose="020B0604020202020204" pitchFamily="34" charset="0"/>
               <a:buChar char="•"/>
             </a:pPr>
-            <a:endParaRPr lang="en-US" altLang="en-US" sz="2400" b="0" dirty="0"/>
-          </a:p>
-          <a:p>
-            <a:pPr marL="285750" indent="-285750" algn="l">
+            <a:r>
+              <a:rPr lang="en-US" altLang="en-US" sz="2400" b="0" dirty="0"/>
+              <a:t>Successfully extracted text from </a:t>
+            </a:r>
+            <a:br>
+              <a:rPr lang="en-US" altLang="en-US" sz="2400" b="0" dirty="0"/>
+            </a:br>
+            <a:r>
+              <a:rPr lang="en-US" altLang="en-US" sz="2400" b="0" dirty="0"/>
+              <a:t>maps</a:t>
+            </a:r>
+          </a:p>
+          <a:p>
+            <a:pPr marL="342900" indent="-342900" algn="l">
               <a:buFont typeface="Arial" panose="020B0604020202020204" pitchFamily="34" charset="0"/>
               <a:buChar char="•"/>
             </a:pPr>
-            <a:endParaRPr lang="en-US" altLang="en-US" sz="2400" b="0" dirty="0"/>
-          </a:p>
-          <a:p>
-            <a:pPr marL="285750" indent="-285750" algn="l">
-              <a:buFont typeface="Arial" panose="020B0604020202020204" pitchFamily="34" charset="0"/>
-              <a:buChar char="•"/>
-            </a:pPr>
-            <a:endParaRPr lang="en-US" altLang="en-US" sz="2400" b="0" dirty="0"/>
-          </a:p>
-          <a:p>
-            <a:pPr marL="285750" indent="-285750" algn="l">
-              <a:buFont typeface="Arial" panose="020B0604020202020204" pitchFamily="34" charset="0"/>
-              <a:buChar char="•"/>
-            </a:pPr>
-            <a:r>
-              <a:rPr lang="en-US" altLang="en-US" sz="2400" dirty="0"/>
-              <a:t>Static case: stop process at a fixed iteration number(1750)</a:t>
-            </a:r>
-          </a:p>
-          <a:p>
-            <a:pPr marL="285750" indent="-285750" algn="l">
-              <a:buFont typeface="Arial" panose="020B0604020202020204" pitchFamily="34" charset="0"/>
-              <a:buChar char="•"/>
-            </a:pPr>
-            <a:endParaRPr lang="en-US" altLang="en-US" sz="2400" b="0" dirty="0"/>
-          </a:p>
-          <a:p>
-            <a:pPr marL="285750" indent="-285750" algn="l">
-              <a:buFont typeface="Arial" panose="020B0604020202020204" pitchFamily="34" charset="0"/>
-              <a:buChar char="•"/>
-            </a:pPr>
-            <a:endParaRPr lang="en-US" altLang="en-US" sz="2400" b="0" dirty="0"/>
-          </a:p>
-          <a:p>
-            <a:pPr marL="285750" indent="-285750" algn="l">
-              <a:buFont typeface="Arial" panose="020B0604020202020204" pitchFamily="34" charset="0"/>
-              <a:buChar char="•"/>
-            </a:pPr>
-            <a:endParaRPr lang="en-US" altLang="en-US" sz="2400" b="0" dirty="0"/>
-          </a:p>
-          <a:p>
-            <a:pPr marL="285750" indent="-285750" algn="l">
-              <a:buFont typeface="Arial" panose="020B0604020202020204" pitchFamily="34" charset="0"/>
-              <a:buChar char="•"/>
-            </a:pPr>
-            <a:endParaRPr lang="en-US" altLang="en-US" sz="2400" b="0" dirty="0"/>
-          </a:p>
-          <a:p>
-            <a:pPr marL="285750" indent="-285750" algn="l">
-              <a:buFont typeface="Arial" panose="020B0604020202020204" pitchFamily="34" charset="0"/>
-              <a:buChar char="•"/>
-            </a:pPr>
-            <a:endParaRPr lang="en-US" altLang="en-US" sz="2400" b="0" dirty="0"/>
-          </a:p>
-          <a:p>
-            <a:pPr marL="285750" indent="-285750" algn="l">
-              <a:buFont typeface="Arial" panose="020B0604020202020204" pitchFamily="34" charset="0"/>
-              <a:buChar char="•"/>
-            </a:pPr>
-            <a:endParaRPr lang="en-US" altLang="en-US" sz="2400" b="0" dirty="0"/>
-          </a:p>
-          <a:p>
-            <a:pPr marL="285750" indent="-285750" algn="l">
-              <a:buFont typeface="Arial" panose="020B0604020202020204" pitchFamily="34" charset="0"/>
-              <a:buChar char="•"/>
-            </a:pPr>
-            <a:endParaRPr lang="en-US" altLang="en-US" sz="2400" b="0" dirty="0"/>
-          </a:p>
-          <a:p>
-            <a:pPr marL="285750" indent="-285750" algn="l">
-              <a:buFont typeface="Arial" panose="020B0604020202020204" pitchFamily="34" charset="0"/>
-              <a:buChar char="•"/>
-            </a:pPr>
-            <a:endParaRPr lang="en-US" altLang="en-US" sz="2400" b="0" dirty="0"/>
-          </a:p>
-          <a:p>
-            <a:pPr marL="285750" indent="-285750" algn="l">
-              <a:buFont typeface="Arial" panose="020B0604020202020204" pitchFamily="34" charset="0"/>
-              <a:buChar char="•"/>
-            </a:pPr>
-            <a:endParaRPr lang="en-US" altLang="en-US" sz="2400" b="0" dirty="0"/>
-          </a:p>
-          <a:p>
-            <a:pPr marL="285750" indent="-285750" algn="l">
-              <a:buFont typeface="Arial" panose="020B0604020202020204" pitchFamily="34" charset="0"/>
-              <a:buChar char="•"/>
-            </a:pPr>
-            <a:endParaRPr lang="en-US" altLang="en-US" sz="2400" b="0" dirty="0"/>
-          </a:p>
-          <a:p>
-            <a:pPr marL="285750" indent="-285750" algn="l">
-              <a:buFont typeface="Arial" panose="020B0604020202020204" pitchFamily="34" charset="0"/>
-              <a:buChar char="•"/>
-            </a:pPr>
-            <a:endParaRPr lang="en-US" altLang="en-US" sz="2400" b="0" dirty="0"/>
-          </a:p>
-          <a:p>
-            <a:pPr marL="285750" indent="-285750" algn="l">
-              <a:buFont typeface="Arial" panose="020B0604020202020204" pitchFamily="34" charset="0"/>
-              <a:buChar char="•"/>
-            </a:pPr>
-            <a:endParaRPr lang="en-US" altLang="en-US" sz="2400" b="0" dirty="0"/>
-          </a:p>
-          <a:p>
-            <a:pPr marL="285750" indent="-285750" algn="l">
-              <a:buFont typeface="Arial" panose="020B0604020202020204" pitchFamily="34" charset="0"/>
-              <a:buChar char="•"/>
-            </a:pPr>
-            <a:r>
-              <a:rPr lang="en-US" altLang="en-US" sz="2400" dirty="0"/>
-              <a:t>How errors are distributed in static case</a:t>
-            </a:r>
-          </a:p>
-          <a:p>
-            <a:pPr marL="285750" indent="-285750" algn="l">
-              <a:buFont typeface="Arial" panose="020B0604020202020204" pitchFamily="34" charset="0"/>
-              <a:buChar char="•"/>
-            </a:pPr>
-            <a:endParaRPr lang="en-US" altLang="en-US" sz="2400" b="0" dirty="0"/>
-          </a:p>
-          <a:p>
-            <a:pPr marL="285750" indent="-285750" algn="l">
-              <a:buFont typeface="Arial" panose="020B0604020202020204" pitchFamily="34" charset="0"/>
-              <a:buChar char="•"/>
-            </a:pPr>
-            <a:endParaRPr lang="en-US" altLang="en-US" sz="2400" b="0" dirty="0"/>
-          </a:p>
-          <a:p>
-            <a:pPr marL="285750" indent="-285750" algn="l">
-              <a:buFont typeface="Arial" panose="020B0604020202020204" pitchFamily="34" charset="0"/>
-              <a:buChar char="•"/>
-            </a:pPr>
-            <a:endParaRPr lang="en-US" altLang="en-US" sz="2400" b="0" dirty="0"/>
-          </a:p>
-          <a:p>
-            <a:pPr marL="285750" indent="-285750" algn="l">
-              <a:buFont typeface="Arial" panose="020B0604020202020204" pitchFamily="34" charset="0"/>
-              <a:buChar char="•"/>
-            </a:pPr>
-            <a:endParaRPr lang="en-US" altLang="en-US" sz="2400" b="0" dirty="0"/>
-          </a:p>
-          <a:p>
-            <a:pPr marL="285750" indent="-285750" algn="l">
-              <a:buFont typeface="Arial" panose="020B0604020202020204" pitchFamily="34" charset="0"/>
-              <a:buChar char="•"/>
-            </a:pPr>
-            <a:endParaRPr lang="en-US" altLang="en-US" sz="2400" b="0" dirty="0"/>
-          </a:p>
-          <a:p>
-            <a:pPr marL="285750" indent="-285750" algn="l">
-              <a:buFont typeface="Arial" panose="020B0604020202020204" pitchFamily="34" charset="0"/>
-              <a:buChar char="•"/>
-            </a:pPr>
-            <a:endParaRPr lang="en-US" altLang="en-US" sz="2400" b="0" dirty="0"/>
-          </a:p>
-          <a:p>
-            <a:pPr marL="285750" indent="-285750" algn="l">
-              <a:buFont typeface="Arial" panose="020B0604020202020204" pitchFamily="34" charset="0"/>
-              <a:buChar char="•"/>
-            </a:pPr>
-            <a:endParaRPr lang="en-US" altLang="en-US" sz="2400" b="0" dirty="0"/>
-          </a:p>
-          <a:p>
-            <a:pPr marL="285750" indent="-285750" algn="l">
-              <a:buFont typeface="Arial" panose="020B0604020202020204" pitchFamily="34" charset="0"/>
-              <a:buChar char="•"/>
-            </a:pPr>
-            <a:endParaRPr lang="en-US" altLang="en-US" sz="2400" b="0" dirty="0"/>
-          </a:p>
-          <a:p>
-            <a:pPr marL="285750" indent="-285750" algn="l">
-              <a:buFont typeface="Arial" panose="020B0604020202020204" pitchFamily="34" charset="0"/>
-              <a:buChar char="•"/>
-            </a:pPr>
-            <a:endParaRPr lang="en-US" altLang="en-US" sz="2400" b="0" dirty="0"/>
-          </a:p>
-          <a:p>
-            <a:pPr marL="285750" indent="-285750" algn="l">
-              <a:buFont typeface="Arial" panose="020B0604020202020204" pitchFamily="34" charset="0"/>
-              <a:buChar char="•"/>
-            </a:pPr>
-            <a:endParaRPr lang="en-US" altLang="en-US" sz="2400" b="0" dirty="0"/>
-          </a:p>
-          <a:p>
-            <a:pPr marL="285750" indent="-285750" algn="l">
-              <a:buFont typeface="Arial" panose="020B0604020202020204" pitchFamily="34" charset="0"/>
-              <a:buChar char="•"/>
-            </a:pPr>
-            <a:endParaRPr lang="en-US" altLang="en-US" sz="2400" b="0" dirty="0"/>
-          </a:p>
-          <a:p>
-            <a:pPr marL="285750" indent="-285750" algn="l">
-              <a:buFont typeface="Arial" panose="020B0604020202020204" pitchFamily="34" charset="0"/>
-              <a:buChar char="•"/>
-            </a:pPr>
-            <a:endParaRPr lang="en-US" altLang="en-US" sz="2400" b="0" dirty="0"/>
-          </a:p>
-          <a:p>
-            <a:pPr marL="285750" indent="-285750" algn="l">
-              <a:buFont typeface="Arial" panose="020B0604020202020204" pitchFamily="34" charset="0"/>
-              <a:buChar char="•"/>
-            </a:pPr>
             <a:r>
               <a:rPr lang="en-US" altLang="en-US" sz="2400" b="0" dirty="0"/>
-              <a:t>How we decided stopping point for static mode</a:t>
-            </a:r>
-          </a:p>
-          <a:p>
-            <a:pPr marL="285750" indent="-285750" algn="l">
-              <a:buFont typeface="Arial" panose="020B0604020202020204" pitchFamily="34" charset="0"/>
-              <a:buChar char="•"/>
-            </a:pPr>
-            <a:r>
+              <a:t>Termination fine tuned by </a:t>
+            </a:r>
+            <a:br>
               <a:rPr lang="en-US" altLang="en-US" sz="2400" b="0" dirty="0"/>
-              <a:t>Real-world example - Panda image in </a:t>
-            </a:r>
-            <a:r>
-              <a:rPr lang="en-US" altLang="en-US" sz="2400" b="0" dirty="0" err="1"/>
-              <a:t>clarifai</a:t>
-            </a:r>
+            </a:br>
             <a:r>
               <a:rPr lang="en-US" altLang="en-US" sz="2400" b="0" dirty="0"/>
-              <a:t> system</a:t>
-            </a:r>
-          </a:p>
-          <a:p>
-            <a:pPr marL="285750" indent="-285750" algn="l">
-              <a:buFont typeface="Arial" panose="020B0604020202020204" pitchFamily="34" charset="0"/>
-              <a:buChar char="•"/>
-            </a:pPr>
-            <a:r>
-              <a:rPr lang="en-US" altLang="en-US" sz="2400" b="0" dirty="0"/>
-              <a:t>Other applications – Text extraction from maps</a:t>
+              <a:t>observation</a:t>
             </a:r>
           </a:p>
           <a:p>
@@ -7055,7 +7046,7 @@
           <p:nvPr/>
         </p:nvPicPr>
         <p:blipFill>
-          <a:blip r:embed="rId3">
+          <a:blip r:embed="rId4">
             <a:extLst>
               <a:ext uri="{28A0092B-C50C-407E-A947-70E740481C1C}">
                 <a14:useLocalDpi xmlns:a14="http://schemas.microsoft.com/office/drawing/2010/main" val="0"/>
@@ -7102,7 +7093,7 @@
           <p:nvPr/>
         </p:nvPicPr>
         <p:blipFill>
-          <a:blip r:embed="rId4">
+          <a:blip r:embed="rId5">
             <a:extLst>
               <a:ext uri="{28A0092B-C50C-407E-A947-70E740481C1C}">
                 <a14:useLocalDpi xmlns:a14="http://schemas.microsoft.com/office/drawing/2010/main" val="0"/>
@@ -7149,14 +7140,14 @@
           <p:nvPr/>
         </p:nvPicPr>
         <p:blipFill>
-          <a:blip r:embed="rId5"/>
+          <a:blip r:embed="rId6"/>
           <a:stretch>
             <a:fillRect/>
           </a:stretch>
         </p:blipFill>
         <p:spPr>
           <a:xfrm>
-            <a:off x="1330040" y="22847700"/>
+            <a:off x="1330040" y="23792855"/>
             <a:ext cx="8239336" cy="1048345"/>
           </a:xfrm>
           <a:prstGeom prst="rect">
@@ -7179,36 +7170,6 @@
           <p:nvPr/>
         </p:nvPicPr>
         <p:blipFill>
-          <a:blip r:embed="rId6"/>
-          <a:stretch>
-            <a:fillRect/>
-          </a:stretch>
-        </p:blipFill>
-        <p:spPr>
-          <a:xfrm>
-            <a:off x="11963400" y="5432964"/>
-            <a:ext cx="8274877" cy="3861609"/>
-          </a:xfrm>
-          <a:prstGeom prst="rect">
-            <a:avLst/>
-          </a:prstGeom>
-        </p:spPr>
-      </p:pic>
-      <p:pic>
-        <p:nvPicPr>
-          <p:cNvPr id="8" name="Picture 7">
-            <a:extLst>
-              <a:ext uri="{FF2B5EF4-FFF2-40B4-BE49-F238E27FC236}">
-                <a16:creationId xmlns:a16="http://schemas.microsoft.com/office/drawing/2014/main" id="{F007ADBA-D118-6145-B5FB-6B0DA06C78CB}"/>
-              </a:ext>
-            </a:extLst>
-          </p:cNvPr>
-          <p:cNvPicPr>
-            <a:picLocks noChangeAspect="1"/>
-          </p:cNvPicPr>
-          <p:nvPr/>
-        </p:nvPicPr>
-        <p:blipFill>
           <a:blip r:embed="rId7"/>
           <a:stretch>
             <a:fillRect/>
@@ -7216,8 +7177,8 @@
         </p:blipFill>
         <p:spPr>
           <a:xfrm>
-            <a:off x="11963400" y="9844232"/>
-            <a:ext cx="8274877" cy="3861609"/>
+            <a:off x="16076469" y="5145195"/>
+            <a:ext cx="4802331" cy="2241088"/>
           </a:xfrm>
           <a:prstGeom prst="rect">
             <a:avLst/>
@@ -7246,14 +7207,585 @@
         </p:blipFill>
         <p:spPr>
           <a:xfrm>
-            <a:off x="11968162" y="14653973"/>
-            <a:ext cx="8591523" cy="4009377"/>
+            <a:off x="15927530" y="12777008"/>
+            <a:ext cx="4951270" cy="2310592"/>
           </a:xfrm>
           <a:prstGeom prst="rect">
             <a:avLst/>
           </a:prstGeom>
         </p:spPr>
       </p:pic>
+      <p:grpSp>
+        <p:nvGrpSpPr>
+          <p:cNvPr id="23" name="Group 22">
+            <a:extLst>
+              <a:ext uri="{FF2B5EF4-FFF2-40B4-BE49-F238E27FC236}">
+                <a16:creationId xmlns:a16="http://schemas.microsoft.com/office/drawing/2014/main" id="{1210A793-95C3-4BF1-80DD-8E3FDB173758}"/>
+              </a:ext>
+            </a:extLst>
+          </p:cNvPr>
+          <p:cNvGrpSpPr/>
+          <p:nvPr/>
+        </p:nvGrpSpPr>
+        <p:grpSpPr>
+          <a:xfrm>
+            <a:off x="15749730" y="7772400"/>
+            <a:ext cx="5402267" cy="2128892"/>
+            <a:chOff x="15749730" y="5469395"/>
+            <a:chExt cx="5402267" cy="2128892"/>
+          </a:xfrm>
+        </p:grpSpPr>
+        <p:pic>
+          <p:nvPicPr>
+            <p:cNvPr id="5" name="Picture 4" descr="A screenshot of a cell phone&#10;&#10;Description automatically generated">
+              <a:extLst>
+                <a:ext uri="{FF2B5EF4-FFF2-40B4-BE49-F238E27FC236}">
+                  <a16:creationId xmlns:a16="http://schemas.microsoft.com/office/drawing/2014/main" id="{17A73041-DA87-4F53-ADFD-7052FEF3E692}"/>
+                </a:ext>
+              </a:extLst>
+            </p:cNvPr>
+            <p:cNvPicPr>
+              <a:picLocks noChangeAspect="1"/>
+            </p:cNvPicPr>
+            <p:nvPr/>
+          </p:nvPicPr>
+          <p:blipFill>
+            <a:blip r:embed="rId9"/>
+            <a:stretch>
+              <a:fillRect/>
+            </a:stretch>
+          </p:blipFill>
+          <p:spPr>
+            <a:xfrm>
+              <a:off x="18389054" y="5526076"/>
+              <a:ext cx="2762943" cy="2072207"/>
+            </a:xfrm>
+            <a:prstGeom prst="rect">
+              <a:avLst/>
+            </a:prstGeom>
+          </p:spPr>
+        </p:pic>
+        <p:pic>
+          <p:nvPicPr>
+            <p:cNvPr id="12" name="Picture 11" descr="A screenshot of a cell phone&#10;&#10;Description automatically generated">
+              <a:extLst>
+                <a:ext uri="{FF2B5EF4-FFF2-40B4-BE49-F238E27FC236}">
+                  <a16:creationId xmlns:a16="http://schemas.microsoft.com/office/drawing/2014/main" id="{4E8610EA-0FE4-4226-9F7E-372F0ED54C1D}"/>
+                </a:ext>
+              </a:extLst>
+            </p:cNvPr>
+            <p:cNvPicPr>
+              <a:picLocks noChangeAspect="1"/>
+            </p:cNvPicPr>
+            <p:nvPr/>
+          </p:nvPicPr>
+          <p:blipFill>
+            <a:blip r:embed="rId10"/>
+            <a:stretch>
+              <a:fillRect/>
+            </a:stretch>
+          </p:blipFill>
+          <p:spPr>
+            <a:xfrm>
+              <a:off x="15749730" y="5523134"/>
+              <a:ext cx="2766870" cy="2075153"/>
+            </a:xfrm>
+            <a:prstGeom prst="rect">
+              <a:avLst/>
+            </a:prstGeom>
+          </p:spPr>
+        </p:pic>
+        <p:cxnSp>
+          <p:nvCxnSpPr>
+            <p:cNvPr id="14" name="Straight Connector 13">
+              <a:extLst>
+                <a:ext uri="{FF2B5EF4-FFF2-40B4-BE49-F238E27FC236}">
+                  <a16:creationId xmlns:a16="http://schemas.microsoft.com/office/drawing/2014/main" id="{8D5BDD75-B1B2-4AD6-A7DE-74E2A1FBFF92}"/>
+                </a:ext>
+              </a:extLst>
+            </p:cNvPr>
+            <p:cNvCxnSpPr>
+              <a:cxnSpLocks/>
+            </p:cNvCxnSpPr>
+            <p:nvPr/>
+          </p:nvCxnSpPr>
+          <p:spPr bwMode="auto">
+            <a:xfrm flipV="1">
+              <a:off x="17602200" y="5791200"/>
+              <a:ext cx="0" cy="1600200"/>
+            </a:xfrm>
+            <a:prstGeom prst="line">
+              <a:avLst/>
+            </a:prstGeom>
+            <a:solidFill>
+              <a:schemeClr val="accent1"/>
+            </a:solidFill>
+            <a:ln w="6350" cap="flat" cmpd="sng" algn="ctr">
+              <a:solidFill>
+                <a:schemeClr val="tx1"/>
+              </a:solidFill>
+              <a:prstDash val="dash"/>
+              <a:round/>
+              <a:headEnd type="none" w="med" len="med"/>
+              <a:tailEnd type="none" w="med" len="med"/>
+            </a:ln>
+            <a:effectLst/>
+          </p:spPr>
+        </p:cxnSp>
+        <p:sp>
+          <p:nvSpPr>
+            <p:cNvPr id="17" name="TextBox 16">
+              <a:extLst>
+                <a:ext uri="{FF2B5EF4-FFF2-40B4-BE49-F238E27FC236}">
+                  <a16:creationId xmlns:a16="http://schemas.microsoft.com/office/drawing/2014/main" id="{DE768BE1-AD32-443D-8F8B-7BBBBF82A59D}"/>
+                </a:ext>
+              </a:extLst>
+            </p:cNvPr>
+            <p:cNvSpPr txBox="1"/>
+            <p:nvPr/>
+          </p:nvSpPr>
+          <p:spPr>
+            <a:xfrm>
+              <a:off x="17558485" y="5835114"/>
+              <a:ext cx="755104" cy="230832"/>
+            </a:xfrm>
+            <a:prstGeom prst="rect">
+              <a:avLst/>
+            </a:prstGeom>
+            <a:noFill/>
+          </p:spPr>
+          <p:txBody>
+            <a:bodyPr wrap="square" rtlCol="0">
+              <a:spAutoFit/>
+            </a:bodyPr>
+            <a:lstStyle/>
+            <a:p>
+              <a:r>
+                <a:rPr lang="en-US" sz="900" b="0" dirty="0" err="1"/>
+                <a:t>Iter</a:t>
+              </a:r>
+              <a:r>
+                <a:rPr lang="en-US" sz="900" b="0" dirty="0"/>
+                <a:t> = 1750</a:t>
+              </a:r>
+            </a:p>
+          </p:txBody>
+        </p:sp>
+        <p:cxnSp>
+          <p:nvCxnSpPr>
+            <p:cNvPr id="38" name="Straight Connector 37">
+              <a:extLst>
+                <a:ext uri="{FF2B5EF4-FFF2-40B4-BE49-F238E27FC236}">
+                  <a16:creationId xmlns:a16="http://schemas.microsoft.com/office/drawing/2014/main" id="{64BB1241-6425-4F4D-B34D-9160B519D2CD}"/>
+                </a:ext>
+              </a:extLst>
+            </p:cNvPr>
+            <p:cNvCxnSpPr>
+              <a:cxnSpLocks/>
+            </p:cNvCxnSpPr>
+            <p:nvPr/>
+          </p:nvCxnSpPr>
+          <p:spPr bwMode="auto">
+            <a:xfrm flipV="1">
+              <a:off x="20040600" y="5788863"/>
+              <a:ext cx="0" cy="1600200"/>
+            </a:xfrm>
+            <a:prstGeom prst="line">
+              <a:avLst/>
+            </a:prstGeom>
+            <a:solidFill>
+              <a:schemeClr val="accent1"/>
+            </a:solidFill>
+            <a:ln w="6350" cap="flat" cmpd="sng" algn="ctr">
+              <a:solidFill>
+                <a:schemeClr val="tx1"/>
+              </a:solidFill>
+              <a:prstDash val="dash"/>
+              <a:round/>
+              <a:headEnd type="none" w="med" len="med"/>
+              <a:tailEnd type="none" w="med" len="med"/>
+            </a:ln>
+            <a:effectLst/>
+          </p:spPr>
+        </p:cxnSp>
+        <p:sp>
+          <p:nvSpPr>
+            <p:cNvPr id="39" name="TextBox 38">
+              <a:extLst>
+                <a:ext uri="{FF2B5EF4-FFF2-40B4-BE49-F238E27FC236}">
+                  <a16:creationId xmlns:a16="http://schemas.microsoft.com/office/drawing/2014/main" id="{513A9A7D-A289-434A-9432-F3CA2EB45502}"/>
+                </a:ext>
+              </a:extLst>
+            </p:cNvPr>
+            <p:cNvSpPr txBox="1"/>
+            <p:nvPr/>
+          </p:nvSpPr>
+          <p:spPr>
+            <a:xfrm>
+              <a:off x="19996885" y="5832777"/>
+              <a:ext cx="755104" cy="230832"/>
+            </a:xfrm>
+            <a:prstGeom prst="rect">
+              <a:avLst/>
+            </a:prstGeom>
+            <a:noFill/>
+          </p:spPr>
+          <p:txBody>
+            <a:bodyPr wrap="square" rtlCol="0">
+              <a:spAutoFit/>
+            </a:bodyPr>
+            <a:lstStyle/>
+            <a:p>
+              <a:r>
+                <a:rPr lang="en-US" sz="900" b="0" dirty="0" err="1"/>
+                <a:t>Iter</a:t>
+              </a:r>
+              <a:r>
+                <a:rPr lang="en-US" sz="900" b="0" dirty="0"/>
+                <a:t> = 1750</a:t>
+              </a:r>
+            </a:p>
+          </p:txBody>
+        </p:sp>
+        <p:sp>
+          <p:nvSpPr>
+            <p:cNvPr id="22" name="TextBox 21">
+              <a:extLst>
+                <a:ext uri="{FF2B5EF4-FFF2-40B4-BE49-F238E27FC236}">
+                  <a16:creationId xmlns:a16="http://schemas.microsoft.com/office/drawing/2014/main" id="{40BE9D86-552D-4D89-B844-EC8C48F18789}"/>
+                </a:ext>
+              </a:extLst>
+            </p:cNvPr>
+            <p:cNvSpPr txBox="1"/>
+            <p:nvPr/>
+          </p:nvSpPr>
+          <p:spPr>
+            <a:xfrm>
+              <a:off x="16638533" y="5469395"/>
+              <a:ext cx="3848945" cy="276999"/>
+            </a:xfrm>
+            <a:prstGeom prst="rect">
+              <a:avLst/>
+            </a:prstGeom>
+            <a:solidFill>
+              <a:schemeClr val="bg1"/>
+            </a:solidFill>
+          </p:spPr>
+          <p:txBody>
+            <a:bodyPr wrap="square" rtlCol="0">
+              <a:spAutoFit/>
+            </a:bodyPr>
+            <a:lstStyle/>
+            <a:p>
+              <a:r>
+                <a:rPr lang="en-US" sz="1200" dirty="0">
+                  <a:solidFill>
+                    <a:srgbClr val="4069E1"/>
+                  </a:solidFill>
+                </a:rPr>
+                <a:t>Determining iteration for fixed termination </a:t>
+              </a:r>
+            </a:p>
+          </p:txBody>
+        </p:sp>
+      </p:grpSp>
+      <p:grpSp>
+        <p:nvGrpSpPr>
+          <p:cNvPr id="28" name="Group 27">
+            <a:extLst>
+              <a:ext uri="{FF2B5EF4-FFF2-40B4-BE49-F238E27FC236}">
+                <a16:creationId xmlns:a16="http://schemas.microsoft.com/office/drawing/2014/main" id="{910C7E28-FAB4-4BE7-8D70-35861E84C455}"/>
+              </a:ext>
+            </a:extLst>
+          </p:cNvPr>
+          <p:cNvGrpSpPr/>
+          <p:nvPr/>
+        </p:nvGrpSpPr>
+        <p:grpSpPr>
+          <a:xfrm>
+            <a:off x="16023512" y="10161683"/>
+            <a:ext cx="4855288" cy="2335117"/>
+            <a:chOff x="10919842" y="7668723"/>
+            <a:chExt cx="4855288" cy="2335117"/>
+          </a:xfrm>
+        </p:grpSpPr>
+        <p:pic>
+          <p:nvPicPr>
+            <p:cNvPr id="8" name="Picture 7">
+              <a:extLst>
+                <a:ext uri="{FF2B5EF4-FFF2-40B4-BE49-F238E27FC236}">
+                  <a16:creationId xmlns:a16="http://schemas.microsoft.com/office/drawing/2014/main" id="{F007ADBA-D118-6145-B5FB-6B0DA06C78CB}"/>
+                </a:ext>
+              </a:extLst>
+            </p:cNvPr>
+            <p:cNvPicPr>
+              <a:picLocks noChangeAspect="1"/>
+            </p:cNvPicPr>
+            <p:nvPr/>
+          </p:nvPicPr>
+          <p:blipFill>
+            <a:blip r:embed="rId11"/>
+            <a:stretch>
+              <a:fillRect/>
+            </a:stretch>
+          </p:blipFill>
+          <p:spPr>
+            <a:xfrm>
+              <a:off x="10919842" y="7738039"/>
+              <a:ext cx="4855288" cy="2265801"/>
+            </a:xfrm>
+            <a:prstGeom prst="rect">
+              <a:avLst/>
+            </a:prstGeom>
+          </p:spPr>
+        </p:pic>
+        <p:sp>
+          <p:nvSpPr>
+            <p:cNvPr id="42" name="TextBox 41">
+              <a:extLst>
+                <a:ext uri="{FF2B5EF4-FFF2-40B4-BE49-F238E27FC236}">
+                  <a16:creationId xmlns:a16="http://schemas.microsoft.com/office/drawing/2014/main" id="{5E7B11EE-DDA4-4221-A08A-80D64B386A3A}"/>
+                </a:ext>
+              </a:extLst>
+            </p:cNvPr>
+            <p:cNvSpPr txBox="1"/>
+            <p:nvPr/>
+          </p:nvSpPr>
+          <p:spPr>
+            <a:xfrm>
+              <a:off x="11620486" y="7668723"/>
+              <a:ext cx="3848945" cy="276999"/>
+            </a:xfrm>
+            <a:prstGeom prst="rect">
+              <a:avLst/>
+            </a:prstGeom>
+            <a:solidFill>
+              <a:schemeClr val="bg1"/>
+            </a:solidFill>
+          </p:spPr>
+          <p:txBody>
+            <a:bodyPr wrap="square" rtlCol="0">
+              <a:spAutoFit/>
+            </a:bodyPr>
+            <a:lstStyle/>
+            <a:p>
+              <a:r>
+                <a:rPr lang="en-US" sz="1200" dirty="0">
+                  <a:solidFill>
+                    <a:srgbClr val="4069E1"/>
+                  </a:solidFill>
+                </a:rPr>
+                <a:t>Fixed termination </a:t>
+              </a:r>
+            </a:p>
+          </p:txBody>
+        </p:sp>
+      </p:grpSp>
+      <p:graphicFrame>
+        <p:nvGraphicFramePr>
+          <p:cNvPr id="26" name="Object 25">
+            <a:extLst>
+              <a:ext uri="{FF2B5EF4-FFF2-40B4-BE49-F238E27FC236}">
+                <a16:creationId xmlns:a16="http://schemas.microsoft.com/office/drawing/2014/main" id="{3EB6F4A3-7A2C-4ABE-94D4-10072BCE3415}"/>
+              </a:ext>
+            </a:extLst>
+          </p:cNvPr>
+          <p:cNvGraphicFramePr>
+            <a:graphicFrameLocks noChangeAspect="1"/>
+          </p:cNvGraphicFramePr>
+          <p:nvPr>
+            <p:extLst>
+              <p:ext uri="{D42A27DB-BD31-4B8C-83A1-F6EECF244321}">
+                <p14:modId xmlns:p14="http://schemas.microsoft.com/office/powerpoint/2010/main" val="1142057779"/>
+              </p:ext>
+            </p:extLst>
+          </p:nvPr>
+        </p:nvGraphicFramePr>
+        <p:xfrm>
+          <a:off x="15224064" y="15713940"/>
+          <a:ext cx="5426136" cy="1735860"/>
+        </p:xfrm>
+        <a:graphic>
+          <a:graphicData uri="http://schemas.openxmlformats.org/presentationml/2006/ole">
+            <mc:AlternateContent xmlns:mc="http://schemas.openxmlformats.org/markup-compatibility/2006">
+              <mc:Choice xmlns:v="urn:schemas-microsoft-com:vml" Requires="v">
+                <p:oleObj spid="_x0000_s1030" name="Acrobat Document" r:id="rId12" imgW="5478745" imgH="1752396" progId="AcroExch.Document.DC">
+                  <p:embed/>
+                </p:oleObj>
+              </mc:Choice>
+              <mc:Fallback>
+                <p:oleObj name="Acrobat Document" r:id="rId12" imgW="5478745" imgH="1752396" progId="AcroExch.Document.DC">
+                  <p:embed/>
+                  <p:pic>
+                    <p:nvPicPr>
+                      <p:cNvPr id="0" name=""/>
+                      <p:cNvPicPr/>
+                      <p:nvPr/>
+                    </p:nvPicPr>
+                    <p:blipFill>
+                      <a:blip r:embed="rId13"/>
+                      <a:stretch>
+                        <a:fillRect/>
+                      </a:stretch>
+                    </p:blipFill>
+                    <p:spPr>
+                      <a:xfrm>
+                        <a:off x="15224064" y="15713940"/>
+                        <a:ext cx="5426136" cy="1735860"/>
+                      </a:xfrm>
+                      <a:prstGeom prst="rect">
+                        <a:avLst/>
+                      </a:prstGeom>
+                    </p:spPr>
+                  </p:pic>
+                </p:oleObj>
+              </mc:Fallback>
+            </mc:AlternateContent>
+          </a:graphicData>
+        </a:graphic>
+      </p:graphicFrame>
+      <p:pic>
+        <p:nvPicPr>
+          <p:cNvPr id="30" name="Picture 29" descr="A close up of a map&#10;&#10;Description automatically generated">
+            <a:extLst>
+              <a:ext uri="{FF2B5EF4-FFF2-40B4-BE49-F238E27FC236}">
+                <a16:creationId xmlns:a16="http://schemas.microsoft.com/office/drawing/2014/main" id="{BD726C2D-9C73-460D-851A-1D7E9B1240B2}"/>
+              </a:ext>
+            </a:extLst>
+          </p:cNvPr>
+          <p:cNvPicPr>
+            <a:picLocks noChangeAspect="1"/>
+          </p:cNvPicPr>
+          <p:nvPr/>
+        </p:nvPicPr>
+        <p:blipFill rotWithShape="1">
+          <a:blip r:embed="rId14"/>
+          <a:srcRect l="15904" b="4608"/>
+          <a:stretch/>
+        </p:blipFill>
+        <p:spPr>
+          <a:xfrm>
+            <a:off x="16383000" y="18364200"/>
+            <a:ext cx="1900806" cy="1841616"/>
+          </a:xfrm>
+          <a:prstGeom prst="rect">
+            <a:avLst/>
+          </a:prstGeom>
+        </p:spPr>
+      </p:pic>
+      <p:pic>
+        <p:nvPicPr>
+          <p:cNvPr id="34" name="Picture 33" descr="A screenshot of a cell phone&#10;&#10;Description automatically generated">
+            <a:extLst>
+              <a:ext uri="{FF2B5EF4-FFF2-40B4-BE49-F238E27FC236}">
+                <a16:creationId xmlns:a16="http://schemas.microsoft.com/office/drawing/2014/main" id="{02974C8A-F1FD-46DF-8F41-0ABD8837B2B8}"/>
+              </a:ext>
+            </a:extLst>
+          </p:cNvPr>
+          <p:cNvPicPr>
+            <a:picLocks noChangeAspect="1"/>
+          </p:cNvPicPr>
+          <p:nvPr/>
+        </p:nvPicPr>
+        <p:blipFill rotWithShape="1">
+          <a:blip r:embed="rId15"/>
+          <a:srcRect b="9991"/>
+          <a:stretch/>
+        </p:blipFill>
+        <p:spPr>
+          <a:xfrm>
+            <a:off x="18311454" y="18364201"/>
+            <a:ext cx="2039946" cy="1841616"/>
+          </a:xfrm>
+          <a:prstGeom prst="rect">
+            <a:avLst/>
+          </a:prstGeom>
+        </p:spPr>
+      </p:pic>
+      <p:sp>
+        <p:nvSpPr>
+          <p:cNvPr id="52" name="TextBox 51">
+            <a:extLst>
+              <a:ext uri="{FF2B5EF4-FFF2-40B4-BE49-F238E27FC236}">
+                <a16:creationId xmlns:a16="http://schemas.microsoft.com/office/drawing/2014/main" id="{870CCBDD-DFD7-4115-8487-DA6477C45E83}"/>
+              </a:ext>
+            </a:extLst>
+          </p:cNvPr>
+          <p:cNvSpPr txBox="1"/>
+          <p:nvPr/>
+        </p:nvSpPr>
+        <p:spPr>
+          <a:xfrm>
+            <a:off x="16751415" y="18054740"/>
+            <a:ext cx="3848945" cy="276999"/>
+          </a:xfrm>
+          <a:prstGeom prst="rect">
+            <a:avLst/>
+          </a:prstGeom>
+          <a:solidFill>
+            <a:schemeClr val="bg1"/>
+          </a:solidFill>
+        </p:spPr>
+        <p:txBody>
+          <a:bodyPr wrap="square" rtlCol="0">
+            <a:spAutoFit/>
+          </a:bodyPr>
+          <a:lstStyle/>
+          <a:p>
+            <a:pPr algn="l"/>
+            <a:r>
+              <a:rPr lang="en-US" sz="1200" dirty="0">
+                <a:solidFill>
+                  <a:srgbClr val="4069E1"/>
+                </a:solidFill>
+              </a:rPr>
+              <a:t>Original Map                        Extracted Text</a:t>
+            </a:r>
+          </a:p>
+        </p:txBody>
+      </p:sp>
+      <p:sp>
+        <p:nvSpPr>
+          <p:cNvPr id="53" name="TextBox 52">
+            <a:extLst>
+              <a:ext uri="{FF2B5EF4-FFF2-40B4-BE49-F238E27FC236}">
+                <a16:creationId xmlns:a16="http://schemas.microsoft.com/office/drawing/2014/main" id="{2F5CBFCE-7033-4258-A984-03A8B2659990}"/>
+              </a:ext>
+            </a:extLst>
+          </p:cNvPr>
+          <p:cNvSpPr txBox="1"/>
+          <p:nvPr/>
+        </p:nvSpPr>
+        <p:spPr>
+          <a:xfrm>
+            <a:off x="15474987" y="15436937"/>
+            <a:ext cx="5190295" cy="276999"/>
+          </a:xfrm>
+          <a:prstGeom prst="rect">
+            <a:avLst/>
+          </a:prstGeom>
+          <a:solidFill>
+            <a:schemeClr val="bg1"/>
+          </a:solidFill>
+        </p:spPr>
+        <p:txBody>
+          <a:bodyPr wrap="square" rtlCol="0">
+            <a:spAutoFit/>
+          </a:bodyPr>
+          <a:lstStyle/>
+          <a:p>
+            <a:pPr algn="l"/>
+            <a:r>
+              <a:rPr lang="en-US" sz="1200" dirty="0">
+                <a:solidFill>
+                  <a:srgbClr val="4069E1"/>
+                </a:solidFill>
+              </a:rPr>
+              <a:t>Original Adversarial Image                       Deep Protection output</a:t>
+            </a:r>
+          </a:p>
+        </p:txBody>
+      </p:sp>
     </p:spTree>
   </p:cSld>
   <p:clrMapOvr>

--- a/Poster/Deep-Protection-Poster-v0.1.pptx
+++ b/Poster/Deep-Protection-Poster-v0.1.pptx
@@ -7127,36 +7127,6 @@
       </p:pic>
       <p:pic>
         <p:nvPicPr>
-          <p:cNvPr id="3" name="Picture 2">
-            <a:extLst>
-              <a:ext uri="{FF2B5EF4-FFF2-40B4-BE49-F238E27FC236}">
-                <a16:creationId xmlns:a16="http://schemas.microsoft.com/office/drawing/2014/main" id="{E967C2A4-C1CB-FB46-8A53-107288DFF7FF}"/>
-              </a:ext>
-            </a:extLst>
-          </p:cNvPr>
-          <p:cNvPicPr>
-            <a:picLocks noChangeAspect="1"/>
-          </p:cNvPicPr>
-          <p:nvPr/>
-        </p:nvPicPr>
-        <p:blipFill>
-          <a:blip r:embed="rId6"/>
-          <a:stretch>
-            <a:fillRect/>
-          </a:stretch>
-        </p:blipFill>
-        <p:spPr>
-          <a:xfrm>
-            <a:off x="1330040" y="23792855"/>
-            <a:ext cx="8239336" cy="1048345"/>
-          </a:xfrm>
-          <a:prstGeom prst="rect">
-            <a:avLst/>
-          </a:prstGeom>
-        </p:spPr>
-      </p:pic>
-      <p:pic>
-        <p:nvPicPr>
           <p:cNvPr id="6" name="Picture 5">
             <a:extLst>
               <a:ext uri="{FF2B5EF4-FFF2-40B4-BE49-F238E27FC236}">
@@ -7170,7 +7140,7 @@
           <p:nvPr/>
         </p:nvPicPr>
         <p:blipFill>
-          <a:blip r:embed="rId7"/>
+          <a:blip r:embed="rId6"/>
           <a:stretch>
             <a:fillRect/>
           </a:stretch>
@@ -7200,7 +7170,7 @@
           <p:nvPr/>
         </p:nvPicPr>
         <p:blipFill>
-          <a:blip r:embed="rId8"/>
+          <a:blip r:embed="rId7"/>
           <a:stretch>
             <a:fillRect/>
           </a:stretch>
@@ -7250,7 +7220,7 @@
             <p:nvPr/>
           </p:nvPicPr>
           <p:blipFill>
-            <a:blip r:embed="rId9"/>
+            <a:blip r:embed="rId8"/>
             <a:stretch>
               <a:fillRect/>
             </a:stretch>
@@ -7280,7 +7250,7 @@
             <p:nvPr/>
           </p:nvPicPr>
           <p:blipFill>
-            <a:blip r:embed="rId10"/>
+            <a:blip r:embed="rId9"/>
             <a:stretch>
               <a:fillRect/>
             </a:stretch>
@@ -7524,7 +7494,7 @@
             <p:nvPr/>
           </p:nvPicPr>
           <p:blipFill>
-            <a:blip r:embed="rId11"/>
+            <a:blip r:embed="rId10"/>
             <a:stretch>
               <a:fillRect/>
             </a:stretch>
@@ -7609,12 +7579,12 @@
           <a:graphicData uri="http://schemas.openxmlformats.org/presentationml/2006/ole">
             <mc:AlternateContent xmlns:mc="http://schemas.openxmlformats.org/markup-compatibility/2006">
               <mc:Choice xmlns:v="urn:schemas-microsoft-com:vml" Requires="v">
-                <p:oleObj spid="_x0000_s1030" name="Acrobat Document" r:id="rId12" imgW="5478745" imgH="1752396" progId="AcroExch.Document.DC">
+                <p:oleObj spid="_x0000_s1035" name="Acrobat Document" r:id="rId11" imgW="5478745" imgH="1752396" progId="AcroExch.Document.DC">
                   <p:embed/>
                 </p:oleObj>
               </mc:Choice>
               <mc:Fallback>
-                <p:oleObj name="Acrobat Document" r:id="rId12" imgW="5478745" imgH="1752396" progId="AcroExch.Document.DC">
+                <p:oleObj name="Acrobat Document" r:id="rId11" imgW="5478745" imgH="1752396" progId="AcroExch.Document.DC">
                   <p:embed/>
                   <p:pic>
                     <p:nvPicPr>
@@ -7623,7 +7593,7 @@
                       <p:nvPr/>
                     </p:nvPicPr>
                     <p:blipFill>
-                      <a:blip r:embed="rId13"/>
+                      <a:blip r:embed="rId12"/>
                       <a:stretch>
                         <a:fillRect/>
                       </a:stretch>
@@ -7659,7 +7629,7 @@
           <p:nvPr/>
         </p:nvPicPr>
         <p:blipFill rotWithShape="1">
-          <a:blip r:embed="rId14"/>
+          <a:blip r:embed="rId13"/>
           <a:srcRect l="15904" b="4608"/>
           <a:stretch/>
         </p:blipFill>
@@ -7688,7 +7658,7 @@
           <p:nvPr/>
         </p:nvPicPr>
         <p:blipFill rotWithShape="1">
-          <a:blip r:embed="rId15"/>
+          <a:blip r:embed="rId14"/>
           <a:srcRect b="9991"/>
           <a:stretch/>
         </p:blipFill>
@@ -7786,6 +7756,36 @@
           </a:p>
         </p:txBody>
       </p:sp>
+      <p:pic>
+        <p:nvPicPr>
+          <p:cNvPr id="4" name="Picture 3">
+            <a:extLst>
+              <a:ext uri="{FF2B5EF4-FFF2-40B4-BE49-F238E27FC236}">
+                <a16:creationId xmlns:a16="http://schemas.microsoft.com/office/drawing/2014/main" id="{98552DB8-3DC3-FF40-83B2-9E24348D74BA}"/>
+              </a:ext>
+            </a:extLst>
+          </p:cNvPr>
+          <p:cNvPicPr>
+            <a:picLocks noChangeAspect="1"/>
+          </p:cNvPicPr>
+          <p:nvPr/>
+        </p:nvPicPr>
+        <p:blipFill>
+          <a:blip r:embed="rId15"/>
+          <a:stretch>
+            <a:fillRect/>
+          </a:stretch>
+        </p:blipFill>
+        <p:spPr>
+          <a:xfrm>
+            <a:off x="981859" y="23343183"/>
+            <a:ext cx="9434280" cy="1268475"/>
+          </a:xfrm>
+          <a:prstGeom prst="rect">
+            <a:avLst/>
+          </a:prstGeom>
+        </p:spPr>
+      </p:pic>
     </p:spTree>
   </p:cSld>
   <p:clrMapOvr>

--- a/Poster/Deep-Protection-Poster-v0.1.pptx
+++ b/Poster/Deep-Protection-Poster-v0.1.pptx
@@ -4416,7 +4416,7 @@
         <p:spPr bwMode="auto">
           <a:xfrm>
             <a:off x="683418" y="2016682"/>
-            <a:ext cx="20578763" cy="1712817"/>
+            <a:ext cx="20578763" cy="1251152"/>
           </a:xfrm>
           <a:prstGeom prst="rect">
             <a:avLst/>
@@ -4571,16 +4571,6 @@
                 </a:solidFill>
               </a:rPr>
               <a:t>Sourabh Kulkarni, Pradeep Ambati</a:t>
-            </a:r>
-          </a:p>
-          <a:p>
-            <a:r>
-              <a:rPr lang="en-US" altLang="en-US" sz="3000" dirty="0">
-                <a:solidFill>
-                  <a:srgbClr val="881C1C"/>
-                </a:solidFill>
-              </a:rPr>
-              <a:t>Advised by: Prof. Learned-Miller</a:t>
             </a:r>
           </a:p>
         </p:txBody>
@@ -4905,7 +4895,7 @@
             </a:pPr>
             <a:r>
               <a:rPr lang="en-US" sz="2400" b="0" dirty="0"/>
-              <a:t>Deep learning models have been widely successful and are being deployed in several computer vision applications.</a:t>
+              <a:t>Deep learning models have been widely successful and are being employed in several computer vision (CV) applications.</a:t>
             </a:r>
           </a:p>
           <a:p>
@@ -4915,7 +4905,7 @@
             </a:pPr>
             <a:r>
               <a:rPr lang="en-US" sz="2400" b="0" dirty="0"/>
-              <a:t>This widespread use has left the application spaces open to </a:t>
+              <a:t>This widespread use has left the CV application spaces open to </a:t>
             </a:r>
             <a:r>
               <a:rPr lang="en-US" sz="2400" dirty="0"/>
@@ -4923,7 +4913,7 @@
             </a:r>
             <a:r>
               <a:rPr lang="en-US" sz="2400" b="0" dirty="0"/>
-              <a:t>– images that have been slightly perturbed to cause misclassification in models.</a:t>
+              <a:t>– images that have been slightly perturbed to cause misclassification.</a:t>
             </a:r>
           </a:p>
           <a:p>
@@ -4933,7 +4923,7 @@
             </a:pPr>
             <a:r>
               <a:rPr lang="en-US" sz="2400" b="0" dirty="0"/>
-              <a:t>There are several types of attacks, and defenses against them are attack specific, not very practical in real world! </a:t>
+              <a:t>There exists several attacks types, and defenses against them are attack specific and hence not very practical in real world.</a:t>
             </a:r>
           </a:p>
           <a:p>
@@ -4943,7 +4933,7 @@
             </a:pPr>
             <a:r>
               <a:rPr lang="en-US" sz="2400" b="0" dirty="0"/>
-              <a:t>We reimagine adversarial defense problem as an image restoration problem - restore non-adversarial prior from the adversarial image. </a:t>
+              <a:t>We re-imagine adversarial defense problem as an image restoration problem - restore non-adversarial prior from the adversarial image. </a:t>
             </a:r>
           </a:p>
           <a:p>
@@ -4971,7 +4961,15 @@
             </a:pPr>
             <a:r>
               <a:rPr lang="en-US" sz="2400" b="0" dirty="0"/>
-              <a:t>We successfully demonstrate protection of deep networks (Deep Protection) against 8 different adversarial attacks and gain several in use of DIP in this application space.</a:t>
+              <a:t>We successfully demonstrate protection of deep networks (</a:t>
+            </a:r>
+            <a:r>
+              <a:rPr lang="en-US" sz="2400" dirty="0"/>
+              <a:t>Deep Protection) </a:t>
+            </a:r>
+            <a:r>
+              <a:rPr lang="en-US" sz="2400" b="0" dirty="0"/>
+              <a:t>against 8 different adversarial attack types and gain several insights in the process.</a:t>
             </a:r>
           </a:p>
           <a:p>
@@ -4990,7 +4988,7 @@
         <p:spPr bwMode="auto">
           <a:xfrm>
             <a:off x="1330040" y="11233150"/>
-            <a:ext cx="8958262" cy="5795667"/>
+            <a:ext cx="8958262" cy="5426335"/>
           </a:xfrm>
           <a:prstGeom prst="rect">
             <a:avLst/>
@@ -5174,7 +5172,7 @@
             </a:r>
             <a:r>
               <a:rPr lang="en-US" altLang="en-US" sz="2400" b="0" dirty="0"/>
-              <a:t>: Various techniques that slightly perturb image in pixel space to cause departure in feature/class space of a target deep network model. Have several types/subtypes, but basic premise stays the same.</a:t>
+              <a:t>: Various techniques that slightly perturb image in pixel space to cause departure in feature/class space of a target deep network model. Several approaches exist, but basic premise stays the same.</a:t>
             </a:r>
           </a:p>
           <a:p>
@@ -5192,7 +5190,7 @@
             </a:r>
             <a:r>
               <a:rPr lang="en-US" altLang="en-US" sz="2400" b="0" dirty="0"/>
-              <a:t>: Existing strategies usually target only one type of attack, examples: training models with adversarial examples, filtering input images, rotations and other linear operations. </a:t>
+              <a:t>: Existing strategies usually target only one attack type, e.g., training models with adversarial samples, filtering images, rotations and other linear operations. </a:t>
             </a:r>
           </a:p>
           <a:p>
@@ -5384,7 +5382,7 @@
         <p:spPr bwMode="auto">
           <a:xfrm>
             <a:off x="11272605" y="21360822"/>
-            <a:ext cx="9217001" cy="5918778"/>
+            <a:ext cx="9217001" cy="4810782"/>
           </a:xfrm>
           <a:prstGeom prst="rect">
             <a:avLst/>
@@ -5550,7 +5548,15 @@
             </a:r>
             <a:r>
               <a:rPr lang="en-US" altLang="en-US" sz="2400" b="0" dirty="0"/>
-              <a:t>: In both modes, Deep Protection is quite effective on all attacks, though need to work on dynamic stopping strategies to make best use</a:t>
+              <a:t>: In both modes, </a:t>
+            </a:r>
+            <a:r>
+              <a:rPr lang="en-US" altLang="en-US" sz="2400" b="0" i="1" dirty="0"/>
+              <a:t>Deep Protection </a:t>
+            </a:r>
+            <a:r>
+              <a:rPr lang="en-US" altLang="en-US" sz="2400" b="0" dirty="0"/>
+              <a:t>is quite effective on all 8 attacks, though need to work on automatic termination strategies to maximize accuracy</a:t>
             </a:r>
           </a:p>
           <a:p>
@@ -5568,7 +5574,7 @@
             </a:r>
             <a:r>
               <a:rPr lang="en-US" altLang="en-US" sz="2400" b="0" dirty="0"/>
-              <a:t>: No matter how the image is perturbed, the process of obtaining non-adversarial prior is the same – could mean that this process could be robust to any number of future attacks</a:t>
+              <a:t>: No matter how the image is perturbed, the process of restoring image is the same – could indicate that this process is robust to any future attacks</a:t>
             </a:r>
           </a:p>
           <a:p>
@@ -5605,24 +5611,6 @@
             <a:r>
               <a:rPr lang="en-US" altLang="en-US" sz="2400" b="0" dirty="0"/>
               <a:t>: Deep Protection is time consuming, though automatic termination could help speed it up</a:t>
-            </a:r>
-          </a:p>
-          <a:p>
-            <a:pPr algn="just" eaLnBrk="1" hangingPunct="1">
-              <a:buFont typeface="Arial" charset="0"/>
-              <a:buChar char="•"/>
-            </a:pPr>
-            <a:r>
-              <a:rPr lang="en-US" altLang="en-US" sz="2400" b="0" dirty="0"/>
-              <a:t> </a:t>
-            </a:r>
-            <a:r>
-              <a:rPr lang="en-US" altLang="en-US" sz="2400" dirty="0"/>
-              <a:t>Other applications</a:t>
-            </a:r>
-            <a:r>
-              <a:rPr lang="en-US" altLang="en-US" sz="2400" b="0" dirty="0"/>
-              <a:t>: Use of network architecture for processing may have further applications (even non-vision)</a:t>
             </a:r>
           </a:p>
         </p:txBody>
@@ -5800,7 +5788,15 @@
             </a:r>
             <a:r>
               <a:rPr lang="en-US" altLang="en-US" sz="2400" b="0" dirty="0"/>
-              <a:t>Work on strategies for automatic termination of Deep Protection process </a:t>
+              <a:t>Work on strategies for automatic termination of </a:t>
+            </a:r>
+            <a:r>
+              <a:rPr lang="en-US" altLang="en-US" sz="2400" b="0" i="1" dirty="0"/>
+              <a:t>Deep Protection </a:t>
+            </a:r>
+            <a:r>
+              <a:rPr lang="en-US" altLang="en-US" sz="2400" b="0" dirty="0"/>
+              <a:t>process </a:t>
             </a:r>
           </a:p>
           <a:p>
@@ -5810,7 +5806,15 @@
             </a:pPr>
             <a:r>
               <a:rPr lang="en-US" altLang="en-US" sz="2400" b="0" dirty="0"/>
-              <a:t> Design a binary classifier to detect if Deep Protection process is required for an input</a:t>
+              <a:t> Design a binary classifier to detect if </a:t>
+            </a:r>
+            <a:r>
+              <a:rPr lang="en-US" altLang="en-US" sz="2400" b="0" i="1" dirty="0"/>
+              <a:t>Deep Protection </a:t>
+            </a:r>
+            <a:r>
+              <a:rPr lang="en-US" altLang="en-US" sz="2400" b="0" dirty="0"/>
+              <a:t>process is required for an input</a:t>
             </a:r>
           </a:p>
           <a:p>
@@ -5820,7 +5824,7 @@
             </a:pPr>
             <a:r>
               <a:rPr lang="en-US" altLang="en-US" sz="2400" b="0" dirty="0"/>
-              <a:t> Explore other datasets: will this work on medical images?</a:t>
+              <a:t> Explore other datasets (e.g., will this work on medical images?)</a:t>
             </a:r>
           </a:p>
           <a:p>
@@ -5830,8 +5834,17 @@
             </a:pPr>
             <a:r>
               <a:rPr lang="en-US" altLang="en-US" sz="2400" b="0" dirty="0"/>
-              <a:t> Explore other applications of this approach </a:t>
-            </a:r>
+              <a:t> Explore other applications of </a:t>
+            </a:r>
+            <a:r>
+              <a:rPr lang="en-US" altLang="en-US" sz="2400" b="0" i="1" dirty="0"/>
+              <a:t>DIP </a:t>
+            </a:r>
+            <a:r>
+              <a:rPr lang="en-US" altLang="en-US" sz="2400" b="0" dirty="0"/>
+              <a:t>technique</a:t>
+            </a:r>
+            <a:endParaRPr lang="en-US" altLang="en-US" sz="2400" b="0" i="1" dirty="0"/>
           </a:p>
         </p:txBody>
       </p:sp>
@@ -5921,7 +5934,7 @@
         <p:spPr bwMode="auto">
           <a:xfrm>
             <a:off x="1219868" y="17028817"/>
-            <a:ext cx="8958262" cy="7315200"/>
+            <a:ext cx="8958262" cy="10412315"/>
           </a:xfrm>
           <a:prstGeom prst="rect">
             <a:avLst/>
@@ -6087,18 +6100,15 @@
             </a:r>
             <a:r>
               <a:rPr lang="en-US" altLang="en-US" sz="2400" b="0" dirty="0"/>
-              <a:t>: modify DIP and use it to obtain non-adversarial prior of an adversarial image. Treat adversarial image as a corrupted version of the original and run restoration on it. </a:t>
-            </a:r>
-            <a:r>
-              <a:rPr lang="en-US" altLang="en-US" sz="2400" b="0" dirty="0">
-                <a:latin typeface="Times New Roman" panose="02020603050405020304" pitchFamily="18" charset="0"/>
-                <a:cs typeface="Times New Roman" panose="02020603050405020304" pitchFamily="18" charset="0"/>
-              </a:rPr>
-              <a:t> </a:t>
+              <a:t>: Modify </a:t>
+            </a:r>
+            <a:r>
+              <a:rPr lang="en-US" altLang="en-US" sz="2400" b="0" i="1" dirty="0"/>
+              <a:t>DIP</a:t>
             </a:r>
             <a:r>
               <a:rPr lang="en-US" altLang="en-US" sz="2400" b="0" dirty="0"/>
-              <a:t> </a:t>
+              <a:t> and use it to obtain the non-adversarial prior of an adversarial image. (Treat adversarial image as a corrupted version of the original and run restoration on it) </a:t>
             </a:r>
           </a:p>
           <a:p>
@@ -6106,10 +6116,7 @@
               <a:buFont typeface="Arial" charset="0"/>
               <a:buChar char="•"/>
             </a:pPr>
-            <a:r>
-              <a:rPr lang="en-US" altLang="en-US" sz="2400" b="0" dirty="0"/>
-              <a:t> Architecture (block diagram, talk to it, no text)</a:t>
-            </a:r>
+            <a:endParaRPr lang="en-US" altLang="en-US" sz="2400" dirty="0"/>
           </a:p>
           <a:p>
             <a:pPr algn="just" eaLnBrk="1" hangingPunct="1">
@@ -6117,12 +6124,8 @@
               <a:buChar char="•"/>
             </a:pPr>
             <a:r>
-              <a:rPr lang="en-US" altLang="en-US" sz="2400" b="0" dirty="0"/>
-              <a:t> </a:t>
-            </a:r>
-            <a:r>
               <a:rPr lang="en-US" altLang="en-US" sz="2400" dirty="0"/>
-              <a:t>Deep Protection Process</a:t>
+              <a:t> Deep Protection Process</a:t>
             </a:r>
             <a:r>
               <a:rPr lang="en-US" altLang="en-US" sz="2400" b="0" dirty="0"/>
@@ -6146,7 +6149,15 @@
             </a:pPr>
             <a:r>
               <a:rPr lang="en-US" altLang="en-US" sz="2400" b="0" dirty="0"/>
-              <a:t>Loss: L2 MSE with target image</a:t>
+              <a:t>Loss: </a:t>
+            </a:r>
+            <a:r>
+              <a:rPr lang="en-US" altLang="en-US" sz="2400" b="0" i="1" dirty="0"/>
+              <a:t>L2 MSE </a:t>
+            </a:r>
+            <a:r>
+              <a:rPr lang="en-US" altLang="en-US" sz="2400" b="0" dirty="0"/>
+              <a:t>with target image</a:t>
             </a:r>
           </a:p>
           <a:p>
@@ -6156,7 +6167,23 @@
             </a:pPr>
             <a:r>
               <a:rPr lang="en-US" altLang="en-US" sz="2400" b="0" dirty="0"/>
-              <a:t>Hyperparamter tuning: chosen config – ADAM optimizer, swish activation. </a:t>
+              <a:t>Hyperparamter tuning: chosen config – </a:t>
+            </a:r>
+            <a:r>
+              <a:rPr lang="en-US" altLang="en-US" sz="2400" b="0" i="1" dirty="0"/>
+              <a:t>ADAM</a:t>
+            </a:r>
+            <a:r>
+              <a:rPr lang="en-US" altLang="en-US" sz="2400" b="0" dirty="0"/>
+              <a:t> optimizer and </a:t>
+            </a:r>
+            <a:r>
+              <a:rPr lang="en-US" altLang="en-US" sz="2400" b="0" i="1" dirty="0"/>
+              <a:t>swish</a:t>
+            </a:r>
+            <a:r>
+              <a:rPr lang="en-US" altLang="en-US" sz="2400" b="0" dirty="0"/>
+              <a:t> activation</a:t>
             </a:r>
           </a:p>
           <a:p>
@@ -6166,7 +6193,7 @@
             </a:pPr>
             <a:r>
               <a:rPr lang="en-US" altLang="en-US" sz="2400" b="0" dirty="0"/>
-              <a:t>Termination: Dynamic (Image specific, Hard), Static (Fixed iteration, easy)</a:t>
+              <a:t>Termination: Automatic (Image specific, complex) and Static (Fixed iteration, simple)</a:t>
             </a:r>
           </a:p>
           <a:p>
@@ -6176,7 +6203,7 @@
             </a:pPr>
             <a:r>
               <a:rPr lang="en-US" altLang="en-US" sz="2400" b="0" dirty="0"/>
-              <a:t>Classification: Off-the-shelf classifier (ResNet18) </a:t>
+              <a:t>Classification: Off-the-shelf classifier (ResNet18)</a:t>
             </a:r>
           </a:p>
           <a:p>
@@ -6283,7 +6310,7 @@
         <p:spPr bwMode="auto">
           <a:xfrm>
             <a:off x="1109696" y="25866174"/>
-            <a:ext cx="8958262" cy="5857222"/>
+            <a:ext cx="9068434" cy="6226554"/>
           </a:xfrm>
           <a:prstGeom prst="rect">
             <a:avLst/>
@@ -6313,7 +6340,7 @@
           </a:extLst>
         </p:spPr>
         <p:txBody>
-          <a:bodyPr lIns="70336" tIns="35168" rIns="70336" bIns="35168">
+          <a:bodyPr wrap="square" lIns="70336" tIns="35168" rIns="70336" bIns="35168">
             <a:spAutoFit/>
           </a:bodyPr>
           <a:lstStyle>
@@ -6441,8 +6468,12 @@
               <a:buChar char="•"/>
             </a:pPr>
             <a:r>
+              <a:rPr lang="en-US" sz="2400" dirty="0"/>
+              <a:t>Main experiment  </a:t>
+            </a:r>
+            <a:r>
               <a:rPr lang="en-US" sz="2400" b="0" dirty="0"/>
-              <a:t>Main experiment  - Check effectiveness of Deep Protection:</a:t>
+              <a:t>- Check effectiveness of Deep Protection:</a:t>
             </a:r>
           </a:p>
           <a:p>
@@ -6452,7 +6483,7 @@
             </a:pPr>
             <a:r>
               <a:rPr lang="en-US" sz="2400" b="0" dirty="0"/>
-              <a:t>Take 100 ImageNet examples</a:t>
+              <a:t>100 ImageNet examples (from 25 categories)</a:t>
             </a:r>
           </a:p>
           <a:p>
@@ -6462,15 +6493,7 @@
             </a:pPr>
             <a:r>
               <a:rPr lang="en-US" sz="2400" b="0" dirty="0"/>
-              <a:t>Apply 8 attacks per image using </a:t>
-            </a:r>
-            <a:r>
-              <a:rPr lang="en-US" sz="2400" b="0" dirty="0" err="1"/>
-              <a:t>foolbox</a:t>
-            </a:r>
-            <a:r>
-              <a:rPr lang="en-US" sz="2400" b="0" dirty="0"/>
-              <a:t>, 800 total</a:t>
+              <a:t>Apply 8 attacks per image using foolbox (800 inputs in total)</a:t>
             </a:r>
           </a:p>
           <a:p>
@@ -6479,8 +6502,24 @@
               <a:buChar char="Ø"/>
             </a:pPr>
             <a:r>
+              <a:rPr lang="en-US" sz="2400" b="0" i="1" dirty="0"/>
+              <a:t>Deep Protection </a:t>
+            </a:r>
+            <a:r>
               <a:rPr lang="en-US" sz="2400" b="0" dirty="0"/>
-              <a:t>Run Deep Protect in two modes – dynamic and static</a:t>
+              <a:t>in two modes – </a:t>
+            </a:r>
+            <a:r>
+              <a:rPr lang="en-US" sz="2400" b="0" i="1" dirty="0"/>
+              <a:t>automatic</a:t>
+            </a:r>
+            <a:r>
+              <a:rPr lang="en-US" sz="2400" b="0" dirty="0"/>
+              <a:t> and </a:t>
+            </a:r>
+            <a:r>
+              <a:rPr lang="en-US" sz="2400" b="0" i="1" dirty="0"/>
+              <a:t>static</a:t>
             </a:r>
           </a:p>
           <a:p>
@@ -6490,7 +6529,7 @@
             </a:pPr>
             <a:r>
               <a:rPr lang="en-US" sz="2400" b="0" dirty="0"/>
-              <a:t>Classify the obtained priors using resnet18 </a:t>
+              <a:t>Classify the obtained priors using resnet18</a:t>
             </a:r>
           </a:p>
           <a:p>
@@ -6513,8 +6552,20 @@
               <a:buChar char="•"/>
             </a:pPr>
             <a:r>
+              <a:rPr lang="en-US" sz="2400" dirty="0"/>
+              <a:t>Exploring DIP application space </a:t>
+            </a:r>
+            <a:r>
               <a:rPr lang="en-US" sz="2400" b="0" dirty="0"/>
-              <a:t>Some side experimentation – Text extraction from maps:</a:t>
+              <a:t>– </a:t>
+            </a:r>
+            <a:r>
+              <a:rPr lang="en-US" sz="2400" b="0" i="1" dirty="0"/>
+              <a:t>Text extraction from maps</a:t>
+            </a:r>
+            <a:r>
+              <a:rPr lang="en-US" sz="2400" b="0" dirty="0"/>
+              <a:t>:</a:t>
             </a:r>
           </a:p>
           <a:p>
@@ -6523,8 +6574,12 @@
               <a:buChar char="Ø"/>
             </a:pPr>
             <a:r>
+              <a:rPr lang="en-US" sz="2400" b="0" i="1" dirty="0"/>
+              <a:t>Key idea </a:t>
+            </a:r>
+            <a:r>
               <a:rPr lang="en-US" sz="2400" b="0" dirty="0"/>
-              <a:t>Key idea – text is harder to draw than terrain/roads</a:t>
+              <a:t>– text is harder to draw than terrain/roads</a:t>
             </a:r>
           </a:p>
           <a:p>
@@ -6534,7 +6589,15 @@
             </a:pPr>
             <a:r>
               <a:rPr lang="en-US" sz="2400" b="0" dirty="0"/>
-              <a:t>Use Deep Image Residual (what is NOT generated by DIP yet)</a:t>
+              <a:t>Use </a:t>
+            </a:r>
+            <a:r>
+              <a:rPr lang="en-US" sz="2400" b="0" i="1" dirty="0"/>
+              <a:t>Deep Image Residual </a:t>
+            </a:r>
+            <a:r>
+              <a:rPr lang="en-US" sz="2400" b="0" dirty="0"/>
+              <a:t>(what is NOT generated by DIP yet)</a:t>
             </a:r>
           </a:p>
           <a:p>
@@ -6721,7 +6784,7 @@
           <a:p>
             <a:pPr algn="l"/>
             <a:r>
-              <a:rPr lang="en-US" altLang="en-US" sz="2400" b="0" dirty="0"/>
+              <a:rPr lang="en-US" altLang="en-US" sz="2400" dirty="0"/>
               <a:t>Automatic termination case:</a:t>
             </a:r>
           </a:p>
@@ -6749,7 +6812,7 @@
             </a:pPr>
             <a:r>
               <a:rPr lang="en-US" altLang="en-US" sz="2400" b="0" dirty="0"/>
-              <a:t>Represents Ideal performance</a:t>
+              <a:t>Represents Ideal accuracy</a:t>
             </a:r>
           </a:p>
           <a:p>
@@ -6758,8 +6821,8 @@
               <a:buChar char="•"/>
             </a:pPr>
             <a:r>
-              <a:rPr lang="en-US" altLang="en-US" sz="2400" b="0" dirty="0"/>
-              <a:t>Avg accuracy:</a:t>
+              <a:rPr lang="en-US" altLang="en-US" sz="2400" b="0" i="1" dirty="0"/>
+              <a:t>Avg accuracy: 97.4%</a:t>
             </a:r>
           </a:p>
           <a:p>
@@ -6779,14 +6842,14 @@
           <a:p>
             <a:pPr algn="l"/>
             <a:r>
-              <a:rPr lang="en-US" altLang="en-US" sz="2400" b="0" dirty="0"/>
+              <a:rPr lang="en-US" altLang="en-US" sz="2400" dirty="0"/>
               <a:t>Determining iteration for fixed </a:t>
             </a:r>
             <a:br>
-              <a:rPr lang="en-US" altLang="en-US" sz="2400" b="0" dirty="0"/>
+              <a:rPr lang="en-US" altLang="en-US" sz="2400" dirty="0"/>
             </a:br>
             <a:r>
-              <a:rPr lang="en-US" altLang="en-US" sz="2400" b="0" dirty="0"/>
+              <a:rPr lang="en-US" altLang="en-US" sz="2400" dirty="0"/>
               <a:t>termination:</a:t>
             </a:r>
           </a:p>
@@ -6834,7 +6897,7 @@
           <a:p>
             <a:pPr algn="l"/>
             <a:r>
-              <a:rPr lang="en-US" altLang="en-US" sz="2400" b="0" dirty="0"/>
+              <a:rPr lang="en-US" altLang="en-US" sz="2400" dirty="0"/>
               <a:t>Fixed termination case:</a:t>
             </a:r>
           </a:p>
@@ -6861,8 +6924,8 @@
               <a:buChar char="•"/>
             </a:pPr>
             <a:r>
-              <a:rPr lang="en-US" altLang="en-US" sz="2400" b="0" dirty="0"/>
-              <a:t>Lower avg accuracy:</a:t>
+              <a:rPr lang="en-US" altLang="en-US" sz="2400" b="0" i="1" dirty="0"/>
+              <a:t>Avg accuracy: 84.4%</a:t>
             </a:r>
           </a:p>
           <a:p>
@@ -6882,7 +6945,7 @@
           <a:p>
             <a:pPr algn="l"/>
             <a:r>
-              <a:rPr lang="en-US" altLang="en-US" sz="2400" b="0" dirty="0"/>
+              <a:rPr lang="en-US" altLang="en-US" sz="2400" dirty="0"/>
               <a:t>Errors in fixed termination:</a:t>
             </a:r>
           </a:p>
@@ -6907,7 +6970,7 @@
             </a:br>
             <a:r>
               <a:rPr lang="en-US" altLang="en-US" sz="2400" b="0" dirty="0"/>
-              <a:t>creep in</a:t>
+              <a:t>reappear</a:t>
             </a:r>
           </a:p>
           <a:p>
@@ -6945,7 +7008,7 @@
           <a:p>
             <a:pPr algn="l"/>
             <a:r>
-              <a:rPr lang="en-US" altLang="en-US" sz="2400" b="0" dirty="0"/>
+              <a:rPr lang="en-US" altLang="en-US" sz="2400" dirty="0"/>
               <a:t>Real-world example:</a:t>
             </a:r>
           </a:p>
@@ -6984,7 +7047,7 @@
           <a:p>
             <a:pPr algn="l"/>
             <a:r>
-              <a:rPr lang="en-US" altLang="en-US" sz="2400" b="0" dirty="0"/>
+              <a:rPr lang="en-US" altLang="en-US" sz="2400" dirty="0"/>
               <a:t>Text extraction from maps:</a:t>
             </a:r>
           </a:p>
@@ -7331,12 +7394,8 @@
             <a:lstStyle/>
             <a:p>
               <a:r>
-                <a:rPr lang="en-US" sz="900" b="0" dirty="0" err="1"/>
-                <a:t>Iter</a:t>
-              </a:r>
-              <a:r>
                 <a:rPr lang="en-US" sz="900" b="0" dirty="0"/>
-                <a:t> = 1750</a:t>
+                <a:t>Iter = 1750</a:t>
               </a:r>
             </a:p>
           </p:txBody>
@@ -7407,12 +7466,8 @@
             <a:lstStyle/>
             <a:p>
               <a:r>
-                <a:rPr lang="en-US" sz="900" b="0" dirty="0" err="1"/>
-                <a:t>Iter</a:t>
-              </a:r>
-              <a:r>
                 <a:rPr lang="en-US" sz="900" b="0" dirty="0"/>
-                <a:t> = 1750</a:t>
+                <a:t>Iter = 1750</a:t>
               </a:r>
             </a:p>
           </p:txBody>
@@ -7579,7 +7634,7 @@
           <a:graphicData uri="http://schemas.openxmlformats.org/presentationml/2006/ole">
             <mc:AlternateContent xmlns:mc="http://schemas.openxmlformats.org/markup-compatibility/2006">
               <mc:Choice xmlns:v="urn:schemas-microsoft-com:vml" Requires="v">
-                <p:oleObj spid="_x0000_s1035" name="Acrobat Document" r:id="rId11" imgW="5478745" imgH="1752396" progId="AcroExch.Document.DC">
+                <p:oleObj spid="_x0000_s1143" name="Acrobat Document" r:id="rId11" imgW="5478745" imgH="1752396" progId="AcroExch.Document.DC">
                   <p:embed/>
                 </p:oleObj>
               </mc:Choice>

--- a/Poster/Deep-Protection-Poster-v0.1.pptx
+++ b/Poster/Deep-Protection-Poster-v0.1.pptx
@@ -4885,7 +4885,7 @@
             <a:endParaRPr lang="en-US" altLang="en-US" sz="2800" dirty="0"/>
           </a:p>
           <a:p>
-            <a:pPr algn="l" eaLnBrk="1" hangingPunct="1"/>
+            <a:pPr eaLnBrk="1" hangingPunct="1"/>
             <a:endParaRPr lang="en-US" altLang="en-US" sz="2800" dirty="0"/>
           </a:p>
           <a:p>
@@ -4988,7 +4988,7 @@
         <p:spPr bwMode="auto">
           <a:xfrm>
             <a:off x="1330040" y="11233150"/>
-            <a:ext cx="8958262" cy="5426335"/>
+            <a:ext cx="8958262" cy="5487890"/>
           </a:xfrm>
           <a:prstGeom prst="rect">
             <a:avLst/>
@@ -5137,7 +5137,7 @@
           </a:p>
           <a:p>
             <a:pPr eaLnBrk="1" hangingPunct="1"/>
-            <a:endParaRPr lang="en-US" altLang="en-US" sz="2400" b="0" dirty="0"/>
+            <a:endParaRPr lang="en-US" altLang="en-US" sz="2800" b="0" dirty="0"/>
           </a:p>
           <a:p>
             <a:pPr algn="just" eaLnBrk="1" hangingPunct="1">
@@ -5933,7 +5933,7 @@
         </p:nvSpPr>
         <p:spPr bwMode="auto">
           <a:xfrm>
-            <a:off x="1219868" y="17028817"/>
+            <a:off x="1219868" y="16822997"/>
             <a:ext cx="8958262" cy="10412315"/>
           </a:xfrm>
           <a:prstGeom prst="rect">
@@ -6083,7 +6083,7 @@
           </a:p>
           <a:p>
             <a:pPr eaLnBrk="1" hangingPunct="1"/>
-            <a:endParaRPr lang="en-US" altLang="en-US" sz="3600" dirty="0"/>
+            <a:endParaRPr lang="en-US" altLang="en-US" sz="2800" dirty="0"/>
           </a:p>
           <a:p>
             <a:pPr algn="just" eaLnBrk="1" hangingPunct="1">
@@ -6309,7 +6309,7 @@
         </p:nvSpPr>
         <p:spPr bwMode="auto">
           <a:xfrm>
-            <a:off x="1109696" y="25866174"/>
+            <a:off x="1164782" y="25127722"/>
             <a:ext cx="9068434" cy="6226554"/>
           </a:xfrm>
           <a:prstGeom prst="rect">
@@ -7634,7 +7634,7 @@
           <a:graphicData uri="http://schemas.openxmlformats.org/presentationml/2006/ole">
             <mc:AlternateContent xmlns:mc="http://schemas.openxmlformats.org/markup-compatibility/2006">
               <mc:Choice xmlns:v="urn:schemas-microsoft-com:vml" Requires="v">
-                <p:oleObj spid="_x0000_s1143" name="Acrobat Document" r:id="rId11" imgW="5478745" imgH="1752396" progId="AcroExch.Document.DC">
+                <p:oleObj spid="_x0000_s1147" name="Acrobat Document" r:id="rId11" imgW="5478745" imgH="1752396" progId="AcroExch.Document.DC">
                   <p:embed/>
                 </p:oleObj>
               </mc:Choice>
@@ -7833,7 +7833,7 @@
         </p:blipFill>
         <p:spPr>
           <a:xfrm>
-            <a:off x="981859" y="23343183"/>
+            <a:off x="1092031" y="22776163"/>
             <a:ext cx="9434280" cy="1268475"/>
           </a:xfrm>
           <a:prstGeom prst="rect">
